--- a/trunk/preliminary/Working/presentations/KeyStoneArmDspWorkingTogether.pptx
+++ b/trunk/preliminary/Working/presentations/KeyStoneArmDspWorkingTogether.pptx
@@ -5,10 +5,10 @@
     <p:sldMasterId id="2147483660" r:id="rId1"/>
   </p:sldMasterIdLst>
   <p:notesMasterIdLst>
-    <p:notesMasterId r:id="rId79"/>
+    <p:notesMasterId r:id="rId85"/>
   </p:notesMasterIdLst>
   <p:handoutMasterIdLst>
-    <p:handoutMasterId r:id="rId80"/>
+    <p:handoutMasterId r:id="rId86"/>
   </p:handoutMasterIdLst>
   <p:sldIdLst>
     <p:sldId id="301" r:id="rId2"/>
@@ -47,52 +47,58 @@
     <p:sldId id="448" r:id="rId35"/>
     <p:sldId id="449" r:id="rId36"/>
     <p:sldId id="450" r:id="rId37"/>
-    <p:sldId id="451" r:id="rId38"/>
-    <p:sldId id="457" r:id="rId39"/>
-    <p:sldId id="452" r:id="rId40"/>
-    <p:sldId id="454" r:id="rId41"/>
-    <p:sldId id="459" r:id="rId42"/>
-    <p:sldId id="456" r:id="rId43"/>
-    <p:sldId id="455" r:id="rId44"/>
-    <p:sldId id="432" r:id="rId45"/>
-    <p:sldId id="399" r:id="rId46"/>
-    <p:sldId id="400" r:id="rId47"/>
-    <p:sldId id="401" r:id="rId48"/>
-    <p:sldId id="433" r:id="rId49"/>
-    <p:sldId id="402" r:id="rId50"/>
-    <p:sldId id="404" r:id="rId51"/>
-    <p:sldId id="405" r:id="rId52"/>
-    <p:sldId id="406" r:id="rId53"/>
-    <p:sldId id="460" r:id="rId54"/>
-    <p:sldId id="461" r:id="rId55"/>
-    <p:sldId id="462" r:id="rId56"/>
-    <p:sldId id="463" r:id="rId57"/>
-    <p:sldId id="559" r:id="rId58"/>
-    <p:sldId id="582" r:id="rId59"/>
-    <p:sldId id="583" r:id="rId60"/>
+    <p:sldId id="457" r:id="rId38"/>
+    <p:sldId id="452" r:id="rId39"/>
+    <p:sldId id="454" r:id="rId40"/>
+    <p:sldId id="459" r:id="rId41"/>
+    <p:sldId id="456" r:id="rId42"/>
+    <p:sldId id="455" r:id="rId43"/>
+    <p:sldId id="432" r:id="rId44"/>
+    <p:sldId id="399" r:id="rId45"/>
+    <p:sldId id="400" r:id="rId46"/>
+    <p:sldId id="401" r:id="rId47"/>
+    <p:sldId id="433" r:id="rId48"/>
+    <p:sldId id="402" r:id="rId49"/>
+    <p:sldId id="404" r:id="rId50"/>
+    <p:sldId id="405" r:id="rId51"/>
+    <p:sldId id="406" r:id="rId52"/>
+    <p:sldId id="460" r:id="rId53"/>
+    <p:sldId id="461" r:id="rId54"/>
+    <p:sldId id="462" r:id="rId55"/>
+    <p:sldId id="463" r:id="rId56"/>
+    <p:sldId id="559" r:id="rId57"/>
+    <p:sldId id="582" r:id="rId58"/>
+    <p:sldId id="583" r:id="rId59"/>
+    <p:sldId id="590" r:id="rId60"/>
     <p:sldId id="584" r:id="rId61"/>
     <p:sldId id="585" r:id="rId62"/>
     <p:sldId id="586" r:id="rId63"/>
     <p:sldId id="587" r:id="rId64"/>
-    <p:sldId id="588" r:id="rId65"/>
-    <p:sldId id="589" r:id="rId66"/>
-    <p:sldId id="386" r:id="rId67"/>
-    <p:sldId id="387" r:id="rId68"/>
-    <p:sldId id="388" r:id="rId69"/>
-    <p:sldId id="389" r:id="rId70"/>
-    <p:sldId id="390" r:id="rId71"/>
-    <p:sldId id="561" r:id="rId72"/>
-    <p:sldId id="562" r:id="rId73"/>
-    <p:sldId id="568" r:id="rId74"/>
-    <p:sldId id="569" r:id="rId75"/>
-    <p:sldId id="570" r:id="rId76"/>
-    <p:sldId id="575" r:id="rId77"/>
-    <p:sldId id="300" r:id="rId78"/>
+    <p:sldId id="593" r:id="rId65"/>
+    <p:sldId id="595" r:id="rId66"/>
+    <p:sldId id="596" r:id="rId67"/>
+    <p:sldId id="597" r:id="rId68"/>
+    <p:sldId id="600" r:id="rId69"/>
+    <p:sldId id="599" r:id="rId70"/>
+    <p:sldId id="594" r:id="rId71"/>
+    <p:sldId id="588" r:id="rId72"/>
+    <p:sldId id="591" r:id="rId73"/>
+    <p:sldId id="386" r:id="rId74"/>
+    <p:sldId id="387" r:id="rId75"/>
+    <p:sldId id="388" r:id="rId76"/>
+    <p:sldId id="389" r:id="rId77"/>
+    <p:sldId id="390" r:id="rId78"/>
+    <p:sldId id="561" r:id="rId79"/>
+    <p:sldId id="562" r:id="rId80"/>
+    <p:sldId id="568" r:id="rId81"/>
+    <p:sldId id="569" r:id="rId82"/>
+    <p:sldId id="570" r:id="rId83"/>
+    <p:sldId id="575" r:id="rId84"/>
   </p:sldIdLst>
   <p:sldSz cx="9144000" cy="6858000" type="screen4x3"/>
   <p:notesSz cx="7315200" cy="9601200"/>
   <p:custDataLst>
-    <p:tags r:id="rId81"/>
+    <p:tags r:id="rId87"/>
   </p:custDataLst>
   <p:defaultTextStyle>
     <a:defPPr>
@@ -275,7 +281,7 @@
             <a:fld id="{792E6ECC-D4E1-4AE4-A1EA-2A7A85AB2673}" type="datetimeFigureOut">
               <a:rPr lang="en-US" smtClean="0"/>
               <a:pPr/>
-              <a:t>1/6/2014</a:t>
+              <a:t>1/15/2014</a:t>
             </a:fld>
             <a:endParaRPr lang="en-US" dirty="0"/>
           </a:p>
@@ -437,7 +443,7 @@
             <a:fld id="{C676C751-4C04-614B-9B76-AAC11CF48BFD}" type="datetimeFigureOut">
               <a:rPr lang="en-US" smtClean="0"/>
               <a:pPr/>
-              <a:t>1/6/2014</a:t>
+              <a:t>1/15/2014</a:t>
             </a:fld>
             <a:endParaRPr lang="en-US" dirty="0"/>
           </a:p>
@@ -774,7 +780,89 @@
             <a:fld id="{3FBE128B-3BB0-2845-A632-18E6B49BCDB0}" type="slidenum">
               <a:rPr lang="en-US" smtClean="0"/>
               <a:pPr/>
-              <a:t>19</a:t>
+              <a:t>10</a:t>
+            </a:fld>
+            <a:endParaRPr lang="en-US" dirty="0"/>
+          </a:p>
+        </p:txBody>
+      </p:sp>
+    </p:spTree>
+  </p:cSld>
+  <p:clrMapOvr>
+    <a:masterClrMapping/>
+  </p:clrMapOvr>
+</p:notes>
+</file>
+
+<file path=ppt/notesSlides/notesSlide10.xml><?xml version="1.0" encoding="utf-8"?>
+<p:notes xmlns:a="http://schemas.openxmlformats.org/drawingml/2006/main" xmlns:r="http://schemas.openxmlformats.org/officeDocument/2006/relationships" xmlns:p="http://schemas.openxmlformats.org/presentationml/2006/main">
+  <p:cSld>
+    <p:spTree>
+      <p:nvGrpSpPr>
+        <p:cNvPr id="1" name=""/>
+        <p:cNvGrpSpPr/>
+        <p:nvPr/>
+      </p:nvGrpSpPr>
+      <p:grpSpPr>
+        <a:xfrm>
+          <a:off x="0" y="0"/>
+          <a:ext cx="0" cy="0"/>
+          <a:chOff x="0" y="0"/>
+          <a:chExt cx="0" cy="0"/>
+        </a:xfrm>
+      </p:grpSpPr>
+      <p:sp>
+        <p:nvSpPr>
+          <p:cNvPr id="2" name="Slide Image Placeholder 1"/>
+          <p:cNvSpPr>
+            <a:spLocks noGrp="1" noRot="1" noChangeAspect="1"/>
+          </p:cNvSpPr>
+          <p:nvPr>
+            <p:ph type="sldImg"/>
+          </p:nvPr>
+        </p:nvSpPr>
+        <p:spPr/>
+      </p:sp>
+      <p:sp>
+        <p:nvSpPr>
+          <p:cNvPr id="3" name="Notes Placeholder 2"/>
+          <p:cNvSpPr>
+            <a:spLocks noGrp="1"/>
+          </p:cNvSpPr>
+          <p:nvPr>
+            <p:ph type="body" idx="1"/>
+          </p:nvPr>
+        </p:nvSpPr>
+        <p:spPr/>
+        <p:txBody>
+          <a:bodyPr>
+            <a:normAutofit/>
+          </a:bodyPr>
+          <a:lstStyle/>
+          <a:p>
+            <a:endParaRPr lang="en-US" dirty="0"/>
+          </a:p>
+        </p:txBody>
+      </p:sp>
+      <p:sp>
+        <p:nvSpPr>
+          <p:cNvPr id="4" name="Slide Number Placeholder 3"/>
+          <p:cNvSpPr>
+            <a:spLocks noGrp="1"/>
+          </p:cNvSpPr>
+          <p:nvPr>
+            <p:ph type="sldNum" sz="quarter" idx="10"/>
+          </p:nvPr>
+        </p:nvSpPr>
+        <p:spPr/>
+        <p:txBody>
+          <a:bodyPr/>
+          <a:lstStyle/>
+          <a:p>
+            <a:fld id="{3FBE128B-3BB0-2845-A632-18E6B49BCDB0}" type="slidenum">
+              <a:rPr lang="en-US" smtClean="0"/>
+              <a:pPr/>
+              <a:t>70</a:t>
             </a:fld>
             <a:endParaRPr lang="en-US" dirty="0"/>
           </a:p>
@@ -856,7 +944,7 @@
             <a:fld id="{3FBE128B-3BB0-2845-A632-18E6B49BCDB0}" type="slidenum">
               <a:rPr lang="en-US" smtClean="0"/>
               <a:pPr/>
-              <a:t>20</a:t>
+              <a:t>19</a:t>
             </a:fld>
             <a:endParaRPr lang="en-US" dirty="0"/>
           </a:p>
@@ -938,7 +1026,7 @@
             <a:fld id="{3FBE128B-3BB0-2845-A632-18E6B49BCDB0}" type="slidenum">
               <a:rPr lang="en-US" smtClean="0"/>
               <a:pPr/>
-              <a:t>58</a:t>
+              <a:t>20</a:t>
             </a:fld>
             <a:endParaRPr lang="en-US" dirty="0"/>
           </a:p>
@@ -1020,7 +1108,7 @@
             <a:fld id="{3FBE128B-3BB0-2845-A632-18E6B49BCDB0}" type="slidenum">
               <a:rPr lang="en-US" smtClean="0"/>
               <a:pPr/>
-              <a:t>59</a:t>
+              <a:t>57</a:t>
             </a:fld>
             <a:endParaRPr lang="en-US" dirty="0"/>
           </a:p>
@@ -1102,7 +1190,7 @@
             <a:fld id="{3FBE128B-3BB0-2845-A632-18E6B49BCDB0}" type="slidenum">
               <a:rPr lang="en-US" smtClean="0"/>
               <a:pPr/>
-              <a:t>60</a:t>
+              <a:t>58</a:t>
             </a:fld>
             <a:endParaRPr lang="en-US" dirty="0"/>
           </a:p>
@@ -1184,7 +1272,7 @@
             <a:fld id="{3FBE128B-3BB0-2845-A632-18E6B49BCDB0}" type="slidenum">
               <a:rPr lang="en-US" smtClean="0"/>
               <a:pPr/>
-              <a:t>61</a:t>
+              <a:t>60</a:t>
             </a:fld>
             <a:endParaRPr lang="en-US" dirty="0"/>
           </a:p>
@@ -1266,7 +1354,171 @@
             <a:fld id="{3FBE128B-3BB0-2845-A632-18E6B49BCDB0}" type="slidenum">
               <a:rPr lang="en-US" smtClean="0"/>
               <a:pPr/>
+              <a:t>61</a:t>
+            </a:fld>
+            <a:endParaRPr lang="en-US" dirty="0"/>
+          </a:p>
+        </p:txBody>
+      </p:sp>
+    </p:spTree>
+  </p:cSld>
+  <p:clrMapOvr>
+    <a:masterClrMapping/>
+  </p:clrMapOvr>
+</p:notes>
+</file>
+
+<file path=ppt/notesSlides/notesSlide8.xml><?xml version="1.0" encoding="utf-8"?>
+<p:notes xmlns:a="http://schemas.openxmlformats.org/drawingml/2006/main" xmlns:r="http://schemas.openxmlformats.org/officeDocument/2006/relationships" xmlns:p="http://schemas.openxmlformats.org/presentationml/2006/main">
+  <p:cSld>
+    <p:spTree>
+      <p:nvGrpSpPr>
+        <p:cNvPr id="1" name=""/>
+        <p:cNvGrpSpPr/>
+        <p:nvPr/>
+      </p:nvGrpSpPr>
+      <p:grpSpPr>
+        <a:xfrm>
+          <a:off x="0" y="0"/>
+          <a:ext cx="0" cy="0"/>
+          <a:chOff x="0" y="0"/>
+          <a:chExt cx="0" cy="0"/>
+        </a:xfrm>
+      </p:grpSpPr>
+      <p:sp>
+        <p:nvSpPr>
+          <p:cNvPr id="2" name="Slide Image Placeholder 1"/>
+          <p:cNvSpPr>
+            <a:spLocks noGrp="1" noRot="1" noChangeAspect="1"/>
+          </p:cNvSpPr>
+          <p:nvPr>
+            <p:ph type="sldImg"/>
+          </p:nvPr>
+        </p:nvSpPr>
+        <p:spPr/>
+      </p:sp>
+      <p:sp>
+        <p:nvSpPr>
+          <p:cNvPr id="3" name="Notes Placeholder 2"/>
+          <p:cNvSpPr>
+            <a:spLocks noGrp="1"/>
+          </p:cNvSpPr>
+          <p:nvPr>
+            <p:ph type="body" idx="1"/>
+          </p:nvPr>
+        </p:nvSpPr>
+        <p:spPr/>
+        <p:txBody>
+          <a:bodyPr>
+            <a:normAutofit/>
+          </a:bodyPr>
+          <a:lstStyle/>
+          <a:p>
+            <a:endParaRPr lang="en-US" dirty="0"/>
+          </a:p>
+        </p:txBody>
+      </p:sp>
+      <p:sp>
+        <p:nvSpPr>
+          <p:cNvPr id="4" name="Slide Number Placeholder 3"/>
+          <p:cNvSpPr>
+            <a:spLocks noGrp="1"/>
+          </p:cNvSpPr>
+          <p:nvPr>
+            <p:ph type="sldNum" sz="quarter" idx="10"/>
+          </p:nvPr>
+        </p:nvSpPr>
+        <p:spPr/>
+        <p:txBody>
+          <a:bodyPr/>
+          <a:lstStyle/>
+          <a:p>
+            <a:fld id="{3FBE128B-3BB0-2845-A632-18E6B49BCDB0}" type="slidenum">
+              <a:rPr lang="en-US" smtClean="0"/>
+              <a:pPr/>
               <a:t>62</a:t>
+            </a:fld>
+            <a:endParaRPr lang="en-US" dirty="0"/>
+          </a:p>
+        </p:txBody>
+      </p:sp>
+    </p:spTree>
+  </p:cSld>
+  <p:clrMapOvr>
+    <a:masterClrMapping/>
+  </p:clrMapOvr>
+</p:notes>
+</file>
+
+<file path=ppt/notesSlides/notesSlide9.xml><?xml version="1.0" encoding="utf-8"?>
+<p:notes xmlns:a="http://schemas.openxmlformats.org/drawingml/2006/main" xmlns:r="http://schemas.openxmlformats.org/officeDocument/2006/relationships" xmlns:p="http://schemas.openxmlformats.org/presentationml/2006/main">
+  <p:cSld>
+    <p:spTree>
+      <p:nvGrpSpPr>
+        <p:cNvPr id="1" name=""/>
+        <p:cNvGrpSpPr/>
+        <p:nvPr/>
+      </p:nvGrpSpPr>
+      <p:grpSpPr>
+        <a:xfrm>
+          <a:off x="0" y="0"/>
+          <a:ext cx="0" cy="0"/>
+          <a:chOff x="0" y="0"/>
+          <a:chExt cx="0" cy="0"/>
+        </a:xfrm>
+      </p:grpSpPr>
+      <p:sp>
+        <p:nvSpPr>
+          <p:cNvPr id="2" name="Slide Image Placeholder 1"/>
+          <p:cNvSpPr>
+            <a:spLocks noGrp="1" noRot="1" noChangeAspect="1"/>
+          </p:cNvSpPr>
+          <p:nvPr>
+            <p:ph type="sldImg"/>
+          </p:nvPr>
+        </p:nvSpPr>
+        <p:spPr/>
+      </p:sp>
+      <p:sp>
+        <p:nvSpPr>
+          <p:cNvPr id="3" name="Notes Placeholder 2"/>
+          <p:cNvSpPr>
+            <a:spLocks noGrp="1"/>
+          </p:cNvSpPr>
+          <p:nvPr>
+            <p:ph type="body" idx="1"/>
+          </p:nvPr>
+        </p:nvSpPr>
+        <p:spPr/>
+        <p:txBody>
+          <a:bodyPr>
+            <a:normAutofit/>
+          </a:bodyPr>
+          <a:lstStyle/>
+          <a:p>
+            <a:endParaRPr lang="en-US" dirty="0"/>
+          </a:p>
+        </p:txBody>
+      </p:sp>
+      <p:sp>
+        <p:nvSpPr>
+          <p:cNvPr id="4" name="Slide Number Placeholder 3"/>
+          <p:cNvSpPr>
+            <a:spLocks noGrp="1"/>
+          </p:cNvSpPr>
+          <p:nvPr>
+            <p:ph type="sldNum" sz="quarter" idx="10"/>
+          </p:nvPr>
+        </p:nvSpPr>
+        <p:spPr/>
+        <p:txBody>
+          <a:bodyPr/>
+          <a:lstStyle/>
+          <a:p>
+            <a:fld id="{3FBE128B-3BB0-2845-A632-18E6B49BCDB0}" type="slidenum">
+              <a:rPr lang="en-US" smtClean="0"/>
+              <a:pPr/>
+              <a:t>64</a:t>
             </a:fld>
             <a:endParaRPr lang="en-US" dirty="0"/>
           </a:p>
@@ -1575,7 +1827,7 @@
             <a:fld id="{191C8BB2-BC7F-4186-8F3C-FBF27B2BB72D}" type="datetimeFigureOut">
               <a:rPr lang="en-US" smtClean="0"/>
               <a:pPr/>
-              <a:t>1/6/2014</a:t>
+              <a:t>1/15/2014</a:t>
             </a:fld>
             <a:endParaRPr lang="en-US" dirty="0"/>
           </a:p>
@@ -1691,7 +1943,7 @@
             <a:fld id="{191C8BB2-BC7F-4186-8F3C-FBF27B2BB72D}" type="datetimeFigureOut">
               <a:rPr lang="en-US" smtClean="0"/>
               <a:pPr/>
-              <a:t>1/6/2014</a:t>
+              <a:t>1/15/2014</a:t>
             </a:fld>
             <a:endParaRPr lang="en-US" dirty="0"/>
           </a:p>
@@ -1830,7 +2082,7 @@
             <a:fld id="{191C8BB2-BC7F-4186-8F3C-FBF27B2BB72D}" type="datetimeFigureOut">
               <a:rPr lang="en-US" smtClean="0"/>
               <a:pPr/>
-              <a:t>1/6/2014</a:t>
+              <a:t>1/15/2014</a:t>
             </a:fld>
             <a:endParaRPr lang="en-US" dirty="0"/>
           </a:p>
@@ -2647,6 +2899,13 @@
   <p:clrMapOvr>
     <a:masterClrMapping/>
   </p:clrMapOvr>
+  <p:timing>
+    <p:tnLst>
+      <p:par>
+        <p:cTn id="1" dur="indefinite" restart="never" nodeType="tmRoot"/>
+      </p:par>
+    </p:tnLst>
+  </p:timing>
 </p:sld>
 </file>
 
@@ -2718,7 +2977,7 @@
         </p:xfrm>
         <a:graphic>
           <a:graphicData uri="http://schemas.openxmlformats.org/presentationml/2006/ole">
-            <p:oleObj spid="_x0000_s81922" name="Visio" r:id="rId3" imgW="5311073" imgH="3482116" progId="Visio.Drawing.11">
+            <p:oleObj spid="_x0000_s81922" name="Visio" r:id="rId4" imgW="5311073" imgH="3482116" progId="Visio.Drawing.11">
               <p:embed/>
             </p:oleObj>
           </a:graphicData>
@@ -2729,6 +2988,13 @@
   <p:clrMapOvr>
     <a:masterClrMapping/>
   </p:clrMapOvr>
+  <p:timing>
+    <p:tnLst>
+      <p:par>
+        <p:cTn id="1" dur="indefinite" restart="never" nodeType="tmRoot"/>
+      </p:par>
+    </p:tnLst>
+  </p:timing>
 </p:sld>
 </file>
 
@@ -2813,7 +3079,11 @@
             </a:br>
             <a:r>
               <a:rPr lang="en-US" sz="3100" dirty="0" smtClean="0"/>
-              <a:t>mcsdk_03_00_00_09/linux-keystone/drivers</a:t>
+              <a:t>linux-keystone/drivers (cloned from the public git)</a:t>
+            </a:r>
+            <a:r>
+              <a:rPr lang="en-US" sz="3100" dirty="0" smtClean="0"/>
+              <a:t/>
             </a:r>
             <a:br>
               <a:rPr lang="en-US" sz="3100" dirty="0" smtClean="0"/>
@@ -2822,195 +3092,50 @@
           </a:p>
         </p:txBody>
       </p:sp>
-      <p:sp>
-        <p:nvSpPr>
-          <p:cNvPr id="20484" name="Content Placeholder 1"/>
-          <p:cNvSpPr>
-            <a:spLocks noGrp="1"/>
-          </p:cNvSpPr>
-          <p:nvPr>
-            <p:ph idx="1"/>
-          </p:nvPr>
-        </p:nvSpPr>
-        <p:spPr>
-          <a:xfrm>
-            <a:off x="457200" y="1447800"/>
-            <a:ext cx="8467725" cy="4800600"/>
-          </a:xfrm>
-        </p:spPr>
-        <p:txBody>
-          <a:bodyPr>
-            <a:normAutofit/>
-          </a:bodyPr>
-          <a:lstStyle/>
-          <a:p>
-            <a:pPr>
-              <a:buFont typeface="Wingdings" pitchFamily="2" charset="2"/>
-              <a:buChar char="q"/>
-            </a:pPr>
-            <a:r>
-              <a:rPr lang="en-US" sz="1800" dirty="0" smtClean="0"/>
-              <a:t>GIC IRQ chip driver</a:t>
-            </a:r>
-          </a:p>
-          <a:p>
-            <a:pPr>
-              <a:buFont typeface="Wingdings" pitchFamily="2" charset="2"/>
-              <a:buChar char="q"/>
-            </a:pPr>
-            <a:r>
-              <a:rPr lang="en-US" sz="1800" dirty="0" smtClean="0"/>
-              <a:t>Keystone IPC IRQ chip driver</a:t>
-            </a:r>
-          </a:p>
-          <a:p>
-            <a:pPr>
-              <a:buFont typeface="Wingdings" pitchFamily="2" charset="2"/>
-              <a:buChar char="q"/>
-            </a:pPr>
-            <a:r>
-              <a:rPr lang="en-US" sz="1800" dirty="0" smtClean="0"/>
-              <a:t>AEMIF driver</a:t>
-            </a:r>
-          </a:p>
-          <a:p>
-            <a:pPr>
-              <a:buFont typeface="Wingdings" pitchFamily="2" charset="2"/>
-              <a:buChar char="q"/>
-            </a:pPr>
-            <a:r>
-              <a:rPr lang="en-US" sz="1800" dirty="0" smtClean="0"/>
-              <a:t>NAND driver</a:t>
-            </a:r>
-          </a:p>
-          <a:p>
-            <a:pPr>
-              <a:buFont typeface="Wingdings" pitchFamily="2" charset="2"/>
-              <a:buChar char="q"/>
-            </a:pPr>
-            <a:r>
-              <a:rPr lang="en-US" sz="1800" dirty="0" smtClean="0"/>
-              <a:t>SPI and SPI NOR flash drivers</a:t>
-            </a:r>
-          </a:p>
-          <a:p>
-            <a:pPr>
-              <a:buFont typeface="Wingdings" pitchFamily="2" charset="2"/>
-              <a:buChar char="q"/>
-            </a:pPr>
-            <a:r>
-              <a:rPr lang="en-US" sz="1800" dirty="0" smtClean="0"/>
-              <a:t>I2C and EEPROM drivers</a:t>
-            </a:r>
-          </a:p>
-          <a:p>
-            <a:pPr>
-              <a:buFont typeface="Wingdings" pitchFamily="2" charset="2"/>
-              <a:buChar char="q"/>
-            </a:pPr>
-            <a:r>
-              <a:rPr lang="en-US" sz="1800" dirty="0" smtClean="0"/>
-              <a:t>Keystone GPIO driver</a:t>
-            </a:r>
-          </a:p>
-          <a:p>
-            <a:pPr>
-              <a:buFont typeface="Wingdings" pitchFamily="2" charset="2"/>
-              <a:buChar char="q"/>
-            </a:pPr>
-            <a:r>
-              <a:rPr lang="en-US" sz="1800" dirty="0" smtClean="0"/>
-              <a:t>Keystone IPC GPIO driver</a:t>
-            </a:r>
-          </a:p>
-          <a:p>
-            <a:pPr>
-              <a:buFont typeface="Wingdings" pitchFamily="2" charset="2"/>
-              <a:buChar char="q"/>
-            </a:pPr>
-            <a:r>
-              <a:rPr lang="en-US" sz="1800" dirty="0" smtClean="0"/>
-              <a:t>Network driver (NetCP), PktDMA, Packet Accelerator</a:t>
-            </a:r>
-          </a:p>
-          <a:p>
-            <a:pPr>
-              <a:buFont typeface="Wingdings" pitchFamily="2" charset="2"/>
-              <a:buChar char="q"/>
-            </a:pPr>
-            <a:r>
-              <a:rPr lang="en-US" sz="1800" dirty="0" smtClean="0"/>
-              <a:t>SGMII driver</a:t>
-            </a:r>
-          </a:p>
-          <a:p>
-            <a:pPr>
-              <a:buFont typeface="Wingdings" pitchFamily="2" charset="2"/>
-              <a:buChar char="q"/>
-            </a:pPr>
-            <a:r>
-              <a:rPr lang="en-US" sz="1800" dirty="0" smtClean="0"/>
-              <a:t>QoS driver</a:t>
-            </a:r>
-          </a:p>
-          <a:p>
-            <a:pPr>
-              <a:buFont typeface="Wingdings" pitchFamily="2" charset="2"/>
-              <a:buChar char="q"/>
-            </a:pPr>
-            <a:r>
-              <a:rPr lang="en-US" sz="1800" dirty="0" smtClean="0"/>
-              <a:t>USB driver</a:t>
-            </a:r>
-          </a:p>
-          <a:p>
-            <a:pPr>
-              <a:buFont typeface="Wingdings" pitchFamily="2" charset="2"/>
-              <a:buChar char="q"/>
-            </a:pPr>
-            <a:r>
-              <a:rPr lang="en-US" sz="1800" dirty="0" smtClean="0"/>
-              <a:t>10Gig Ethernet driver (not validated due to test hardware)</a:t>
-            </a:r>
-          </a:p>
-          <a:p>
-            <a:pPr>
-              <a:buFont typeface="Wingdings" pitchFamily="2" charset="2"/>
-              <a:buChar char="q"/>
-            </a:pPr>
-            <a:r>
-              <a:rPr lang="en-US" sz="1800" dirty="0" smtClean="0"/>
-              <a:t>PCIe driver</a:t>
-            </a:r>
-          </a:p>
-          <a:p>
-            <a:pPr>
-              <a:buFont typeface="Wingdings" pitchFamily="2" charset="2"/>
-              <a:buChar char="q"/>
-            </a:pPr>
-            <a:endParaRPr lang="en-US" sz="2000" dirty="0" smtClean="0"/>
-          </a:p>
-          <a:p>
-            <a:pPr>
-              <a:buFontTx/>
-              <a:buNone/>
-            </a:pPr>
-            <a:endParaRPr lang="en-US" sz="2000" dirty="0" smtClean="0"/>
-          </a:p>
-          <a:p>
-            <a:pPr>
-              <a:buFont typeface="Wingdings" pitchFamily="2" charset="2"/>
-              <a:buChar char="q"/>
-            </a:pPr>
-            <a:endParaRPr lang="en-US" sz="2400" dirty="0" smtClean="0"/>
-          </a:p>
-        </p:txBody>
-      </p:sp>
+      <p:pic>
+        <p:nvPicPr>
+          <p:cNvPr id="6" name="Picture 2"/>
+          <p:cNvPicPr>
+            <a:picLocks noChangeAspect="1" noChangeArrowheads="1"/>
+          </p:cNvPicPr>
+          <p:nvPr/>
+        </p:nvPicPr>
+        <p:blipFill>
+          <a:blip r:embed="rId2"/>
+          <a:srcRect/>
+          <a:stretch>
+            <a:fillRect/>
+          </a:stretch>
+        </p:blipFill>
+        <p:spPr bwMode="auto">
+          <a:xfrm>
+            <a:off x="304799" y="1924735"/>
+            <a:ext cx="8239125" cy="2904440"/>
+          </a:xfrm>
+          <a:prstGeom prst="rect">
+            <a:avLst/>
+          </a:prstGeom>
+          <a:noFill/>
+          <a:ln w="9525">
+            <a:noFill/>
+            <a:miter lim="800000"/>
+            <a:headEnd/>
+            <a:tailEnd/>
+          </a:ln>
+        </p:spPr>
+      </p:pic>
     </p:spTree>
   </p:cSld>
   <p:clrMapOvr>
     <a:masterClrMapping/>
   </p:clrMapOvr>
+  <p:timing>
+    <p:tnLst>
+      <p:par>
+        <p:cTn id="1" dur="indefinite" restart="never" nodeType="tmRoot"/>
+      </p:par>
+    </p:tnLst>
+  </p:timing>
 </p:sld>
 </file>
 
@@ -3135,6 +3260,13 @@
   <p:clrMapOvr>
     <a:masterClrMapping/>
   </p:clrMapOvr>
+  <p:timing>
+    <p:tnLst>
+      <p:par>
+        <p:cTn id="1" dur="indefinite" restart="never" nodeType="tmRoot"/>
+      </p:par>
+    </p:tnLst>
+  </p:timing>
 </p:sld>
 </file>
 
@@ -3230,7 +3362,23 @@
             </a:pPr>
             <a:r>
               <a:rPr lang="en-US" dirty="0" smtClean="0"/>
-              <a:t>Linux Device tree is an ASCII file *.dts that describes the resources available to Linux. A compiled version of the file *.dtb is used by the linux system</a:t>
+              <a:t>Linux Device tree is an ASCII file </a:t>
+            </a:r>
+            <a:r>
+              <a:rPr lang="en-US" dirty="0" smtClean="0"/>
+              <a:t>XX.dts </a:t>
+            </a:r>
+            <a:r>
+              <a:rPr lang="en-US" dirty="0" smtClean="0"/>
+              <a:t>that describes the resources available to Linux. A compiled version of the file </a:t>
+            </a:r>
+            <a:r>
+              <a:rPr lang="en-US" dirty="0" smtClean="0"/>
+              <a:t>XX.dtb </a:t>
+            </a:r>
+            <a:r>
+              <a:rPr lang="en-US" dirty="0" smtClean="0"/>
+              <a:t>is used by the linux system</a:t>
             </a:r>
           </a:p>
           <a:p>
@@ -3252,6 +3400,13 @@
   <p:clrMapOvr>
     <a:masterClrMapping/>
   </p:clrMapOvr>
+  <p:timing>
+    <p:tnLst>
+      <p:par>
+        <p:cTn id="1" dur="indefinite" restart="never" nodeType="tmRoot"/>
+      </p:par>
+    </p:tnLst>
+  </p:timing>
 </p:sld>
 </file>
 
@@ -3293,17 +3448,30 @@
           <a:lstStyle/>
           <a:p>
             <a:r>
-              <a:rPr lang="en-US" dirty="0" smtClean="0"/>
-              <a:t>The device tree file k2hk-evm.dts</a:t>
-            </a:r>
-            <a:br>
-              <a:rPr lang="en-US" dirty="0" smtClean="0"/>
-            </a:br>
-            <a:r>
-              <a:rPr lang="en-US" dirty="0" smtClean="0"/>
-              <a:t>is from the public git server </a:t>
-            </a:r>
-            <a:endParaRPr lang="en-US" dirty="0"/>
+              <a:rPr lang="en-US" sz="3600" dirty="0" smtClean="0"/>
+              <a:t>Standard</a:t>
+            </a:r>
+            <a:r>
+              <a:rPr lang="en-US" sz="3600" dirty="0" smtClean="0"/>
+              <a:t> </a:t>
+            </a:r>
+            <a:r>
+              <a:rPr lang="en-US" sz="3600" dirty="0" smtClean="0"/>
+              <a:t>device tree </a:t>
+            </a:r>
+            <a:r>
+              <a:rPr lang="en-US" sz="3600" dirty="0" smtClean="0"/>
+              <a:t>example</a:t>
+            </a:r>
+            <a:r>
+              <a:rPr lang="en-US" sz="3600" dirty="0" smtClean="0"/>
+              <a:t> k2hk-evm.dts is </a:t>
+            </a:r>
+            <a:r>
+              <a:rPr lang="en-US" sz="3600" dirty="0" smtClean="0"/>
+              <a:t>from the public git server </a:t>
+            </a:r>
+            <a:endParaRPr lang="en-US" sz="3600" dirty="0"/>
           </a:p>
         </p:txBody>
       </p:sp>
@@ -3416,6 +3584,13 @@
   <p:clrMapOvr>
     <a:masterClrMapping/>
   </p:clrMapOvr>
+  <p:timing>
+    <p:tnLst>
+      <p:par>
+        <p:cTn id="1" dur="indefinite" restart="never" nodeType="tmRoot"/>
+      </p:par>
+    </p:tnLst>
+  </p:timing>
 </p:sld>
 </file>
 
@@ -3586,6 +3761,13 @@
   <p:clrMapOvr>
     <a:masterClrMapping/>
   </p:clrMapOvr>
+  <p:timing>
+    <p:tnLst>
+      <p:par>
+        <p:cTn id="1" dur="indefinite" restart="never" nodeType="tmRoot"/>
+      </p:par>
+    </p:tnLst>
+  </p:timing>
 </p:sld>
 </file>
 
@@ -3713,6 +3895,13 @@
   <p:clrMapOvr>
     <a:masterClrMapping/>
   </p:clrMapOvr>
+  <p:timing>
+    <p:tnLst>
+      <p:par>
+        <p:cTn id="1" dur="indefinite" restart="never" nodeType="tmRoot"/>
+      </p:par>
+    </p:tnLst>
+  </p:timing>
 </p:sld>
 </file>
 
@@ -3853,6 +4042,13 @@
   <p:clrMapOvr>
     <a:masterClrMapping/>
   </p:clrMapOvr>
+  <p:timing>
+    <p:tnLst>
+      <p:par>
+        <p:cTn id="1" dur="indefinite" restart="never" nodeType="tmRoot"/>
+      </p:par>
+    </p:tnLst>
+  </p:timing>
 </p:sld>
 </file>
 
@@ -4006,6 +4202,13 @@
   <p:clrMapOvr>
     <a:masterClrMapping/>
   </p:clrMapOvr>
+  <p:timing>
+    <p:tnLst>
+      <p:par>
+        <p:cTn id="1" dur="indefinite" restart="never" nodeType="tmRoot"/>
+      </p:par>
+    </p:tnLst>
+  </p:timing>
 </p:sld>
 </file>
 
@@ -4142,6 +4345,13 @@
   <p:clrMapOvr>
     <a:masterClrMapping/>
   </p:clrMapOvr>
+  <p:timing>
+    <p:tnLst>
+      <p:par>
+        <p:cTn id="1" dur="indefinite" restart="never" nodeType="tmRoot"/>
+      </p:par>
+    </p:tnLst>
+  </p:timing>
 </p:sld>
 </file>
 
@@ -4217,7 +4427,7 @@
             <a:pPr lvl="0"/>
             <a:r>
               <a:rPr lang="en-US" sz="2800" b="1" dirty="0" smtClean="0"/>
-              <a:t>Managing the peripherals and IP in hydrogenous device</a:t>
+              <a:t>Managing the peripherals and IP in heterogeneous device</a:t>
             </a:r>
             <a:r>
               <a:rPr lang="en-US" sz="2800" dirty="0" smtClean="0"/>
@@ -4271,6 +4481,13 @@
   <p:clrMapOvr>
     <a:masterClrMapping/>
   </p:clrMapOvr>
+  <p:timing>
+    <p:tnLst>
+      <p:par>
+        <p:cTn id="1" dur="indefinite" restart="never" nodeType="tmRoot"/>
+      </p:par>
+    </p:tnLst>
+  </p:timing>
 </p:sld>
 </file>
 
@@ -4417,6 +4634,13 @@
   <p:clrMapOvr>
     <a:masterClrMapping/>
   </p:clrMapOvr>
+  <p:timing>
+    <p:tnLst>
+      <p:par>
+        <p:cTn id="1" dur="indefinite" restart="never" nodeType="tmRoot"/>
+      </p:par>
+    </p:tnLst>
+  </p:timing>
 </p:sld>
 </file>
 
@@ -4511,6 +4735,13 @@
   <p:clrMapOvr>
     <a:masterClrMapping/>
   </p:clrMapOvr>
+  <p:timing>
+    <p:tnLst>
+      <p:par>
+        <p:cTn id="1" dur="indefinite" restart="never" nodeType="tmRoot"/>
+      </p:par>
+    </p:tnLst>
+  </p:timing>
 </p:sld>
 </file>
 
@@ -4634,6 +4865,13 @@
   <p:clrMapOvr>
     <a:masterClrMapping/>
   </p:clrMapOvr>
+  <p:timing>
+    <p:tnLst>
+      <p:par>
+        <p:cTn id="1" dur="indefinite" restart="never" nodeType="tmRoot"/>
+      </p:par>
+    </p:tnLst>
+  </p:timing>
 </p:sld>
 </file>
 
@@ -4905,8 +5143,21 @@
                   <a:schemeClr val="tx1"/>
                 </a:solidFill>
               </a:rPr>
-              <a:t> show how TI implementation that runs on TCIEVM6638K2K words</a:t>
-            </a:r>
+              <a:t> show how TI implementation that runs on TCIEVM6638K2K </a:t>
+            </a:r>
+            <a:r>
+              <a:rPr lang="en-US" sz="2400" b="0" dirty="0" smtClean="0">
+                <a:solidFill>
+                  <a:schemeClr val="tx1"/>
+                </a:solidFill>
+              </a:rPr>
+              <a:t>works</a:t>
+            </a:r>
+            <a:endParaRPr lang="en-US" sz="2400" b="0" dirty="0" smtClean="0">
+              <a:solidFill>
+                <a:schemeClr val="tx1"/>
+              </a:solidFill>
+            </a:endParaRPr>
           </a:p>
           <a:p>
             <a:pPr marL="1089025" lvl="1" indent="-514350">
@@ -5007,7 +5258,11 @@
           <a:p>
             <a:r>
               <a:rPr lang="en-US" sz="3600" dirty="0" smtClean="0"/>
-              <a:t>6638 Memory Architecture (8G DDRA)</a:t>
+              <a:t>Example of 6638 </a:t>
+            </a:r>
+            <a:r>
+              <a:rPr lang="en-US" sz="3600" dirty="0" smtClean="0"/>
+              <a:t>Memory Architecture (8G DDRA)</a:t>
             </a:r>
             <a:endParaRPr lang="en-US" sz="3600" dirty="0"/>
           </a:p>
@@ -5062,6 +5317,13 @@
   <p:clrMapOvr>
     <a:masterClrMapping/>
   </p:clrMapOvr>
+  <p:timing>
+    <p:tnLst>
+      <p:par>
+        <p:cTn id="1" dur="indefinite" restart="never" nodeType="tmRoot"/>
+      </p:par>
+    </p:tnLst>
+  </p:timing>
 </p:sld>
 </file>
 
@@ -5104,7 +5366,11 @@
           <a:p>
             <a:r>
               <a:rPr lang="en-US" sz="3600" dirty="0" smtClean="0"/>
-              <a:t>6638 Memory Architecture (2G DDRA</a:t>
+              <a:t>6638 Memory Architecture (2G </a:t>
+            </a:r>
+            <a:r>
+              <a:rPr lang="en-US" sz="3600" dirty="0" smtClean="0"/>
+              <a:t>DDRA –larger DSP memory</a:t>
             </a:r>
             <a:r>
               <a:rPr lang="en-US" dirty="0" smtClean="0"/>
@@ -5163,6 +5429,13 @@
   <p:clrMapOvr>
     <a:masterClrMapping/>
   </p:clrMapOvr>
+  <p:timing>
+    <p:tnLst>
+      <p:par>
+        <p:cTn id="1" dur="indefinite" restart="never" nodeType="tmRoot"/>
+      </p:par>
+    </p:tnLst>
+  </p:timing>
 </p:sld>
 </file>
 
@@ -5267,6 +5540,13 @@
   <p:clrMapOvr>
     <a:masterClrMapping/>
   </p:clrMapOvr>
+  <p:timing>
+    <p:tnLst>
+      <p:par>
+        <p:cTn id="1" dur="indefinite" restart="never" nodeType="tmRoot"/>
+      </p:par>
+    </p:tnLst>
+  </p:timing>
 </p:sld>
 </file>
 
@@ -5420,7 +5700,23 @@
                   <a:schemeClr val="tx1"/>
                 </a:solidFill>
               </a:rPr>
-              <a:t>The file board.c  (see later) defines the physical memories for the MMU</a:t>
+              <a:t>The file board.c  (see later) defines the physical memories </a:t>
+            </a:r>
+            <a:r>
+              <a:rPr lang="en-US" sz="2600" b="0" dirty="0" smtClean="0">
+                <a:solidFill>
+                  <a:schemeClr val="tx1"/>
+                </a:solidFill>
+              </a:rPr>
+              <a:t> available for </a:t>
+            </a:r>
+            <a:r>
+              <a:rPr lang="en-US" sz="2600" b="0" dirty="0" smtClean="0">
+                <a:solidFill>
+                  <a:schemeClr val="tx1"/>
+                </a:solidFill>
+              </a:rPr>
+              <a:t>the MMU</a:t>
             </a:r>
           </a:p>
         </p:txBody>
@@ -5544,8 +5840,21 @@
                   <a:schemeClr val="tx1"/>
                 </a:solidFill>
               </a:rPr>
-              <a:t>For each C66 CorePac, 7 memory allocations:</a:t>
-            </a:r>
+              <a:t>For each C66 CorePac, 7 memory </a:t>
+            </a:r>
+            <a:r>
+              <a:rPr lang="en-US" sz="2800" b="0" dirty="0" smtClean="0">
+                <a:solidFill>
+                  <a:schemeClr val="tx1"/>
+                </a:solidFill>
+              </a:rPr>
+              <a:t>definitions:</a:t>
+            </a:r>
+            <a:endParaRPr lang="en-US" sz="2800" b="0" dirty="0" smtClean="0">
+              <a:solidFill>
+                <a:schemeClr val="tx1"/>
+              </a:solidFill>
+            </a:endParaRPr>
           </a:p>
           <a:p>
             <a:pPr marL="1089025" lvl="1" indent="-514350" algn="l">
@@ -5862,6 +6171,13 @@
   <p:clrMapOvr>
     <a:masterClrMapping/>
   </p:clrMapOvr>
+  <p:timing>
+    <p:tnLst>
+      <p:par>
+        <p:cTn id="1" dur="indefinite" restart="never" nodeType="tmRoot"/>
+      </p:par>
+    </p:tnLst>
+  </p:timing>
 </p:sld>
 </file>
 
@@ -5982,7 +6298,15 @@
           <a:p>
             <a:r>
               <a:rPr lang="en-US" sz="2000" dirty="0" smtClean="0"/>
-              <a:t>mem  = &lt;0x0c000000 0x000600000					0xa0000000 0x20000000&gt;;			</a:t>
+              <a:t>mem  = &lt;0x0c000000 0x000600000	</a:t>
+            </a:r>
+            <a:r>
+              <a:rPr lang="en-US" sz="2000" dirty="0" smtClean="0"/>
+              <a:t>0xa0000000 </a:t>
+            </a:r>
+            <a:r>
+              <a:rPr lang="en-US" sz="2000" dirty="0" smtClean="0"/>
+              <a:t>0x20000000&gt;;			</a:t>
             </a:r>
           </a:p>
           <a:p>
@@ -6092,6 +6416,13 @@
   <p:clrMapOvr>
     <a:masterClrMapping/>
   </p:clrMapOvr>
+  <p:timing>
+    <p:tnLst>
+      <p:par>
+        <p:cTn id="1" dur="indefinite" restart="never" nodeType="tmRoot"/>
+      </p:par>
+    </p:tnLst>
+  </p:timing>
 </p:sld>
 </file>
 
@@ -6265,6 +6596,13 @@
   <p:clrMapOvr>
     <a:masterClrMapping/>
   </p:clrMapOvr>
+  <p:timing>
+    <p:tnLst>
+      <p:par>
+        <p:cTn id="1" dur="indefinite" restart="never" nodeType="tmRoot"/>
+      </p:par>
+    </p:tnLst>
+  </p:timing>
 </p:sld>
 </file>
 
@@ -6402,6 +6740,13 @@
   <p:clrMapOvr>
     <a:masterClrMapping/>
   </p:clrMapOvr>
+  <p:timing>
+    <p:tnLst>
+      <p:par>
+        <p:cTn id="1" dur="indefinite" restart="never" nodeType="tmRoot"/>
+      </p:par>
+    </p:tnLst>
+  </p:timing>
 </p:sld>
 </file>
 
@@ -6479,7 +6824,11 @@
           <a:p>
             <a:r>
               <a:rPr lang="en-US" sz="2800" dirty="0" smtClean="0"/>
-              <a:t>Is changing the mem_reserve value in U-BOOT enough to change the memory segment that is dedicated to the DSPs for MPM?</a:t>
+              <a:t>Question: Is </a:t>
+            </a:r>
+            <a:r>
+              <a:rPr lang="en-US" sz="2800" dirty="0" smtClean="0"/>
+              <a:t>changing the mem_reserve value in U-BOOT enough to change the memory segment that is dedicated to the DSPs for MPM?</a:t>
             </a:r>
           </a:p>
           <a:p>
@@ -6534,6 +6883,13 @@
   <p:clrMapOvr>
     <a:masterClrMapping/>
   </p:clrMapOvr>
+  <p:timing>
+    <p:tnLst>
+      <p:par>
+        <p:cTn id="1" dur="indefinite" restart="never" nodeType="tmRoot"/>
+      </p:par>
+    </p:tnLst>
+  </p:timing>
 </p:sld>
 </file>
 
@@ -6646,6 +7002,13 @@
   <p:clrMapOvr>
     <a:masterClrMapping/>
   </p:clrMapOvr>
+  <p:timing>
+    <p:tnLst>
+      <p:par>
+        <p:cTn id="1" dur="indefinite" restart="never" nodeType="tmRoot"/>
+      </p:par>
+    </p:tnLst>
+  </p:timing>
 </p:sld>
 </file>
 
@@ -7137,16 +7500,21 @@
             <p:ph type="title"/>
           </p:nvPr>
         </p:nvSpPr>
-        <p:spPr/>
+        <p:spPr>
+          <a:xfrm>
+            <a:off x="231775" y="142875"/>
+            <a:ext cx="8458200" cy="1460842"/>
+          </a:xfrm>
+        </p:spPr>
         <p:txBody>
           <a:bodyPr/>
           <a:lstStyle/>
           <a:p>
             <a:r>
-              <a:rPr lang="en-US" dirty="0" smtClean="0"/>
-              <a:t>Modify 6638 Memory (1G DDRA)</a:t>
-            </a:r>
-            <a:endParaRPr lang="en-US" dirty="0"/>
+              <a:rPr lang="en-US" sz="3600" dirty="0" smtClean="0"/>
+              <a:t>Building DSP code to work with MPM</a:t>
+            </a:r>
+            <a:endParaRPr lang="en-US" sz="3600" dirty="0"/>
           </a:p>
         </p:txBody>
       </p:sp>
@@ -7174,31 +7542,103 @@
           </a:p>
         </p:txBody>
       </p:sp>
-      <p:graphicFrame>
-        <p:nvGraphicFramePr>
-          <p:cNvPr id="8" name="Object 7"/>
-          <p:cNvGraphicFramePr>
-            <a:graphicFrameLocks noChangeAspect="1"/>
-          </p:cNvGraphicFramePr>
+      <p:sp>
+        <p:nvSpPr>
+          <p:cNvPr id="8" name="Rectangle 7"/>
+          <p:cNvSpPr/>
           <p:nvPr/>
-        </p:nvGraphicFramePr>
-        <p:xfrm>
-          <a:off x="1050202" y="1458449"/>
-          <a:ext cx="7065586" cy="4461119"/>
-        </p:xfrm>
-        <a:graphic>
-          <a:graphicData uri="http://schemas.openxmlformats.org/presentationml/2006/ole">
-            <p:oleObj spid="_x0000_s133122" name="Visio" r:id="rId3" imgW="7773479" imgH="4001137" progId="Visio.Drawing.11">
-              <p:embed/>
-            </p:oleObj>
-          </a:graphicData>
-        </a:graphic>
-      </p:graphicFrame>
+        </p:nvSpPr>
+        <p:spPr>
+          <a:xfrm>
+            <a:off x="548639" y="1422400"/>
+            <a:ext cx="7920111" cy="5262979"/>
+          </a:xfrm>
+          <a:prstGeom prst="rect">
+            <a:avLst/>
+          </a:prstGeom>
+        </p:spPr>
+        <p:txBody>
+          <a:bodyPr wrap="square">
+            <a:spAutoFit/>
+          </a:bodyPr>
+          <a:lstStyle/>
+          <a:p>
+            <a:pPr marL="514350" indent="-514350">
+              <a:buFont typeface="Arial" pitchFamily="34" charset="0"/>
+              <a:buChar char="•"/>
+            </a:pPr>
+            <a:r>
+              <a:rPr lang="en-US" sz="2800" dirty="0" smtClean="0"/>
+              <a:t>DSP projects that use RTSC must define a platform</a:t>
+            </a:r>
+          </a:p>
+          <a:p>
+            <a:pPr marL="514350" indent="-514350">
+              <a:buFont typeface="Arial" pitchFamily="34" charset="0"/>
+              <a:buChar char="•"/>
+            </a:pPr>
+            <a:r>
+              <a:rPr lang="en-US" sz="2800" dirty="0" smtClean="0"/>
+              <a:t>The standard TI platform (standard = in the release) was not built to work with </a:t>
+            </a:r>
+            <a:r>
+              <a:rPr lang="en-US" sz="2800" dirty="0" smtClean="0"/>
+              <a:t>MPM if DDR is used by the DSP</a:t>
+            </a:r>
+          </a:p>
+          <a:p>
+            <a:pPr marL="514350" indent="-514350">
+              <a:buFont typeface="Arial" pitchFamily="34" charset="0"/>
+              <a:buChar char="•"/>
+            </a:pPr>
+            <a:r>
+              <a:rPr lang="en-US" sz="2800" dirty="0" smtClean="0"/>
+              <a:t>If the DSP code uses only L2 memory, no </a:t>
+            </a:r>
+            <a:r>
+              <a:rPr lang="en-US" sz="2800" dirty="0" smtClean="0"/>
+              <a:t>action is needed, but if the DSP code uses DDR:</a:t>
+            </a:r>
+            <a:endParaRPr lang="en-US" sz="2800" dirty="0" smtClean="0"/>
+          </a:p>
+          <a:p>
+            <a:pPr marL="971550" lvl="1" indent="-514350">
+              <a:buFont typeface="Arial" pitchFamily="34" charset="0"/>
+              <a:buChar char="•"/>
+            </a:pPr>
+            <a:r>
+              <a:rPr lang="en-US" sz="2800" dirty="0" smtClean="0"/>
+              <a:t>A new   platform must be defined</a:t>
+            </a:r>
+          </a:p>
+          <a:p>
+            <a:pPr marL="971550" lvl="1" indent="-514350">
+              <a:buFont typeface="Arial" pitchFamily="34" charset="0"/>
+              <a:buChar char="•"/>
+            </a:pPr>
+            <a:r>
+              <a:rPr lang="en-US" sz="2800" dirty="0" smtClean="0"/>
+              <a:t>Projects that do not use RTSC must have a linker command to define the memory structure. The link command must be modified to work with </a:t>
+            </a:r>
+            <a:r>
+              <a:rPr lang="en-US" sz="2800" dirty="0" smtClean="0"/>
+              <a:t>MPM</a:t>
+            </a:r>
+          </a:p>
+        </p:txBody>
+      </p:sp>
     </p:spTree>
   </p:cSld>
   <p:clrMapOvr>
     <a:masterClrMapping/>
   </p:clrMapOvr>
+  <p:timing>
+    <p:tnLst>
+      <p:par>
+        <p:cTn id="1" dur="indefinite" restart="never" nodeType="tmRoot"/>
+      </p:par>
+    </p:tnLst>
+  </p:timing>
 </p:sld>
 </file>
 
@@ -7221,7 +7661,7 @@
       </p:grpSpPr>
       <p:sp>
         <p:nvSpPr>
-          <p:cNvPr id="5" name="Title 4"/>
+          <p:cNvPr id="6" name="Title 5"/>
           <p:cNvSpPr>
             <a:spLocks noGrp="1"/>
           </p:cNvSpPr>
@@ -7232,7 +7672,7 @@
         <p:spPr>
           <a:xfrm>
             <a:off x="231775" y="142875"/>
-            <a:ext cx="8458200" cy="1460842"/>
+            <a:ext cx="8458200" cy="988808"/>
           </a:xfrm>
         </p:spPr>
         <p:txBody>
@@ -7241,7 +7681,14 @@
           <a:p>
             <a:r>
               <a:rPr lang="en-US" sz="3600" dirty="0" smtClean="0"/>
-              <a:t>Building DSP code to work with MPM</a:t>
+              <a:t>Standard K2H platform definition</a:t>
+            </a:r>
+            <a:br>
+              <a:rPr lang="en-US" sz="3600" dirty="0" smtClean="0"/>
+            </a:br>
+            <a:r>
+              <a:rPr lang="en-US" sz="3600" dirty="0" smtClean="0"/>
+              <a:t>For DSP RTSC build </a:t>
             </a:r>
             <a:endParaRPr lang="en-US" sz="3600" dirty="0"/>
           </a:p>
@@ -7254,10 +7701,18 @@
             <a:spLocks noGrp="1"/>
           </p:cNvSpPr>
           <p:nvPr>
-            <p:ph type="sldNum" sz="quarter" idx="10"/>
+            <p:ph type="sldNum" sz="quarter" idx="4294967295"/>
           </p:nvPr>
         </p:nvSpPr>
-        <p:spPr/>
+        <p:spPr>
+          <a:xfrm>
+            <a:off x="6642100" y="6049963"/>
+            <a:ext cx="2133600" cy="206375"/>
+          </a:xfrm>
+          <a:prstGeom prst="rect">
+            <a:avLst/>
+          </a:prstGeom>
+        </p:spPr>
         <p:txBody>
           <a:bodyPr/>
           <a:lstStyle/>
@@ -7271,73 +7726,50 @@
           </a:p>
         </p:txBody>
       </p:sp>
-      <p:sp>
-        <p:nvSpPr>
-          <p:cNvPr id="8" name="Rectangle 7"/>
-          <p:cNvSpPr/>
+      <p:pic>
+        <p:nvPicPr>
+          <p:cNvPr id="39938" name="Picture 2"/>
+          <p:cNvPicPr>
+            <a:picLocks noChangeAspect="1" noChangeArrowheads="1"/>
+          </p:cNvPicPr>
           <p:nvPr/>
-        </p:nvSpPr>
-        <p:spPr>
-          <a:xfrm>
-            <a:off x="548639" y="1900534"/>
-            <a:ext cx="7920111" cy="3970318"/>
+        </p:nvPicPr>
+        <p:blipFill>
+          <a:blip r:embed="rId2" cstate="print"/>
+          <a:srcRect/>
+          <a:stretch>
+            <a:fillRect/>
+          </a:stretch>
+        </p:blipFill>
+        <p:spPr bwMode="auto">
+          <a:xfrm>
+            <a:off x="1912251" y="1258432"/>
+            <a:ext cx="4130654" cy="5166794"/>
           </a:xfrm>
           <a:prstGeom prst="rect">
             <a:avLst/>
           </a:prstGeom>
-        </p:spPr>
-        <p:txBody>
-          <a:bodyPr wrap="square">
-            <a:spAutoFit/>
-          </a:bodyPr>
-          <a:lstStyle/>
-          <a:p>
-            <a:pPr marL="514350" indent="-514350">
-              <a:buFont typeface="Arial" pitchFamily="34" charset="0"/>
-              <a:buChar char="•"/>
-            </a:pPr>
-            <a:r>
-              <a:rPr lang="en-US" sz="2800" dirty="0" smtClean="0"/>
-              <a:t>DSP projects that use RTSC must define a platform</a:t>
-            </a:r>
-          </a:p>
-          <a:p>
-            <a:pPr marL="514350" indent="-514350">
-              <a:buFont typeface="Arial" pitchFamily="34" charset="0"/>
-              <a:buChar char="•"/>
-            </a:pPr>
-            <a:r>
-              <a:rPr lang="en-US" sz="2800" dirty="0" smtClean="0"/>
-              <a:t>The standard TI platform (standard = in the release) was not built to work with MPM</a:t>
-            </a:r>
-          </a:p>
-          <a:p>
-            <a:pPr marL="514350" indent="-514350">
-              <a:buFont typeface="Arial" pitchFamily="34" charset="0"/>
-              <a:buChar char="•"/>
-            </a:pPr>
-            <a:r>
-              <a:rPr lang="en-US" sz="2800" dirty="0" smtClean="0"/>
-              <a:t>A new   platform must be defined</a:t>
-            </a:r>
-          </a:p>
-          <a:p>
-            <a:pPr marL="514350" indent="-514350">
-              <a:buFont typeface="Arial" pitchFamily="34" charset="0"/>
-              <a:buChar char="•"/>
-            </a:pPr>
-            <a:r>
-              <a:rPr lang="en-US" sz="2800" dirty="0" smtClean="0"/>
-              <a:t>Projects that do not use RTSC must have a linker command to define the memory structure. The link command must be modified to work with MPM</a:t>
-            </a:r>
-          </a:p>
-        </p:txBody>
-      </p:sp>
+          <a:noFill/>
+          <a:ln w="9525">
+            <a:noFill/>
+            <a:miter lim="800000"/>
+            <a:headEnd/>
+            <a:tailEnd/>
+          </a:ln>
+        </p:spPr>
+      </p:pic>
     </p:spTree>
   </p:cSld>
   <p:clrMapOvr>
     <a:masterClrMapping/>
   </p:clrMapOvr>
+  <p:timing>
+    <p:tnLst>
+      <p:par>
+        <p:cTn id="1" dur="indefinite" restart="never" nodeType="tmRoot"/>
+      </p:par>
+    </p:tnLst>
+  </p:timing>
 </p:sld>
 </file>
 
@@ -7380,14 +7812,14 @@
           <a:p>
             <a:r>
               <a:rPr lang="en-US" sz="3600" dirty="0" smtClean="0"/>
-              <a:t>Standard K2H platform definition</a:t>
+              <a:t>Define New DSP platform</a:t>
             </a:r>
             <a:br>
               <a:rPr lang="en-US" sz="3600" dirty="0" smtClean="0"/>
             </a:br>
             <a:r>
               <a:rPr lang="en-US" sz="3600" dirty="0" smtClean="0"/>
-              <a:t>For DSP RTSC build </a:t>
+              <a:t>2G DDR, 512M dedicated ARM memory</a:t>
             </a:r>
             <a:endParaRPr lang="en-US" sz="3600" dirty="0"/>
           </a:p>
@@ -7427,10 +7859,8 @@
       </p:sp>
       <p:pic>
         <p:nvPicPr>
-          <p:cNvPr id="39938" name="Picture 2"/>
-          <p:cNvPicPr>
-            <a:picLocks noChangeAspect="1" noChangeArrowheads="1"/>
-          </p:cNvPicPr>
+          <p:cNvPr id="5" name="Picture 4"/>
+          <p:cNvPicPr/>
           <p:nvPr/>
         </p:nvPicPr>
         <p:blipFill>
@@ -7442,8 +7872,8 @@
         </p:blipFill>
         <p:spPr bwMode="auto">
           <a:xfrm>
-            <a:off x="1912251" y="1258432"/>
-            <a:ext cx="4130654" cy="5166794"/>
+            <a:off x="1385181" y="1267486"/>
+            <a:ext cx="5588298" cy="5246718"/>
           </a:xfrm>
           <a:prstGeom prst="rect">
             <a:avLst/>
@@ -7544,7 +7974,15 @@
             <a:pPr lvl="0"/>
             <a:r>
               <a:rPr lang="en-US" sz="2800" dirty="0" smtClean="0"/>
-              <a:t>Chip support Library (CSL) provide access to the peripherals and other IP</a:t>
+              <a:t>Chip support Library (CSL) </a:t>
+            </a:r>
+            <a:r>
+              <a:rPr lang="en-US" sz="2800" dirty="0" smtClean="0"/>
+              <a:t>provides </a:t>
+            </a:r>
+            <a:r>
+              <a:rPr lang="en-US" sz="2800" dirty="0" smtClean="0"/>
+              <a:t>access to the peripherals and other IP</a:t>
             </a:r>
           </a:p>
           <a:p>
@@ -7579,132 +8017,17 @@
   <p:clrMapOvr>
     <a:masterClrMapping/>
   </p:clrMapOvr>
+  <p:timing>
+    <p:tnLst>
+      <p:par>
+        <p:cTn id="1" dur="indefinite" restart="never" nodeType="tmRoot"/>
+      </p:par>
+    </p:tnLst>
+  </p:timing>
 </p:sld>
 </file>
 
 <file path=ppt/slides/slide40.xml><?xml version="1.0" encoding="utf-8"?>
-<p:sld xmlns:a="http://schemas.openxmlformats.org/drawingml/2006/main" xmlns:r="http://schemas.openxmlformats.org/officeDocument/2006/relationships" xmlns:p="http://schemas.openxmlformats.org/presentationml/2006/main">
-  <p:cSld>
-    <p:spTree>
-      <p:nvGrpSpPr>
-        <p:cNvPr id="1" name=""/>
-        <p:cNvGrpSpPr/>
-        <p:nvPr/>
-      </p:nvGrpSpPr>
-      <p:grpSpPr>
-        <a:xfrm>
-          <a:off x="0" y="0"/>
-          <a:ext cx="0" cy="0"/>
-          <a:chOff x="0" y="0"/>
-          <a:chExt cx="0" cy="0"/>
-        </a:xfrm>
-      </p:grpSpPr>
-      <p:sp>
-        <p:nvSpPr>
-          <p:cNvPr id="6" name="Title 5"/>
-          <p:cNvSpPr>
-            <a:spLocks noGrp="1"/>
-          </p:cNvSpPr>
-          <p:nvPr>
-            <p:ph type="title"/>
-          </p:nvPr>
-        </p:nvSpPr>
-        <p:spPr>
-          <a:xfrm>
-            <a:off x="231775" y="142875"/>
-            <a:ext cx="8458200" cy="988808"/>
-          </a:xfrm>
-        </p:spPr>
-        <p:txBody>
-          <a:bodyPr/>
-          <a:lstStyle/>
-          <a:p>
-            <a:r>
-              <a:rPr lang="en-US" sz="3600" dirty="0" smtClean="0"/>
-              <a:t>Define New DSP platform</a:t>
-            </a:r>
-            <a:br>
-              <a:rPr lang="en-US" sz="3600" dirty="0" smtClean="0"/>
-            </a:br>
-            <a:r>
-              <a:rPr lang="en-US" sz="3600" dirty="0" smtClean="0"/>
-              <a:t>2G DDR, 512M dedicated ARM memory</a:t>
-            </a:r>
-            <a:endParaRPr lang="en-US" sz="3600" dirty="0"/>
-          </a:p>
-        </p:txBody>
-      </p:sp>
-      <p:sp>
-        <p:nvSpPr>
-          <p:cNvPr id="4" name="Slide Number Placeholder 3"/>
-          <p:cNvSpPr>
-            <a:spLocks noGrp="1"/>
-          </p:cNvSpPr>
-          <p:nvPr>
-            <p:ph type="sldNum" sz="quarter" idx="4294967295"/>
-          </p:nvPr>
-        </p:nvSpPr>
-        <p:spPr>
-          <a:xfrm>
-            <a:off x="6642100" y="6049963"/>
-            <a:ext cx="2133600" cy="206375"/>
-          </a:xfrm>
-          <a:prstGeom prst="rect">
-            <a:avLst/>
-          </a:prstGeom>
-        </p:spPr>
-        <p:txBody>
-          <a:bodyPr/>
-          <a:lstStyle/>
-          <a:p>
-            <a:fld id="{B09843C0-6DAC-490D-A4BA-BCECDC8ED96F}" type="slidenum">
-              <a:rPr lang="en-US" smtClean="0"/>
-              <a:pPr/>
-              <a:t>40</a:t>
-            </a:fld>
-            <a:endParaRPr lang="en-US" dirty="0"/>
-          </a:p>
-        </p:txBody>
-      </p:sp>
-      <p:pic>
-        <p:nvPicPr>
-          <p:cNvPr id="5" name="Picture 4"/>
-          <p:cNvPicPr/>
-          <p:nvPr/>
-        </p:nvPicPr>
-        <p:blipFill>
-          <a:blip r:embed="rId2" cstate="print"/>
-          <a:srcRect/>
-          <a:stretch>
-            <a:fillRect/>
-          </a:stretch>
-        </p:blipFill>
-        <p:spPr bwMode="auto">
-          <a:xfrm>
-            <a:off x="1385181" y="1267486"/>
-            <a:ext cx="5588298" cy="5246718"/>
-          </a:xfrm>
-          <a:prstGeom prst="rect">
-            <a:avLst/>
-          </a:prstGeom>
-          <a:noFill/>
-          <a:ln w="9525">
-            <a:noFill/>
-            <a:miter lim="800000"/>
-            <a:headEnd/>
-            <a:tailEnd/>
-          </a:ln>
-        </p:spPr>
-      </p:pic>
-    </p:spTree>
-  </p:cSld>
-  <p:clrMapOvr>
-    <a:masterClrMapping/>
-  </p:clrMapOvr>
-</p:sld>
-</file>
-
-<file path=ppt/slides/slide41.xml><?xml version="1.0" encoding="utf-8"?>
 <p:sld xmlns:a="http://schemas.openxmlformats.org/drawingml/2006/main" xmlns:r="http://schemas.openxmlformats.org/officeDocument/2006/relationships" xmlns:p="http://schemas.openxmlformats.org/presentationml/2006/main">
   <p:cSld>
     <p:spTree>
@@ -7769,6 +8092,177 @@
   <p:clrMapOvr>
     <a:masterClrMapping/>
   </p:clrMapOvr>
+  <p:timing>
+    <p:tnLst>
+      <p:par>
+        <p:cTn id="1" dur="indefinite" restart="never" nodeType="tmRoot"/>
+      </p:par>
+    </p:tnLst>
+  </p:timing>
+</p:sld>
+</file>
+
+<file path=ppt/slides/slide41.xml><?xml version="1.0" encoding="utf-8"?>
+<p:sld xmlns:a="http://schemas.openxmlformats.org/drawingml/2006/main" xmlns:r="http://schemas.openxmlformats.org/officeDocument/2006/relationships" xmlns:p="http://schemas.openxmlformats.org/presentationml/2006/main">
+  <p:cSld>
+    <p:spTree>
+      <p:nvGrpSpPr>
+        <p:cNvPr id="1" name=""/>
+        <p:cNvGrpSpPr/>
+        <p:nvPr/>
+      </p:nvGrpSpPr>
+      <p:grpSpPr>
+        <a:xfrm>
+          <a:off x="0" y="0"/>
+          <a:ext cx="0" cy="0"/>
+          <a:chOff x="0" y="0"/>
+          <a:chExt cx="0" cy="0"/>
+        </a:xfrm>
+      </p:grpSpPr>
+      <p:sp>
+        <p:nvSpPr>
+          <p:cNvPr id="6" name="Title 5"/>
+          <p:cNvSpPr>
+            <a:spLocks noGrp="1"/>
+          </p:cNvSpPr>
+          <p:nvPr>
+            <p:ph type="title"/>
+          </p:nvPr>
+        </p:nvSpPr>
+        <p:spPr/>
+        <p:txBody>
+          <a:bodyPr/>
+          <a:lstStyle/>
+          <a:p>
+            <a:r>
+              <a:rPr lang="en-US" dirty="0" smtClean="0"/>
+              <a:t>Demo</a:t>
+            </a:r>
+            <a:endParaRPr lang="en-US" dirty="0"/>
+          </a:p>
+        </p:txBody>
+      </p:sp>
+      <p:sp>
+        <p:nvSpPr>
+          <p:cNvPr id="7" name="Content Placeholder 6"/>
+          <p:cNvSpPr>
+            <a:spLocks noGrp="1"/>
+          </p:cNvSpPr>
+          <p:nvPr>
+            <p:ph idx="1"/>
+          </p:nvPr>
+        </p:nvSpPr>
+        <p:spPr>
+          <a:xfrm>
+            <a:off x="333375" y="1048468"/>
+            <a:ext cx="8467725" cy="5248423"/>
+          </a:xfrm>
+        </p:spPr>
+        <p:txBody>
+          <a:bodyPr/>
+          <a:lstStyle/>
+          <a:p>
+            <a:r>
+              <a:rPr lang="en-US" sz="2400" dirty="0" smtClean="0"/>
+              <a:t>Started with the FIR filter program that is part of the DSP optimization Lab. </a:t>
+            </a:r>
+          </a:p>
+          <a:p>
+            <a:pPr lvl="1"/>
+            <a:r>
+              <a:rPr lang="en-US" sz="2200" dirty="0" smtClean="0"/>
+              <a:t>Runs on one core, two cores, four cores and 8 cores</a:t>
+            </a:r>
+          </a:p>
+          <a:p>
+            <a:pPr lvl="1"/>
+            <a:r>
+              <a:rPr lang="en-US" sz="2200" dirty="0" smtClean="0"/>
+              <a:t>Has various steps of optimization</a:t>
+            </a:r>
+          </a:p>
+          <a:p>
+            <a:r>
+              <a:rPr lang="en-US" sz="2400" dirty="0" smtClean="0"/>
+              <a:t>Modify for MPM  - Change printf to system_printf and so on</a:t>
+            </a:r>
+          </a:p>
+          <a:p>
+            <a:r>
+              <a:rPr lang="en-US" sz="2400" dirty="0" smtClean="0"/>
+              <a:t>Modified the target definition – partition the DDR into two memories</a:t>
+            </a:r>
+          </a:p>
+          <a:p>
+            <a:r>
+              <a:rPr lang="en-US" sz="2400" dirty="0" smtClean="0"/>
+              <a:t>Rebuild the code without any changes to the linker command</a:t>
+            </a:r>
+          </a:p>
+          <a:p>
+            <a:r>
+              <a:rPr lang="en-US" sz="2400" dirty="0" smtClean="0"/>
+              <a:t>Can not run the code from MPM</a:t>
+            </a:r>
+          </a:p>
+          <a:p>
+            <a:r>
+              <a:rPr lang="en-US" sz="2400" dirty="0" smtClean="0"/>
+              <a:t>Change the linker to use the memory area that is dedicated to DSP</a:t>
+            </a:r>
+          </a:p>
+          <a:p>
+            <a:r>
+              <a:rPr lang="en-US" sz="2400" dirty="0" smtClean="0"/>
+              <a:t>The code runs from mpm perfectly</a:t>
+            </a:r>
+          </a:p>
+        </p:txBody>
+      </p:sp>
+      <p:sp>
+        <p:nvSpPr>
+          <p:cNvPr id="4" name="Slide Number Placeholder 3"/>
+          <p:cNvSpPr>
+            <a:spLocks noGrp="1"/>
+          </p:cNvSpPr>
+          <p:nvPr>
+            <p:ph type="sldNum" sz="quarter" idx="4294967295"/>
+          </p:nvPr>
+        </p:nvSpPr>
+        <p:spPr>
+          <a:xfrm>
+            <a:off x="6642100" y="6049963"/>
+            <a:ext cx="2133600" cy="206375"/>
+          </a:xfrm>
+          <a:prstGeom prst="rect">
+            <a:avLst/>
+          </a:prstGeom>
+        </p:spPr>
+        <p:txBody>
+          <a:bodyPr/>
+          <a:lstStyle/>
+          <a:p>
+            <a:fld id="{B09843C0-6DAC-490D-A4BA-BCECDC8ED96F}" type="slidenum">
+              <a:rPr lang="en-US" smtClean="0"/>
+              <a:pPr/>
+              <a:t>41</a:t>
+            </a:fld>
+            <a:endParaRPr lang="en-US" dirty="0"/>
+          </a:p>
+        </p:txBody>
+      </p:sp>
+    </p:spTree>
+  </p:cSld>
+  <p:clrMapOvr>
+    <a:masterClrMapping/>
+  </p:clrMapOvr>
+  <p:timing>
+    <p:tnLst>
+      <p:par>
+        <p:cTn id="1" dur="indefinite" restart="never" nodeType="tmRoot"/>
+      </p:par>
+    </p:tnLst>
+  </p:timing>
 </p:sld>
 </file>
 
@@ -7806,7 +8300,7 @@
           <a:p>
             <a:r>
               <a:rPr lang="en-US" dirty="0" smtClean="0"/>
-              <a:t>Demo</a:t>
+              <a:t>Demo steps</a:t>
             </a:r>
             <a:endParaRPr lang="en-US" dirty="0"/>
           </a:p>
@@ -7833,59 +8327,54 @@
           <a:lstStyle/>
           <a:p>
             <a:r>
-              <a:rPr lang="en-US" sz="2400" dirty="0" smtClean="0"/>
-              <a:t>Started with the FIR filter program that is part of the DSP optimization Lab. </a:t>
+              <a:rPr lang="en-US" sz="2800" dirty="0" smtClean="0"/>
+              <a:t>Demo steps:</a:t>
             </a:r>
           </a:p>
           <a:p>
             <a:pPr lvl="1"/>
             <a:r>
-              <a:rPr lang="en-US" sz="2200" dirty="0" smtClean="0"/>
-              <a:t>Runs on one core, two cores, four cores and 8 cores</a:t>
+              <a:rPr lang="en-US" dirty="0" smtClean="0"/>
+              <a:t>Try to load the original code into DSP0</a:t>
             </a:r>
           </a:p>
           <a:p>
             <a:pPr lvl="1"/>
             <a:r>
-              <a:rPr lang="en-US" sz="2200" dirty="0" smtClean="0"/>
-              <a:t>Has various steps of optimization</a:t>
-            </a:r>
-          </a:p>
-          <a:p>
-            <a:r>
-              <a:rPr lang="en-US" sz="2400" dirty="0" smtClean="0"/>
-              <a:t>Modify for MPM  - Change printf to system_printf and so on</a:t>
-            </a:r>
-          </a:p>
-          <a:p>
-            <a:r>
-              <a:rPr lang="en-US" sz="2400" dirty="0" smtClean="0"/>
-              <a:t>Modified the target definition – partition the DDR into two memories</a:t>
-            </a:r>
-          </a:p>
-          <a:p>
-            <a:r>
-              <a:rPr lang="en-US" sz="2400" dirty="0" smtClean="0"/>
-              <a:t>Rebuild the code without any changes to the linker command</a:t>
-            </a:r>
-          </a:p>
-          <a:p>
-            <a:r>
-              <a:rPr lang="en-US" sz="2400" dirty="0" smtClean="0"/>
-              <a:t>Can not run the code from MPM</a:t>
-            </a:r>
-          </a:p>
-          <a:p>
-            <a:r>
-              <a:rPr lang="en-US" sz="2400" dirty="0" smtClean="0"/>
-              <a:t>Change the linker to use the memory area that is dedicated to DSP</a:t>
-            </a:r>
-          </a:p>
-          <a:p>
-            <a:r>
-              <a:rPr lang="en-US" sz="2400" dirty="0" smtClean="0"/>
-              <a:t>The code runs from mpm perfectly</a:t>
-            </a:r>
+              <a:rPr lang="en-US" dirty="0" smtClean="0"/>
+              <a:t>Show the map file of the original code</a:t>
+            </a:r>
+          </a:p>
+          <a:p>
+            <a:pPr lvl="1"/>
+            <a:r>
+              <a:rPr lang="en-US" dirty="0" smtClean="0"/>
+              <a:t>Try to load the new code into 8 cores</a:t>
+            </a:r>
+          </a:p>
+          <a:p>
+            <a:pPr lvl="1"/>
+            <a:r>
+              <a:rPr lang="en-US" dirty="0" smtClean="0"/>
+              <a:t>Show the new map file</a:t>
+            </a:r>
+          </a:p>
+          <a:p>
+            <a:pPr lvl="1"/>
+            <a:r>
+              <a:rPr lang="en-US" dirty="0" smtClean="0"/>
+              <a:t>Reset, load and run the 8 cores</a:t>
+            </a:r>
+          </a:p>
+          <a:p>
+            <a:pPr lvl="1"/>
+            <a:r>
+              <a:rPr lang="en-US" dirty="0" smtClean="0"/>
+              <a:t>Look at the results  cat /debug/remoteproc/remoteprocN/trace0</a:t>
+            </a:r>
+          </a:p>
+          <a:p>
+            <a:endParaRPr lang="en-US" dirty="0"/>
           </a:p>
         </p:txBody>
       </p:sp>
@@ -7955,7 +8444,7 @@
       </p:grpSpPr>
       <p:sp>
         <p:nvSpPr>
-          <p:cNvPr id="6" name="Title 5"/>
+          <p:cNvPr id="2" name="Title 1"/>
           <p:cNvSpPr>
             <a:spLocks noGrp="1"/>
           </p:cNvSpPr>
@@ -7963,22 +8452,29 @@
             <p:ph type="title"/>
           </p:nvPr>
         </p:nvSpPr>
-        <p:spPr/>
-        <p:txBody>
-          <a:bodyPr/>
-          <a:lstStyle/>
-          <a:p>
-            <a:r>
-              <a:rPr lang="en-US" dirty="0" smtClean="0"/>
-              <a:t>Demo steps</a:t>
-            </a:r>
-            <a:endParaRPr lang="en-US" dirty="0"/>
-          </a:p>
-        </p:txBody>
-      </p:sp>
-      <p:sp>
-        <p:nvSpPr>
-          <p:cNvPr id="7" name="Content Placeholder 6"/>
+        <p:spPr>
+          <a:xfrm>
+            <a:off x="457200" y="152400"/>
+            <a:ext cx="8229600" cy="533400"/>
+          </a:xfrm>
+        </p:spPr>
+        <p:txBody>
+          <a:bodyPr>
+            <a:normAutofit fontScale="90000"/>
+          </a:bodyPr>
+          <a:lstStyle/>
+          <a:p>
+            <a:r>
+              <a:rPr lang="en-US" sz="3600" b="1" dirty="0" smtClean="0"/>
+              <a:t>Agenda</a:t>
+            </a:r>
+            <a:endParaRPr lang="en-US" sz="3600" b="1" dirty="0"/>
+          </a:p>
+        </p:txBody>
+      </p:sp>
+      <p:sp>
+        <p:nvSpPr>
+          <p:cNvPr id="3" name="Content Placeholder 2"/>
           <p:cNvSpPr>
             <a:spLocks noGrp="1"/>
           </p:cNvSpPr>
@@ -7988,95 +8484,63 @@
         </p:nvSpPr>
         <p:spPr>
           <a:xfrm>
-            <a:off x="333375" y="1048468"/>
-            <a:ext cx="8467725" cy="5248423"/>
-          </a:xfrm>
-        </p:spPr>
-        <p:txBody>
-          <a:bodyPr/>
-          <a:lstStyle/>
-          <a:p>
+            <a:off x="457200" y="804550"/>
+            <a:ext cx="8229600" cy="5263738"/>
+          </a:xfrm>
+        </p:spPr>
+        <p:txBody>
+          <a:bodyPr>
+            <a:noAutofit/>
+          </a:bodyPr>
+          <a:lstStyle/>
+          <a:p>
+            <a:pPr lvl="0"/>
             <a:r>
               <a:rPr lang="en-US" sz="2800" dirty="0" smtClean="0"/>
-              <a:t>Demo steps:</a:t>
-            </a:r>
-          </a:p>
-          <a:p>
-            <a:pPr lvl="1"/>
-            <a:r>
-              <a:rPr lang="en-US" dirty="0" smtClean="0"/>
-              <a:t>Try to load the original code into DSP0</a:t>
-            </a:r>
-          </a:p>
-          <a:p>
-            <a:pPr lvl="1"/>
-            <a:r>
-              <a:rPr lang="en-US" dirty="0" smtClean="0"/>
-              <a:t>Show the map file of the original code</a:t>
-            </a:r>
-          </a:p>
-          <a:p>
-            <a:pPr lvl="1"/>
-            <a:r>
-              <a:rPr lang="en-US" dirty="0" smtClean="0"/>
-              <a:t>Try to load the new code into 8 cores</a:t>
-            </a:r>
-          </a:p>
-          <a:p>
-            <a:pPr lvl="1"/>
-            <a:r>
-              <a:rPr lang="en-US" dirty="0" smtClean="0"/>
-              <a:t>Show the new map file</a:t>
-            </a:r>
-          </a:p>
-          <a:p>
-            <a:pPr lvl="1"/>
-            <a:r>
-              <a:rPr lang="en-US" dirty="0" smtClean="0"/>
-              <a:t>Reset, load and run the 8 cores</a:t>
-            </a:r>
-          </a:p>
-          <a:p>
-            <a:pPr lvl="1"/>
-            <a:r>
-              <a:rPr lang="en-US" dirty="0" smtClean="0"/>
-              <a:t>Look at the results  cat /debug/remoteproc/remoteprocN/trace0</a:t>
-            </a:r>
-          </a:p>
-          <a:p>
-            <a:endParaRPr lang="en-US" dirty="0"/>
-          </a:p>
-        </p:txBody>
-      </p:sp>
-      <p:sp>
-        <p:nvSpPr>
-          <p:cNvPr id="4" name="Slide Number Placeholder 3"/>
-          <p:cNvSpPr>
-            <a:spLocks noGrp="1"/>
-          </p:cNvSpPr>
-          <p:nvPr>
-            <p:ph type="sldNum" sz="quarter" idx="4294967295"/>
-          </p:nvPr>
-        </p:nvSpPr>
-        <p:spPr>
-          <a:xfrm>
-            <a:off x="6642100" y="6049963"/>
-            <a:ext cx="2133600" cy="206375"/>
-          </a:xfrm>
-          <a:prstGeom prst="rect">
-            <a:avLst/>
-          </a:prstGeom>
-        </p:spPr>
-        <p:txBody>
-          <a:bodyPr/>
-          <a:lstStyle/>
-          <a:p>
-            <a:fld id="{B09843C0-6DAC-490D-A4BA-BCECDC8ED96F}" type="slidenum">
-              <a:rPr lang="en-US" smtClean="0"/>
-              <a:pPr/>
-              <a:t>43</a:t>
-            </a:fld>
-            <a:endParaRPr lang="en-US" dirty="0"/>
+              <a:t>Managing the peripherals and IP in hydrogenous device </a:t>
+            </a:r>
+          </a:p>
+          <a:p>
+            <a:pPr lvl="0"/>
+            <a:r>
+              <a:rPr lang="en-US" sz="2800" dirty="0" smtClean="0"/>
+              <a:t>Linux Device Tree</a:t>
+            </a:r>
+          </a:p>
+          <a:p>
+            <a:r>
+              <a:rPr lang="en-US" sz="2800" dirty="0" smtClean="0"/>
+              <a:t>Memory Management</a:t>
+            </a:r>
+          </a:p>
+          <a:p>
+            <a:r>
+              <a:rPr lang="en-US" sz="2800" b="1" dirty="0" smtClean="0"/>
+              <a:t>Resource Management</a:t>
+            </a:r>
+          </a:p>
+          <a:p>
+            <a:r>
+              <a:rPr lang="en-US" sz="2800" dirty="0" smtClean="0"/>
+              <a:t>ARM-DSP communication Architecture</a:t>
+            </a:r>
+          </a:p>
+          <a:p>
+            <a:endParaRPr lang="en-US" sz="2800" b="1" dirty="0" smtClean="0"/>
+          </a:p>
+          <a:p>
+            <a:pPr lvl="0">
+              <a:buNone/>
+            </a:pPr>
+            <a:endParaRPr lang="en-US" sz="2800" dirty="0" smtClean="0"/>
+          </a:p>
+          <a:p>
+            <a:pPr lvl="0"/>
+            <a:endParaRPr lang="en-US" sz="2800" dirty="0" smtClean="0"/>
+          </a:p>
+          <a:p>
+            <a:pPr lvl="0"/>
+            <a:endParaRPr lang="en-US" sz="2800" dirty="0"/>
           </a:p>
         </p:txBody>
       </p:sp>
@@ -8085,6 +8549,13 @@
   <p:clrMapOvr>
     <a:masterClrMapping/>
   </p:clrMapOvr>
+  <p:timing>
+    <p:tnLst>
+      <p:par>
+        <p:cTn id="1" dur="indefinite" restart="never" nodeType="tmRoot"/>
+      </p:par>
+    </p:tnLst>
+  </p:timing>
 </p:sld>
 </file>
 
@@ -8107,7 +8578,7 @@
       </p:grpSpPr>
       <p:sp>
         <p:nvSpPr>
-          <p:cNvPr id="2" name="Title 1"/>
+          <p:cNvPr id="10242" name="Title 1"/>
           <p:cNvSpPr>
             <a:spLocks noGrp="1"/>
           </p:cNvSpPr>
@@ -8115,12 +8586,7 @@
             <p:ph type="title"/>
           </p:nvPr>
         </p:nvSpPr>
-        <p:spPr>
-          <a:xfrm>
-            <a:off x="457200" y="152400"/>
-            <a:ext cx="8229600" cy="533400"/>
-          </a:xfrm>
-        </p:spPr>
+        <p:spPr/>
         <p:txBody>
           <a:bodyPr>
             <a:normAutofit fontScale="90000"/>
@@ -8128,16 +8594,15 @@
           <a:lstStyle/>
           <a:p>
             <a:r>
-              <a:rPr lang="en-US" sz="3600" b="1" dirty="0" smtClean="0"/>
-              <a:t>Agenda</a:t>
-            </a:r>
-            <a:endParaRPr lang="en-US" sz="3600" b="1" dirty="0"/>
-          </a:p>
-        </p:txBody>
-      </p:sp>
-      <p:sp>
-        <p:nvSpPr>
-          <p:cNvPr id="3" name="Content Placeholder 2"/>
+              <a:rPr lang="en-US" b="1" dirty="0" smtClean="0"/>
+              <a:t>Keystone II RM: Major Requirements</a:t>
+            </a:r>
+          </a:p>
+        </p:txBody>
+      </p:sp>
+      <p:sp>
+        <p:nvSpPr>
+          <p:cNvPr id="10243" name="Content Placeholder 2"/>
           <p:cNvSpPr>
             <a:spLocks noGrp="1"/>
           </p:cNvSpPr>
@@ -8147,63 +8612,80 @@
         </p:nvSpPr>
         <p:spPr>
           <a:xfrm>
-            <a:off x="457200" y="804550"/>
-            <a:ext cx="8229600" cy="5263738"/>
+            <a:off x="333375" y="1523999"/>
+            <a:ext cx="8467725" cy="4572001"/>
           </a:xfrm>
         </p:spPr>
         <p:txBody>
           <a:bodyPr>
-            <a:noAutofit/>
+            <a:normAutofit lnSpcReduction="10000"/>
           </a:bodyPr>
           <a:lstStyle/>
           <a:p>
-            <a:pPr lvl="0"/>
-            <a:r>
-              <a:rPr lang="en-US" sz="2800" dirty="0" smtClean="0"/>
-              <a:t>Managing the peripherals and IP in hydrogenous device </a:t>
-            </a:r>
-          </a:p>
-          <a:p>
-            <a:pPr lvl="0"/>
-            <a:r>
-              <a:rPr lang="en-US" sz="2800" dirty="0" smtClean="0"/>
-              <a:t>Linux Device Tree</a:t>
-            </a:r>
-          </a:p>
-          <a:p>
-            <a:r>
-              <a:rPr lang="en-US" sz="2800" dirty="0" smtClean="0"/>
-              <a:t>Memory Management</a:t>
-            </a:r>
-          </a:p>
-          <a:p>
-            <a:r>
-              <a:rPr lang="en-US" sz="2800" b="1" dirty="0" smtClean="0"/>
-              <a:t>Resource Management</a:t>
-            </a:r>
-          </a:p>
-          <a:p>
-            <a:r>
-              <a:rPr lang="en-US" sz="2800" dirty="0" smtClean="0"/>
-              <a:t>ARM-DSP communication Architecture</a:t>
-            </a:r>
-          </a:p>
-          <a:p>
-            <a:endParaRPr lang="en-US" sz="2800" b="1" dirty="0" smtClean="0"/>
-          </a:p>
-          <a:p>
-            <a:pPr lvl="0">
-              <a:buNone/>
-            </a:pPr>
-            <a:endParaRPr lang="en-US" sz="2800" dirty="0" smtClean="0"/>
-          </a:p>
-          <a:p>
-            <a:pPr lvl="0"/>
-            <a:endParaRPr lang="en-US" sz="2800" dirty="0" smtClean="0"/>
-          </a:p>
-          <a:p>
-            <a:pPr lvl="0"/>
-            <a:endParaRPr lang="en-US" sz="2800" dirty="0"/>
+            <a:r>
+              <a:rPr lang="en-US" sz="2400" dirty="0" smtClean="0"/>
+              <a:t>Dynamically manage resources </a:t>
+            </a:r>
+          </a:p>
+          <a:p>
+            <a:r>
+              <a:rPr lang="en-US" sz="2400" dirty="0" smtClean="0"/>
+              <a:t>Enable management of resources at all levels within system software architecture.</a:t>
+            </a:r>
+          </a:p>
+          <a:p>
+            <a:pPr lvl="1"/>
+            <a:r>
+              <a:rPr lang="en-US" sz="2000" dirty="0" smtClean="0"/>
+              <a:t>Core, task, application component (LLD)</a:t>
+            </a:r>
+          </a:p>
+          <a:p>
+            <a:pPr lvl="1"/>
+            <a:r>
+              <a:rPr lang="en-US" sz="2000" dirty="0" smtClean="0"/>
+              <a:t>Pre/post-main execution</a:t>
+            </a:r>
+          </a:p>
+          <a:p>
+            <a:r>
+              <a:rPr lang="en-US" sz="2400" dirty="0" smtClean="0"/>
+              <a:t>Runtime modification of resource permissions.</a:t>
+            </a:r>
+          </a:p>
+          <a:p>
+            <a:r>
+              <a:rPr lang="en-US" sz="2400" dirty="0" smtClean="0"/>
+              <a:t>Automate reservation of resources taken by Linux kernel.</a:t>
+            </a:r>
+          </a:p>
+          <a:p>
+            <a:r>
+              <a:rPr lang="en-US" sz="2400" dirty="0" smtClean="0"/>
+              <a:t>Uses generic</a:t>
+            </a:r>
+            <a:r>
+              <a:rPr lang="en-US" sz="2400" dirty="0" smtClean="0"/>
+              <a:t>, processor-independent transport interface that allows RM instances to communicate regardless of device hardware architecture.</a:t>
+            </a:r>
+          </a:p>
+          <a:p>
+            <a:pPr lvl="1"/>
+            <a:r>
+              <a:rPr lang="en-US" sz="2000" dirty="0" smtClean="0"/>
+              <a:t>Transport glue logic provided by application</a:t>
+            </a:r>
+          </a:p>
+          <a:p>
+            <a:pPr lvl="1"/>
+            <a:r>
+              <a:rPr lang="en-US" sz="2000" dirty="0" smtClean="0"/>
+              <a:t>Easy to port RM to new devices</a:t>
+            </a:r>
+          </a:p>
+          <a:p>
+            <a:pPr lvl="1"/>
+            <a:endParaRPr lang="en-US" sz="2000" dirty="0" smtClean="0"/>
           </a:p>
         </p:txBody>
       </p:sp>
@@ -8212,6 +8694,13 @@
   <p:clrMapOvr>
     <a:masterClrMapping/>
   </p:clrMapOvr>
+  <p:timing>
+    <p:tnLst>
+      <p:par>
+        <p:cTn id="1" dur="indefinite" restart="never" nodeType="tmRoot"/>
+      </p:par>
+    </p:tnLst>
+  </p:timing>
 </p:sld>
 </file>
 
@@ -8234,7 +8723,7 @@
       </p:grpSpPr>
       <p:sp>
         <p:nvSpPr>
-          <p:cNvPr id="10242" name="Title 1"/>
+          <p:cNvPr id="11266" name="Title 1"/>
           <p:cNvSpPr>
             <a:spLocks noGrp="1"/>
           </p:cNvSpPr>
@@ -8242,23 +8731,26 @@
             <p:ph type="title"/>
           </p:nvPr>
         </p:nvSpPr>
-        <p:spPr/>
-        <p:txBody>
-          <a:bodyPr>
-            <a:normAutofit fontScale="90000"/>
-          </a:bodyPr>
+        <p:spPr>
+          <a:xfrm>
+            <a:off x="304800" y="304800"/>
+            <a:ext cx="8458200" cy="866775"/>
+          </a:xfrm>
+        </p:spPr>
+        <p:txBody>
+          <a:bodyPr/>
           <a:lstStyle/>
           <a:p>
             <a:r>
               <a:rPr lang="en-US" b="1" dirty="0" smtClean="0"/>
-              <a:t>Keystone II RM: Major Requirements</a:t>
-            </a:r>
-          </a:p>
-        </p:txBody>
-      </p:sp>
-      <p:sp>
-        <p:nvSpPr>
-          <p:cNvPr id="10243" name="Content Placeholder 2"/>
+              <a:t>Keystone II RM – Overview (1)</a:t>
+            </a:r>
+          </a:p>
+        </p:txBody>
+      </p:sp>
+      <p:sp>
+        <p:nvSpPr>
+          <p:cNvPr id="11267" name="Content Placeholder 2"/>
           <p:cNvSpPr>
             <a:spLocks noGrp="1"/>
           </p:cNvSpPr>
@@ -8268,76 +8760,106 @@
         </p:nvSpPr>
         <p:spPr>
           <a:xfrm>
-            <a:off x="333375" y="1523999"/>
-            <a:ext cx="8467725" cy="4572001"/>
+            <a:off x="314325" y="1447799"/>
+            <a:ext cx="8467725" cy="4822371"/>
           </a:xfrm>
         </p:spPr>
         <p:txBody>
           <a:bodyPr>
-            <a:normAutofit lnSpcReduction="10000"/>
+            <a:normAutofit fontScale="92500" lnSpcReduction="10000"/>
           </a:bodyPr>
           <a:lstStyle/>
           <a:p>
             <a:r>
-              <a:rPr lang="en-US" sz="2400" dirty="0" smtClean="0"/>
-              <a:t>Dynamically manage resources </a:t>
-            </a:r>
-          </a:p>
-          <a:p>
-            <a:r>
-              <a:rPr lang="en-US" sz="2400" dirty="0" smtClean="0"/>
-              <a:t>Enable management of resources at all levels within system software architecture.</a:t>
+              <a:rPr lang="en-US" dirty="0" smtClean="0"/>
+              <a:t>Instance-based Client/Server Architecture:</a:t>
             </a:r>
           </a:p>
           <a:p>
             <a:pPr lvl="1"/>
             <a:r>
-              <a:rPr lang="en-US" sz="2000" dirty="0" smtClean="0"/>
-              <a:t>Core, task, application component (LLD)</a:t>
-            </a:r>
+              <a:rPr lang="en-US" sz="2200" dirty="0" smtClean="0"/>
+              <a:t>Three instance hierarchy:</a:t>
+            </a:r>
+          </a:p>
+          <a:p>
+            <a:pPr lvl="2"/>
+            <a:r>
+              <a:rPr lang="en-US" sz="2200" dirty="0" smtClean="0"/>
+              <a:t>RM Server – Global management of resources and permission policies</a:t>
+            </a:r>
+          </a:p>
+          <a:p>
+            <a:pPr lvl="2"/>
+            <a:r>
+              <a:rPr lang="en-US" sz="2200" dirty="0" smtClean="0"/>
+              <a:t>RM Client – Provide resource services to system software elements</a:t>
+            </a:r>
+          </a:p>
+          <a:p>
+            <a:pPr lvl="2"/>
+            <a:r>
+              <a:rPr lang="en-US" sz="2200" dirty="0" smtClean="0"/>
+              <a:t>RM Client Delegate (CD) </a:t>
+            </a:r>
+          </a:p>
+          <a:p>
+            <a:pPr lvl="3"/>
+            <a:r>
+              <a:rPr lang="en-US" sz="1800" dirty="0" smtClean="0"/>
+              <a:t>Offloads management of resource subsets from </a:t>
+            </a:r>
+            <a:r>
+              <a:rPr lang="en-US" sz="1800" dirty="0" smtClean="0"/>
+              <a:t>Server</a:t>
+            </a:r>
+            <a:endParaRPr lang="en-US" sz="1800" dirty="0" smtClean="0"/>
+          </a:p>
+          <a:p>
+            <a:pPr lvl="3"/>
+            <a:r>
+              <a:rPr lang="en-US" sz="1800" dirty="0" smtClean="0"/>
+              <a:t>Manages a sub-pool of resources</a:t>
+            </a:r>
+            <a:endParaRPr lang="en-US" sz="1800" dirty="0" smtClean="0"/>
           </a:p>
           <a:p>
             <a:pPr lvl="1"/>
             <a:r>
-              <a:rPr lang="en-US" sz="2000" dirty="0" smtClean="0"/>
-              <a:t>Pre/post-main execution</a:t>
-            </a:r>
-          </a:p>
-          <a:p>
-            <a:r>
-              <a:rPr lang="en-US" sz="2400" dirty="0" smtClean="0"/>
-              <a:t>Runtime modification of resource permissions.</a:t>
-            </a:r>
-          </a:p>
-          <a:p>
-            <a:r>
-              <a:rPr lang="en-US" sz="2400" dirty="0" smtClean="0"/>
-              <a:t>Automate reservation of resources taken by Linux kernel.</a:t>
-            </a:r>
-          </a:p>
-          <a:p>
-            <a:r>
-              <a:rPr lang="en-US" sz="2400" dirty="0" smtClean="0"/>
-              <a:t>Generic, processor-independent transport interface that allows RM instances to communicate regardless of device hardware architecture.</a:t>
+              <a:rPr lang="en-US" sz="2200" dirty="0" smtClean="0"/>
+              <a:t>Resource </a:t>
+            </a:r>
+            <a:r>
+              <a:rPr lang="en-US" sz="2200" dirty="0" smtClean="0"/>
+              <a:t>services provided via instance service API </a:t>
+            </a:r>
+          </a:p>
+          <a:p>
+            <a:r>
+              <a:rPr lang="en-US" dirty="0" smtClean="0"/>
+              <a:t>RM Instances Communication Over Generic Transport Interface</a:t>
             </a:r>
           </a:p>
           <a:p>
             <a:pPr lvl="1"/>
             <a:r>
-              <a:rPr lang="en-US" sz="2000" dirty="0" smtClean="0"/>
-              <a:t>Transport glue logic provided by application</a:t>
+              <a:rPr lang="en-US" sz="2200" dirty="0" smtClean="0"/>
+              <a:t>Application must setup data paths between RM instances</a:t>
             </a:r>
           </a:p>
           <a:p>
             <a:pPr lvl="1"/>
             <a:r>
-              <a:rPr lang="en-US" sz="2000" dirty="0" smtClean="0"/>
-              <a:t>Easy to port RM to new devices</a:t>
+              <a:rPr lang="en-US" sz="2200" dirty="0" smtClean="0"/>
+              <a:t>Allows RM to run on any device architecture without modification to RM source</a:t>
             </a:r>
           </a:p>
           <a:p>
             <a:pPr lvl="1"/>
-            <a:endParaRPr lang="en-US" sz="2000" dirty="0" smtClean="0"/>
+            <a:endParaRPr lang="en-US" sz="1200" dirty="0" smtClean="0"/>
+          </a:p>
+          <a:p>
+            <a:endParaRPr lang="en-US" dirty="0" smtClean="0"/>
           </a:p>
         </p:txBody>
       </p:sp>
@@ -8385,7 +8907,7 @@
         </p:nvSpPr>
         <p:spPr>
           <a:xfrm>
-            <a:off x="304800" y="304800"/>
+            <a:off x="304800" y="279075"/>
             <a:ext cx="8458200" cy="866775"/>
           </a:xfrm>
         </p:spPr>
@@ -8395,7 +8917,7 @@
           <a:p>
             <a:r>
               <a:rPr lang="en-US" b="1" dirty="0" smtClean="0"/>
-              <a:t>Keystone II RM – Overview (1)</a:t>
+              <a:t>Keystone II RM – Overview (2)</a:t>
             </a:r>
           </a:p>
         </p:txBody>
@@ -8412,96 +8934,40 @@
         </p:nvSpPr>
         <p:spPr>
           <a:xfrm>
-            <a:off x="314325" y="1447799"/>
-            <a:ext cx="8467725" cy="4822371"/>
+            <a:off x="304800" y="1323975"/>
+            <a:ext cx="8467725" cy="4969947"/>
           </a:xfrm>
         </p:spPr>
         <p:txBody>
           <a:bodyPr>
-            <a:normAutofit fontScale="92500" lnSpcReduction="10000"/>
+            <a:normAutofit/>
           </a:bodyPr>
           <a:lstStyle/>
           <a:p>
             <a:r>
               <a:rPr lang="en-US" dirty="0" smtClean="0"/>
-              <a:t>Instance-based Client/Server Architecture:</a:t>
-            </a:r>
-          </a:p>
-          <a:p>
-            <a:pPr lvl="1"/>
-            <a:r>
-              <a:rPr lang="en-US" sz="2200" dirty="0" smtClean="0"/>
-              <a:t>Three instance hierarchy:</a:t>
-            </a:r>
-          </a:p>
-          <a:p>
-            <a:pPr lvl="2"/>
-            <a:r>
-              <a:rPr lang="en-US" sz="2200" dirty="0" smtClean="0"/>
-              <a:t>RM Server – Global management of resources and permission policies</a:t>
-            </a:r>
-          </a:p>
-          <a:p>
-            <a:pPr lvl="2"/>
-            <a:r>
-              <a:rPr lang="en-US" sz="2200" dirty="0" smtClean="0"/>
-              <a:t>RM Client – Provide resource services to system software elements</a:t>
-            </a:r>
-          </a:p>
-          <a:p>
-            <a:pPr lvl="2"/>
-            <a:r>
-              <a:rPr lang="en-US" sz="2200" dirty="0" smtClean="0"/>
-              <a:t>RM Client Delegate (CD) </a:t>
-            </a:r>
-          </a:p>
-          <a:p>
-            <a:pPr lvl="3"/>
-            <a:r>
-              <a:rPr lang="en-US" sz="1800" dirty="0" smtClean="0"/>
-              <a:t>Offloads management of resource subsets from Server.  </a:t>
-            </a:r>
-          </a:p>
-          <a:p>
-            <a:pPr lvl="3"/>
-            <a:r>
-              <a:rPr lang="en-US" sz="1800" dirty="0" smtClean="0"/>
-              <a:t>Provides singular data path to Server</a:t>
-            </a:r>
-          </a:p>
-          <a:p>
-            <a:pPr lvl="1"/>
-            <a:r>
-              <a:rPr lang="en-US" sz="2200" dirty="0" smtClean="0"/>
-              <a:t>Resource services provided via instance service API </a:t>
+              <a:t>RM server is a Linux process</a:t>
             </a:r>
           </a:p>
           <a:p>
             <a:r>
               <a:rPr lang="en-US" dirty="0" smtClean="0"/>
-              <a:t>RM Instances Communication Over Generic Transport Interface</a:t>
-            </a:r>
-          </a:p>
-          <a:p>
-            <a:pPr lvl="1"/>
-            <a:r>
-              <a:rPr lang="en-US" sz="2200" dirty="0" smtClean="0"/>
-              <a:t>Application must setup data paths between RM instances</a:t>
-            </a:r>
-          </a:p>
-          <a:p>
-            <a:pPr lvl="1"/>
-            <a:r>
-              <a:rPr lang="en-US" sz="2200" dirty="0" smtClean="0"/>
-              <a:t>Allows RM to run on any device architecture without modification to RM source</a:t>
-            </a:r>
-          </a:p>
-          <a:p>
-            <a:pPr lvl="1"/>
-            <a:endParaRPr lang="en-US" sz="1200" dirty="0" smtClean="0"/>
-          </a:p>
-          <a:p>
-            <a:endParaRPr lang="en-US" dirty="0" smtClean="0"/>
+              <a:t>Two files define the behavior of the RM, the global resource list and the policy file</a:t>
+            </a:r>
+          </a:p>
+          <a:p>
+            <a:r>
+              <a:rPr lang="en-US" dirty="0" smtClean="0"/>
+              <a:t>Both files are written in the same syntax as device tree and are compiled the </a:t>
+            </a:r>
+            <a:r>
+              <a:rPr lang="en-US" dirty="0" smtClean="0"/>
+              <a:t>same </a:t>
+            </a:r>
+            <a:r>
+              <a:rPr lang="en-US" dirty="0" smtClean="0"/>
+              <a:t>way </a:t>
+            </a:r>
           </a:p>
         </p:txBody>
       </p:sp>
@@ -8559,7 +9025,7 @@
           <a:p>
             <a:r>
               <a:rPr lang="en-US" b="1" dirty="0" smtClean="0"/>
-              <a:t>Keystone II RM – Overview (2)</a:t>
+              <a:t>Keystone II RM – Overview (3)</a:t>
             </a:r>
           </a:p>
         </p:txBody>
@@ -8582,26 +9048,83 @@
         </p:spPr>
         <p:txBody>
           <a:bodyPr>
-            <a:normAutofit/>
+            <a:normAutofit fontScale="77500" lnSpcReduction="20000"/>
           </a:bodyPr>
           <a:lstStyle/>
           <a:p>
             <a:r>
+              <a:rPr lang="en-US" b="1" dirty="0" smtClean="0"/>
+              <a:t>Global Resource List (GRL)</a:t>
+            </a:r>
+          </a:p>
+          <a:p>
+            <a:pPr lvl="1"/>
+            <a:r>
+              <a:rPr lang="en-US" sz="3200" dirty="0" smtClean="0"/>
+              <a:t>GRL captures all resources that will be tracked for a given device</a:t>
+            </a:r>
+          </a:p>
+          <a:p>
+            <a:pPr lvl="1"/>
+            <a:r>
+              <a:rPr lang="en-US" sz="3200" dirty="0" smtClean="0"/>
+              <a:t>Facilitates automatic extraction of resources used by ARM Linux from Linux DTB</a:t>
+            </a:r>
+          </a:p>
+          <a:p>
+            <a:r>
               <a:rPr lang="en-US" dirty="0" smtClean="0"/>
-              <a:t>RM server is a Linux process</a:t>
+              <a:t>Policies Specify RM Instance Resource Privileges</a:t>
+            </a:r>
+          </a:p>
+          <a:p>
+            <a:pPr lvl="1"/>
+            <a:r>
+              <a:rPr lang="en-US" sz="3200" dirty="0" smtClean="0"/>
+              <a:t>Resource initialization, usage, and exclusive right privileges assigned to RM </a:t>
+            </a:r>
+            <a:r>
+              <a:rPr lang="en-US" sz="3200" dirty="0" smtClean="0"/>
+              <a:t>instances</a:t>
+            </a:r>
+            <a:endParaRPr lang="en-US" sz="3200" dirty="0" smtClean="0"/>
+          </a:p>
+          <a:p>
+            <a:pPr lvl="1"/>
+            <a:r>
+              <a:rPr lang="en-US" sz="3200" dirty="0" smtClean="0"/>
+              <a:t>Runtime modification of policy privileges</a:t>
+            </a:r>
+          </a:p>
+          <a:p>
+            <a:pPr lvl="2"/>
+            <a:r>
+              <a:rPr lang="en-US" sz="3200" dirty="0" smtClean="0"/>
+              <a:t>APIs and Linux CLI (Planned)</a:t>
             </a:r>
           </a:p>
           <a:p>
             <a:r>
               <a:rPr lang="en-US" dirty="0" smtClean="0"/>
-              <a:t>Two files define the behavior of the RM, the global resource list and the policy file</a:t>
-            </a:r>
-          </a:p>
-          <a:p>
-            <a:r>
-              <a:rPr lang="en-US" dirty="0" smtClean="0"/>
-              <a:t>Both files are written in the same syntax as device tree and are compiled the sane way </a:t>
-            </a:r>
+              <a:t>Resources Stored within Balanced Search Tree Allocators</a:t>
+            </a:r>
+          </a:p>
+          <a:p>
+            <a:pPr lvl="1"/>
+            <a:r>
+              <a:rPr lang="en-US" sz="3200" dirty="0" smtClean="0"/>
+              <a:t>Reduce memory usage and resource lookup times</a:t>
+            </a:r>
+          </a:p>
+          <a:p>
+            <a:pPr lvl="1"/>
+            <a:r>
+              <a:rPr lang="en-US" sz="3200" dirty="0" smtClean="0"/>
+              <a:t>Allocators facilitated by NameServer</a:t>
+            </a:r>
+          </a:p>
+          <a:p>
+            <a:endParaRPr lang="en-US" dirty="0" smtClean="0"/>
           </a:p>
         </p:txBody>
       </p:sp>
@@ -8621,165 +9144,6 @@
 </file>
 
 <file path=ppt/slides/slide48.xml><?xml version="1.0" encoding="utf-8"?>
-<p:sld xmlns:a="http://schemas.openxmlformats.org/drawingml/2006/main" xmlns:r="http://schemas.openxmlformats.org/officeDocument/2006/relationships" xmlns:p="http://schemas.openxmlformats.org/presentationml/2006/main">
-  <p:cSld>
-    <p:spTree>
-      <p:nvGrpSpPr>
-        <p:cNvPr id="1" name=""/>
-        <p:cNvGrpSpPr/>
-        <p:nvPr/>
-      </p:nvGrpSpPr>
-      <p:grpSpPr>
-        <a:xfrm>
-          <a:off x="0" y="0"/>
-          <a:ext cx="0" cy="0"/>
-          <a:chOff x="0" y="0"/>
-          <a:chExt cx="0" cy="0"/>
-        </a:xfrm>
-      </p:grpSpPr>
-      <p:sp>
-        <p:nvSpPr>
-          <p:cNvPr id="11266" name="Title 1"/>
-          <p:cNvSpPr>
-            <a:spLocks noGrp="1"/>
-          </p:cNvSpPr>
-          <p:nvPr>
-            <p:ph type="title"/>
-          </p:nvPr>
-        </p:nvSpPr>
-        <p:spPr>
-          <a:xfrm>
-            <a:off x="304800" y="279075"/>
-            <a:ext cx="8458200" cy="866775"/>
-          </a:xfrm>
-        </p:spPr>
-        <p:txBody>
-          <a:bodyPr/>
-          <a:lstStyle/>
-          <a:p>
-            <a:r>
-              <a:rPr lang="en-US" b="1" dirty="0" smtClean="0"/>
-              <a:t>Keystone II RM – Overview (3)</a:t>
-            </a:r>
-          </a:p>
-        </p:txBody>
-      </p:sp>
-      <p:sp>
-        <p:nvSpPr>
-          <p:cNvPr id="11267" name="Content Placeholder 2"/>
-          <p:cNvSpPr>
-            <a:spLocks noGrp="1"/>
-          </p:cNvSpPr>
-          <p:nvPr>
-            <p:ph idx="1"/>
-          </p:nvPr>
-        </p:nvSpPr>
-        <p:spPr>
-          <a:xfrm>
-            <a:off x="304800" y="1323975"/>
-            <a:ext cx="8467725" cy="4969947"/>
-          </a:xfrm>
-        </p:spPr>
-        <p:txBody>
-          <a:bodyPr>
-            <a:normAutofit fontScale="70000" lnSpcReduction="20000"/>
-          </a:bodyPr>
-          <a:lstStyle/>
-          <a:p>
-            <a:r>
-              <a:rPr lang="en-US" b="1" dirty="0" smtClean="0"/>
-              <a:t>Global Resource List (GRL)</a:t>
-            </a:r>
-          </a:p>
-          <a:p>
-            <a:pPr lvl="1"/>
-            <a:r>
-              <a:rPr lang="en-US" sz="3200" dirty="0" smtClean="0"/>
-              <a:t>GRL captures all resources that will be tracked for a given device</a:t>
-            </a:r>
-          </a:p>
-          <a:p>
-            <a:pPr lvl="1"/>
-            <a:r>
-              <a:rPr lang="en-US" sz="3200" dirty="0" smtClean="0"/>
-              <a:t>Facilitates automatic extraction of resources used by ARM Linux from Linux DTB</a:t>
-            </a:r>
-          </a:p>
-          <a:p>
-            <a:r>
-              <a:rPr lang="en-US" dirty="0" smtClean="0"/>
-              <a:t>Policies Specify RM Instance Resource Privileges</a:t>
-            </a:r>
-          </a:p>
-          <a:p>
-            <a:pPr lvl="1"/>
-            <a:r>
-              <a:rPr lang="en-US" sz="3200" dirty="0" smtClean="0"/>
-              <a:t>Resource initialization, usage, and exclusive right privileges assigned to RM instances</a:t>
-            </a:r>
-          </a:p>
-          <a:p>
-            <a:pPr lvl="2"/>
-            <a:r>
-              <a:rPr lang="en-US" sz="3200" dirty="0" smtClean="0"/>
-              <a:t>Resource assignment to RM instances allows resource management at all software system levels.</a:t>
-            </a:r>
-          </a:p>
-          <a:p>
-            <a:pPr lvl="1"/>
-            <a:r>
-              <a:rPr lang="en-US" sz="3200" dirty="0" smtClean="0"/>
-              <a:t>Runtime modification of policy privileges</a:t>
-            </a:r>
-          </a:p>
-          <a:p>
-            <a:pPr lvl="2"/>
-            <a:r>
-              <a:rPr lang="en-US" sz="3200" dirty="0" smtClean="0"/>
-              <a:t>APIs and Linux CLI (Planned)</a:t>
-            </a:r>
-          </a:p>
-          <a:p>
-            <a:r>
-              <a:rPr lang="en-US" dirty="0" smtClean="0"/>
-              <a:t>Resources Stored within Balanced Search Tree Allocators</a:t>
-            </a:r>
-          </a:p>
-          <a:p>
-            <a:pPr lvl="1"/>
-            <a:r>
-              <a:rPr lang="en-US" sz="3200" dirty="0" smtClean="0"/>
-              <a:t>Reduce memory usage and resource lookup times</a:t>
-            </a:r>
-          </a:p>
-          <a:p>
-            <a:pPr lvl="1"/>
-            <a:r>
-              <a:rPr lang="en-US" sz="3200" dirty="0" smtClean="0"/>
-              <a:t>Allocators facilitated by NameServer</a:t>
-            </a:r>
-          </a:p>
-          <a:p>
-            <a:endParaRPr lang="en-US" dirty="0" smtClean="0"/>
-          </a:p>
-        </p:txBody>
-      </p:sp>
-    </p:spTree>
-  </p:cSld>
-  <p:clrMapOvr>
-    <a:masterClrMapping/>
-  </p:clrMapOvr>
-  <p:timing>
-    <p:tnLst>
-      <p:par>
-        <p:cTn id="1" dur="indefinite" restart="never" nodeType="tmRoot"/>
-      </p:par>
-    </p:tnLst>
-  </p:timing>
-</p:sld>
-</file>
-
-<file path=ppt/slides/slide49.xml><?xml version="1.0" encoding="utf-8"?>
 <p:sld xmlns:a="http://schemas.openxmlformats.org/drawingml/2006/main" xmlns:r="http://schemas.openxmlformats.org/officeDocument/2006/relationships" xmlns:p="http://schemas.openxmlformats.org/presentationml/2006/main">
   <p:cSld>
     <p:spTree>
@@ -12599,81 +12963,6 @@
   <p:clrMapOvr>
     <a:masterClrMapping/>
   </p:clrMapOvr>
-</p:sld>
-</file>
-
-<file path=ppt/slides/slide5.xml><?xml version="1.0" encoding="utf-8"?>
-<p:sld xmlns:a="http://schemas.openxmlformats.org/drawingml/2006/main" xmlns:r="http://schemas.openxmlformats.org/officeDocument/2006/relationships" xmlns:p="http://schemas.openxmlformats.org/presentationml/2006/main">
-  <p:cSld>
-    <p:spTree>
-      <p:nvGrpSpPr>
-        <p:cNvPr id="1" name=""/>
-        <p:cNvGrpSpPr/>
-        <p:nvPr/>
-      </p:nvGrpSpPr>
-      <p:grpSpPr>
-        <a:xfrm>
-          <a:off x="0" y="0"/>
-          <a:ext cx="0" cy="0"/>
-          <a:chOff x="0" y="0"/>
-          <a:chExt cx="0" cy="0"/>
-        </a:xfrm>
-      </p:grpSpPr>
-      <p:sp>
-        <p:nvSpPr>
-          <p:cNvPr id="9218" name="Title 1"/>
-          <p:cNvSpPr>
-            <a:spLocks noGrp="1"/>
-          </p:cNvSpPr>
-          <p:nvPr>
-            <p:ph type="title"/>
-          </p:nvPr>
-        </p:nvSpPr>
-        <p:spPr>
-          <a:xfrm>
-            <a:off x="457200" y="228600"/>
-            <a:ext cx="8229600" cy="715962"/>
-          </a:xfrm>
-        </p:spPr>
-        <p:txBody>
-          <a:bodyPr>
-            <a:normAutofit/>
-          </a:bodyPr>
-          <a:lstStyle/>
-          <a:p>
-            <a:pPr eaLnBrk="1" hangingPunct="1"/>
-            <a:r>
-              <a:rPr lang="en-US" sz="3600" b="1" dirty="0" smtClean="0"/>
-              <a:t>DSP: Interface via LLD and CSL Layers</a:t>
-            </a:r>
-          </a:p>
-        </p:txBody>
-      </p:sp>
-      <p:graphicFrame>
-        <p:nvGraphicFramePr>
-          <p:cNvPr id="7" name="Object 6"/>
-          <p:cNvGraphicFramePr>
-            <a:graphicFrameLocks noChangeAspect="1"/>
-          </p:cNvGraphicFramePr>
-          <p:nvPr/>
-        </p:nvGraphicFramePr>
-        <p:xfrm>
-          <a:off x="1752600" y="990600"/>
-          <a:ext cx="4918486" cy="5118494"/>
-        </p:xfrm>
-        <a:graphic>
-          <a:graphicData uri="http://schemas.openxmlformats.org/presentationml/2006/ole">
-            <p:oleObj spid="_x0000_s78850" name="Visio" r:id="rId3" imgW="5542858" imgH="5768232" progId="Visio.Drawing.11">
-              <p:embed/>
-            </p:oleObj>
-          </a:graphicData>
-        </a:graphic>
-      </p:graphicFrame>
-    </p:spTree>
-  </p:cSld>
-  <p:clrMapOvr>
-    <a:masterClrMapping/>
-  </p:clrMapOvr>
   <p:timing>
     <p:tnLst>
       <p:par>
@@ -12684,7 +12973,7 @@
 </p:sld>
 </file>
 
-<file path=ppt/slides/slide50.xml><?xml version="1.0" encoding="utf-8"?>
+<file path=ppt/slides/slide49.xml><?xml version="1.0" encoding="utf-8"?>
 <p:sld xmlns:a="http://schemas.openxmlformats.org/drawingml/2006/main" xmlns:r="http://schemas.openxmlformats.org/officeDocument/2006/relationships" xmlns:p="http://schemas.openxmlformats.org/presentationml/2006/main">
   <p:cSld>
     <p:spTree>
@@ -13988,6 +14277,228 @@
   <p:clrMapOvr>
     <a:masterClrMapping/>
   </p:clrMapOvr>
+  <p:timing>
+    <p:tnLst>
+      <p:par>
+        <p:cTn id="1" dur="indefinite" restart="never" nodeType="tmRoot"/>
+      </p:par>
+    </p:tnLst>
+  </p:timing>
+</p:sld>
+</file>
+
+<file path=ppt/slides/slide5.xml><?xml version="1.0" encoding="utf-8"?>
+<p:sld xmlns:a="http://schemas.openxmlformats.org/drawingml/2006/main" xmlns:r="http://schemas.openxmlformats.org/officeDocument/2006/relationships" xmlns:p="http://schemas.openxmlformats.org/presentationml/2006/main">
+  <p:cSld>
+    <p:spTree>
+      <p:nvGrpSpPr>
+        <p:cNvPr id="1" name=""/>
+        <p:cNvGrpSpPr/>
+        <p:nvPr/>
+      </p:nvGrpSpPr>
+      <p:grpSpPr>
+        <a:xfrm>
+          <a:off x="0" y="0"/>
+          <a:ext cx="0" cy="0"/>
+          <a:chOff x="0" y="0"/>
+          <a:chExt cx="0" cy="0"/>
+        </a:xfrm>
+      </p:grpSpPr>
+      <p:sp>
+        <p:nvSpPr>
+          <p:cNvPr id="9218" name="Title 1"/>
+          <p:cNvSpPr>
+            <a:spLocks noGrp="1"/>
+          </p:cNvSpPr>
+          <p:nvPr>
+            <p:ph type="title"/>
+          </p:nvPr>
+        </p:nvSpPr>
+        <p:spPr>
+          <a:xfrm>
+            <a:off x="457200" y="228600"/>
+            <a:ext cx="8229600" cy="715962"/>
+          </a:xfrm>
+        </p:spPr>
+        <p:txBody>
+          <a:bodyPr>
+            <a:normAutofit/>
+          </a:bodyPr>
+          <a:lstStyle/>
+          <a:p>
+            <a:pPr eaLnBrk="1" hangingPunct="1"/>
+            <a:r>
+              <a:rPr lang="en-US" sz="3600" b="1" dirty="0" smtClean="0"/>
+              <a:t>DSP: Interface via LLD and CSL Layers</a:t>
+            </a:r>
+          </a:p>
+        </p:txBody>
+      </p:sp>
+      <p:graphicFrame>
+        <p:nvGraphicFramePr>
+          <p:cNvPr id="7" name="Object 6"/>
+          <p:cNvGraphicFramePr>
+            <a:graphicFrameLocks noChangeAspect="1"/>
+          </p:cNvGraphicFramePr>
+          <p:nvPr/>
+        </p:nvGraphicFramePr>
+        <p:xfrm>
+          <a:off x="1752600" y="990600"/>
+          <a:ext cx="4918486" cy="5118494"/>
+        </p:xfrm>
+        <a:graphic>
+          <a:graphicData uri="http://schemas.openxmlformats.org/presentationml/2006/ole">
+            <p:oleObj spid="_x0000_s78850" name="Visio" r:id="rId3" imgW="5542858" imgH="5768232" progId="Visio.Drawing.11">
+              <p:embed/>
+            </p:oleObj>
+          </a:graphicData>
+        </a:graphic>
+      </p:graphicFrame>
+    </p:spTree>
+  </p:cSld>
+  <p:clrMapOvr>
+    <a:masterClrMapping/>
+  </p:clrMapOvr>
+  <p:timing>
+    <p:tnLst>
+      <p:par>
+        <p:cTn id="1" dur="indefinite" restart="never" nodeType="tmRoot"/>
+      </p:par>
+    </p:tnLst>
+  </p:timing>
+</p:sld>
+</file>
+
+<file path=ppt/slides/slide50.xml><?xml version="1.0" encoding="utf-8"?>
+<p:sld xmlns:a="http://schemas.openxmlformats.org/drawingml/2006/main" xmlns:r="http://schemas.openxmlformats.org/officeDocument/2006/relationships" xmlns:p="http://schemas.openxmlformats.org/presentationml/2006/main">
+  <p:cSld>
+    <p:spTree>
+      <p:nvGrpSpPr>
+        <p:cNvPr id="1" name=""/>
+        <p:cNvGrpSpPr/>
+        <p:nvPr/>
+      </p:nvGrpSpPr>
+      <p:grpSpPr>
+        <a:xfrm>
+          <a:off x="0" y="0"/>
+          <a:ext cx="0" cy="0"/>
+          <a:chOff x="0" y="0"/>
+          <a:chExt cx="0" cy="0"/>
+        </a:xfrm>
+      </p:grpSpPr>
+      <p:sp>
+        <p:nvSpPr>
+          <p:cNvPr id="16386" name="Title 1"/>
+          <p:cNvSpPr>
+            <a:spLocks noGrp="1"/>
+          </p:cNvSpPr>
+          <p:nvPr>
+            <p:ph type="title"/>
+          </p:nvPr>
+        </p:nvSpPr>
+        <p:spPr>
+          <a:xfrm>
+            <a:off x="342900" y="0"/>
+            <a:ext cx="8458200" cy="923925"/>
+          </a:xfrm>
+        </p:spPr>
+        <p:txBody>
+          <a:bodyPr/>
+          <a:lstStyle/>
+          <a:p>
+            <a:r>
+              <a:rPr lang="en-US" b="1" dirty="0" smtClean="0"/>
+              <a:t>Keystone II RM - Services</a:t>
+            </a:r>
+          </a:p>
+        </p:txBody>
+      </p:sp>
+      <p:sp>
+        <p:nvSpPr>
+          <p:cNvPr id="16387" name="Content Placeholder 2"/>
+          <p:cNvSpPr>
+            <a:spLocks noGrp="1"/>
+          </p:cNvSpPr>
+          <p:nvPr>
+            <p:ph idx="1"/>
+          </p:nvPr>
+        </p:nvSpPr>
+        <p:spPr>
+          <a:xfrm>
+            <a:off x="295275" y="838200"/>
+            <a:ext cx="8467725" cy="4953000"/>
+          </a:xfrm>
+        </p:spPr>
+        <p:txBody>
+          <a:bodyPr/>
+          <a:lstStyle/>
+          <a:p>
+            <a:r>
+              <a:rPr lang="en-US" sz="2400" dirty="0" smtClean="0"/>
+              <a:t>RM  Services:</a:t>
+            </a:r>
+          </a:p>
+          <a:p>
+            <a:pPr lvl="1"/>
+            <a:r>
+              <a:rPr lang="en-US" sz="2400" dirty="0" smtClean="0"/>
+              <a:t>Allocate (initialization, usage)</a:t>
+            </a:r>
+          </a:p>
+          <a:p>
+            <a:pPr lvl="1"/>
+            <a:r>
+              <a:rPr lang="en-US" sz="2400" dirty="0" smtClean="0"/>
+              <a:t>Free</a:t>
+            </a:r>
+          </a:p>
+          <a:p>
+            <a:pPr lvl="1"/>
+            <a:r>
+              <a:rPr lang="en-US" sz="2400" dirty="0" smtClean="0"/>
+              <a:t>Map resource(s) to NameServer name</a:t>
+            </a:r>
+          </a:p>
+          <a:p>
+            <a:pPr lvl="1"/>
+            <a:r>
+              <a:rPr lang="en-US" sz="2400" dirty="0" smtClean="0"/>
+              <a:t>Get resource(s) tied to existing NameServer name</a:t>
+            </a:r>
+          </a:p>
+          <a:p>
+            <a:pPr lvl="1"/>
+            <a:r>
+              <a:rPr lang="en-US" sz="2400" dirty="0" smtClean="0"/>
+              <a:t>Unmap resource(s) from existing NameServer name</a:t>
+            </a:r>
+          </a:p>
+          <a:p>
+            <a:r>
+              <a:rPr lang="en-US" sz="2400" dirty="0" smtClean="0"/>
+              <a:t>Non-blocking service requests directly return result</a:t>
+            </a:r>
+          </a:p>
+          <a:p>
+            <a:r>
+              <a:rPr lang="en-US" sz="2400" dirty="0" smtClean="0"/>
+              <a:t>Blocking service requests return ID to system</a:t>
+            </a:r>
+          </a:p>
+        </p:txBody>
+      </p:sp>
+    </p:spTree>
+  </p:cSld>
+  <p:clrMapOvr>
+    <a:masterClrMapping/>
+  </p:clrMapOvr>
+  <p:timing>
+    <p:tnLst>
+      <p:par>
+        <p:cTn id="1" dur="indefinite" restart="never" nodeType="tmRoot"/>
+      </p:par>
+    </p:tnLst>
+  </p:timing>
 </p:sld>
 </file>
 
@@ -14010,7 +14521,7 @@
       </p:grpSpPr>
       <p:sp>
         <p:nvSpPr>
-          <p:cNvPr id="16386" name="Title 1"/>
+          <p:cNvPr id="19458" name="Title 1"/>
           <p:cNvSpPr>
             <a:spLocks noGrp="1"/>
           </p:cNvSpPr>
@@ -14020,24 +14531,33 @@
         </p:nvSpPr>
         <p:spPr>
           <a:xfrm>
-            <a:off x="342900" y="0"/>
-            <a:ext cx="8458200" cy="923925"/>
-          </a:xfrm>
-        </p:spPr>
-        <p:txBody>
-          <a:bodyPr/>
+            <a:off x="457200" y="76199"/>
+            <a:ext cx="8229600" cy="1384465"/>
+          </a:xfrm>
+        </p:spPr>
+        <p:txBody>
+          <a:bodyPr>
+            <a:normAutofit fontScale="90000"/>
+          </a:bodyPr>
           <a:lstStyle/>
           <a:p>
             <a:r>
               <a:rPr lang="en-US" b="1" dirty="0" smtClean="0"/>
-              <a:t>Keystone II RM - Services</a:t>
-            </a:r>
-          </a:p>
-        </p:txBody>
-      </p:sp>
-      <p:sp>
-        <p:nvSpPr>
-          <p:cNvPr id="16387" name="Content Placeholder 2"/>
+              <a:t>Keystone II RM:</a:t>
+            </a:r>
+            <a:br>
+              <a:rPr lang="en-US" b="1" dirty="0" smtClean="0"/>
+            </a:br>
+            <a:r>
+              <a:rPr lang="en-US" b="1" dirty="0" smtClean="0"/>
+              <a:t>Global Resource List (GRL)</a:t>
+            </a:r>
+          </a:p>
+        </p:txBody>
+      </p:sp>
+      <p:sp>
+        <p:nvSpPr>
+          <p:cNvPr id="19459" name="Content Placeholder 2"/>
           <p:cNvSpPr>
             <a:spLocks noGrp="1"/>
           </p:cNvSpPr>
@@ -14047,8 +14567,8 @@
         </p:nvSpPr>
         <p:spPr>
           <a:xfrm>
-            <a:off x="295275" y="838200"/>
-            <a:ext cx="8467725" cy="4953000"/>
+            <a:off x="457200" y="1638795"/>
+            <a:ext cx="8229600" cy="3913909"/>
           </a:xfrm>
         </p:spPr>
         <p:txBody>
@@ -14056,55 +14576,67 @@
           <a:lstStyle/>
           <a:p>
             <a:r>
-              <a:rPr lang="en-US" sz="2400" dirty="0" smtClean="0"/>
-              <a:t>RM  Services:</a:t>
+              <a:rPr lang="en-US" sz="2000" dirty="0" smtClean="0"/>
+              <a:t>Specified in Device Tree Source (DTS) format</a:t>
             </a:r>
           </a:p>
           <a:p>
             <a:pPr lvl="1"/>
             <a:r>
-              <a:rPr lang="en-US" sz="2400" dirty="0" smtClean="0"/>
-              <a:t>Allocate (initialization, usage)</a:t>
+              <a:rPr lang="en-US" sz="2000" dirty="0" smtClean="0"/>
+              <a:t>Open source, dual GPL/BSD-licensed LIBFDT used for parsing GRL</a:t>
+            </a:r>
+          </a:p>
+          <a:p>
+            <a:r>
+              <a:rPr lang="en-US" sz="2000" dirty="0" smtClean="0"/>
+              <a:t>Input to Server on initialization</a:t>
+            </a:r>
+          </a:p>
+          <a:p>
+            <a:r>
+              <a:rPr lang="en-US" sz="2000" dirty="0" smtClean="0"/>
+              <a:t>Server instantiates allocator for each resource specified in GRL</a:t>
+            </a:r>
+          </a:p>
+          <a:p>
+            <a:r>
+              <a:rPr lang="en-US" sz="2000" dirty="0" smtClean="0"/>
+              <a:t>A GRL specification for a resource includes:</a:t>
             </a:r>
           </a:p>
           <a:p>
             <a:pPr lvl="1"/>
             <a:r>
-              <a:rPr lang="en-US" sz="2400" dirty="0" smtClean="0"/>
-              <a:t>Free</a:t>
+              <a:rPr lang="en-US" sz="2000" dirty="0" smtClean="0"/>
+              <a:t>Resource name</a:t>
             </a:r>
           </a:p>
           <a:p>
             <a:pPr lvl="1"/>
             <a:r>
-              <a:rPr lang="en-US" sz="2400" dirty="0" smtClean="0"/>
-              <a:t>Map resource(s) to NameServer name</a:t>
+              <a:rPr lang="en-US" sz="2000" dirty="0" smtClean="0"/>
+              <a:t>Resource range (base + length)</a:t>
             </a:r>
           </a:p>
           <a:p>
             <a:pPr lvl="1"/>
             <a:r>
-              <a:rPr lang="en-US" sz="2400" dirty="0" smtClean="0"/>
-              <a:t>Get resource(s) tied to existing NameServer name</a:t>
+              <a:rPr lang="en-US" sz="2000" dirty="0" smtClean="0"/>
+              <a:t>Linux DTB alias path (if applicable)</a:t>
             </a:r>
           </a:p>
           <a:p>
             <a:pPr lvl="1"/>
             <a:r>
-              <a:rPr lang="en-US" sz="2400" dirty="0" smtClean="0"/>
-              <a:t>Unmap resource(s) from existing NameServer name</a:t>
-            </a:r>
-          </a:p>
-          <a:p>
-            <a:r>
-              <a:rPr lang="en-US" sz="2400" dirty="0" smtClean="0"/>
-              <a:t>Non-blocking service requests directly return result</a:t>
-            </a:r>
-          </a:p>
-          <a:p>
-            <a:r>
-              <a:rPr lang="en-US" sz="2400" dirty="0" smtClean="0"/>
-              <a:t>Blocking service requests return ID to system</a:t>
+              <a:rPr lang="en-US" sz="2000" dirty="0" smtClean="0"/>
+              <a:t>Resource NameServer assignments (if applicable)</a:t>
+            </a:r>
+          </a:p>
+          <a:p>
+            <a:r>
+              <a:rPr lang="en-US" sz="2000" dirty="0" smtClean="0"/>
+              <a:t>Permissions not specified in GRL - In the polices</a:t>
             </a:r>
           </a:p>
         </p:txBody>
@@ -14114,6 +14646,13 @@
   <p:clrMapOvr>
     <a:masterClrMapping/>
   </p:clrMapOvr>
+  <p:timing>
+    <p:tnLst>
+      <p:par>
+        <p:cTn id="1" dur="indefinite" restart="never" nodeType="tmRoot"/>
+      </p:par>
+    </p:tnLst>
+  </p:timing>
 </p:sld>
 </file>
 
@@ -14136,7 +14675,7 @@
       </p:grpSpPr>
       <p:sp>
         <p:nvSpPr>
-          <p:cNvPr id="19458" name="Title 1"/>
+          <p:cNvPr id="4" name="Title 3"/>
           <p:cNvSpPr>
             <a:spLocks noGrp="1"/>
           </p:cNvSpPr>
@@ -14144,115 +14683,100 @@
             <p:ph type="title"/>
           </p:nvPr>
         </p:nvSpPr>
+        <p:spPr/>
+        <p:txBody>
+          <a:bodyPr/>
+          <a:lstStyle/>
+          <a:p>
+            <a:r>
+              <a:rPr lang="en-US" sz="3600" dirty="0" smtClean="0"/>
+              <a:t>GRL example</a:t>
+            </a:r>
+            <a:br>
+              <a:rPr lang="en-US" sz="3600" dirty="0" smtClean="0"/>
+            </a:br>
+            <a:endParaRPr lang="en-US" sz="3600" dirty="0"/>
+          </a:p>
+        </p:txBody>
+      </p:sp>
+      <p:sp>
+        <p:nvSpPr>
+          <p:cNvPr id="6" name="TextBox 5"/>
+          <p:cNvSpPr txBox="1"/>
+          <p:nvPr/>
+        </p:nvSpPr>
         <p:spPr>
           <a:xfrm>
-            <a:off x="457200" y="76199"/>
-            <a:ext cx="8229600" cy="1384465"/>
-          </a:xfrm>
-        </p:spPr>
-        <p:txBody>
-          <a:bodyPr>
-            <a:normAutofit fontScale="90000"/>
+            <a:off x="609600" y="1054100"/>
+            <a:ext cx="8077200" cy="4154984"/>
+          </a:xfrm>
+          <a:prstGeom prst="rect">
+            <a:avLst/>
+          </a:prstGeom>
+          <a:noFill/>
+        </p:spPr>
+        <p:txBody>
+          <a:bodyPr wrap="square" rtlCol="0">
+            <a:spAutoFit/>
           </a:bodyPr>
           <a:lstStyle/>
           <a:p>
             <a:r>
-              <a:rPr lang="en-US" b="1" dirty="0" smtClean="0"/>
-              <a:t>Keystone II RM:</a:t>
-            </a:r>
-            <a:br>
-              <a:rPr lang="en-US" b="1" dirty="0" smtClean="0"/>
-            </a:br>
-            <a:r>
-              <a:rPr lang="en-US" b="1" dirty="0" smtClean="0"/>
-              <a:t>Global Resource List (GRL)</a:t>
-            </a:r>
-          </a:p>
-        </p:txBody>
-      </p:sp>
-      <p:sp>
-        <p:nvSpPr>
-          <p:cNvPr id="19459" name="Content Placeholder 2"/>
-          <p:cNvSpPr>
-            <a:spLocks noGrp="1"/>
-          </p:cNvSpPr>
-          <p:nvPr>
-            <p:ph idx="1"/>
-          </p:nvPr>
-        </p:nvSpPr>
-        <p:spPr>
-          <a:xfrm>
-            <a:off x="457200" y="1638795"/>
-            <a:ext cx="8229600" cy="3913909"/>
-          </a:xfrm>
-        </p:spPr>
-        <p:txBody>
-          <a:bodyPr/>
-          <a:lstStyle/>
-          <a:p>
-            <a:r>
-              <a:rPr lang="en-US" sz="2000" dirty="0" smtClean="0"/>
-              <a:t>Specified in Device Tree Source (DTS) format</a:t>
-            </a:r>
-          </a:p>
-          <a:p>
-            <a:pPr lvl="1"/>
-            <a:r>
-              <a:rPr lang="en-US" sz="2000" dirty="0" smtClean="0"/>
-              <a:t>Open source, dual GPL/BSD-licensed LIBFDT used for parsing GRL</a:t>
-            </a:r>
-          </a:p>
-          <a:p>
-            <a:r>
-              <a:rPr lang="en-US" sz="2000" dirty="0" smtClean="0"/>
-              <a:t>Input to Server on initialization</a:t>
-            </a:r>
-          </a:p>
-          <a:p>
-            <a:r>
-              <a:rPr lang="en-US" sz="2000" dirty="0" smtClean="0"/>
-              <a:t>Server instantiates allocator for each resource specified in GRL</a:t>
-            </a:r>
-          </a:p>
-          <a:p>
-            <a:r>
-              <a:rPr lang="en-US" sz="2000" dirty="0" smtClean="0"/>
-              <a:t>A GRL specification for a resource includes:</a:t>
-            </a:r>
-          </a:p>
-          <a:p>
-            <a:pPr lvl="1"/>
-            <a:r>
-              <a:rPr lang="en-US" sz="2000" dirty="0" smtClean="0"/>
-              <a:t>Resource name</a:t>
-            </a:r>
-          </a:p>
-          <a:p>
-            <a:pPr lvl="1"/>
-            <a:r>
-              <a:rPr lang="en-US" sz="2000" dirty="0" smtClean="0"/>
-              <a:t>Resource range (base + length)</a:t>
-            </a:r>
-          </a:p>
-          <a:p>
-            <a:pPr lvl="1"/>
-            <a:r>
-              <a:rPr lang="en-US" sz="2000" dirty="0" smtClean="0"/>
-              <a:t>Linux DTB alias path (if applicable)</a:t>
-            </a:r>
-          </a:p>
-          <a:p>
-            <a:pPr lvl="1"/>
-            <a:r>
-              <a:rPr lang="en-US" sz="2000" dirty="0" smtClean="0"/>
-              <a:t>Resource NameServer assignments (if applicable)</a:t>
-            </a:r>
-          </a:p>
-          <a:p>
-            <a:r>
-              <a:rPr lang="en-US" sz="2000" dirty="0" smtClean="0"/>
-              <a:t>Permissions not specified in GRL - In the polices</a:t>
-            </a:r>
+              <a:rPr lang="en-US" sz="2400" dirty="0" smtClean="0"/>
+              <a:t>Location of </a:t>
+            </a:r>
+            <a:r>
+              <a:rPr lang="en-US" sz="2400" dirty="0" smtClean="0"/>
+              <a:t>an examples of</a:t>
+            </a:r>
+            <a:r>
+              <a:rPr lang="en-US" sz="2400" dirty="0" smtClean="0"/>
+              <a:t> </a:t>
+            </a:r>
+            <a:r>
+              <a:rPr lang="en-US" sz="2400" dirty="0" smtClean="0"/>
+              <a:t>global Resource List and the policy files is in</a:t>
+            </a:r>
+          </a:p>
+          <a:p>
+            <a:endParaRPr lang="en-US" sz="2400" dirty="0" smtClean="0"/>
+          </a:p>
+          <a:p>
+            <a:endParaRPr lang="en-US" sz="2400" dirty="0" smtClean="0"/>
+          </a:p>
+          <a:p>
+            <a:r>
+              <a:rPr lang="en-US" sz="2400" dirty="0" smtClean="0"/>
+              <a:t>/MCSDK_3_00_00_XX/pdk_keystone2_1_00_00_XX/packages/ti/drv/rm/device/k2h</a:t>
+            </a:r>
+          </a:p>
+          <a:p>
+            <a:endParaRPr lang="en-US" sz="2400" dirty="0" smtClean="0"/>
+          </a:p>
+          <a:p>
+            <a:r>
+              <a:rPr lang="en-US" sz="2400" dirty="0" smtClean="0"/>
+              <a:t>The first few line of the file are in the next slide</a:t>
+            </a:r>
+          </a:p>
+          <a:p>
+            <a:r>
+              <a:rPr lang="en-US" sz="2400" dirty="0" smtClean="0"/>
+              <a:t>In the same directory there are two policy files:</a:t>
+            </a:r>
+          </a:p>
+          <a:p>
+            <a:r>
+              <a:rPr lang="en-US" sz="2400" dirty="0" smtClean="0"/>
+              <a:t>policy_dsp_arm.dts </a:t>
+            </a:r>
+          </a:p>
+          <a:p>
+            <a:r>
+              <a:rPr lang="en-US" sz="2400" dirty="0" smtClean="0"/>
+              <a:t> policy_dsp-only.dts</a:t>
+            </a:r>
+            <a:endParaRPr lang="en-US" sz="2400" dirty="0"/>
           </a:p>
         </p:txBody>
       </p:sp>
@@ -14261,6 +14785,13 @@
   <p:clrMapOvr>
     <a:masterClrMapping/>
   </p:clrMapOvr>
+  <p:timing>
+    <p:tnLst>
+      <p:par>
+        <p:cTn id="1" dur="indefinite" restart="never" nodeType="tmRoot"/>
+      </p:par>
+    </p:tnLst>
+  </p:timing>
 </p:sld>
 </file>
 
@@ -14291,88 +14822,164 @@
             <p:ph type="title"/>
           </p:nvPr>
         </p:nvSpPr>
-        <p:spPr/>
+        <p:spPr>
+          <a:xfrm>
+            <a:off x="457200" y="76200"/>
+            <a:ext cx="8229600" cy="1028700"/>
+          </a:xfrm>
+        </p:spPr>
         <p:txBody>
           <a:bodyPr/>
           <a:lstStyle/>
           <a:p>
             <a:r>
               <a:rPr lang="en-US" sz="3600" dirty="0" smtClean="0"/>
-              <a:t>GRL example</a:t>
-            </a:r>
-            <a:br>
-              <a:rPr lang="en-US" sz="3600" dirty="0" smtClean="0"/>
-            </a:br>
+              <a:t>global-resource-list-arm-dsp.dts </a:t>
+            </a:r>
             <a:endParaRPr lang="en-US" sz="3600" dirty="0"/>
           </a:p>
         </p:txBody>
       </p:sp>
       <p:sp>
         <p:nvSpPr>
-          <p:cNvPr id="6" name="TextBox 5"/>
-          <p:cNvSpPr txBox="1"/>
+          <p:cNvPr id="5" name="Rectangle 4"/>
+          <p:cNvSpPr/>
           <p:nvPr/>
         </p:nvSpPr>
         <p:spPr>
           <a:xfrm>
-            <a:off x="609600" y="1054100"/>
-            <a:ext cx="8077200" cy="3785652"/>
+            <a:off x="241300" y="838200"/>
+            <a:ext cx="8153400" cy="5509200"/>
           </a:xfrm>
           <a:prstGeom prst="rect">
             <a:avLst/>
           </a:prstGeom>
-          <a:noFill/>
-        </p:spPr>
-        <p:txBody>
-          <a:bodyPr wrap="square" rtlCol="0">
+        </p:spPr>
+        <p:txBody>
+          <a:bodyPr wrap="square">
             <a:spAutoFit/>
           </a:bodyPr>
           <a:lstStyle/>
           <a:p>
             <a:r>
-              <a:rPr lang="en-US" sz="2400" dirty="0" smtClean="0"/>
-              <a:t>Location of the global Resource List and the policy files is in</a:t>
-            </a:r>
-          </a:p>
-          <a:p>
-            <a:endParaRPr lang="en-US" sz="2400" dirty="0" smtClean="0"/>
-          </a:p>
-          <a:p>
-            <a:endParaRPr lang="en-US" sz="2400" dirty="0" smtClean="0"/>
-          </a:p>
-          <a:p>
-            <a:r>
-              <a:rPr lang="en-US" sz="2400" dirty="0" smtClean="0"/>
-              <a:t>/MCSDK_3_00_00_XX/pdk_keystone2_1_00_00_XX/packages/ti/drv/rm/device/k2h</a:t>
-            </a:r>
-          </a:p>
-          <a:p>
-            <a:endParaRPr lang="en-US" sz="2400" dirty="0" smtClean="0"/>
-          </a:p>
-          <a:p>
-            <a:r>
-              <a:rPr lang="en-US" sz="2400" dirty="0" smtClean="0"/>
-              <a:t>The first few line of the file are in the next slide</a:t>
-            </a:r>
-          </a:p>
-          <a:p>
-            <a:r>
-              <a:rPr lang="en-US" sz="2400" dirty="0" smtClean="0"/>
-              <a:t>In the same directory there are two policy files:</a:t>
-            </a:r>
-          </a:p>
-          <a:p>
-            <a:r>
-              <a:rPr lang="en-US" sz="2400" dirty="0" smtClean="0"/>
-              <a:t>policy_dsp_arm.dts </a:t>
-            </a:r>
-          </a:p>
-          <a:p>
-            <a:r>
-              <a:rPr lang="en-US" sz="2400" dirty="0" smtClean="0"/>
-              <a:t> policy_dsp-only.dts</a:t>
-            </a:r>
-            <a:endParaRPr lang="en-US" sz="2400" dirty="0"/>
+              <a:rPr lang="en-US" sz="1600" dirty="0" smtClean="0"/>
+              <a:t>/dts-v1/;</a:t>
+            </a:r>
+          </a:p>
+          <a:p>
+            <a:endParaRPr lang="en-US" sz="1600" dirty="0" smtClean="0"/>
+          </a:p>
+          <a:p>
+            <a:r>
+              <a:rPr lang="en-US" sz="1600" dirty="0" smtClean="0"/>
+              <a:t>/ {</a:t>
+            </a:r>
+          </a:p>
+          <a:p>
+            <a:r>
+              <a:rPr lang="en-US" sz="1600" dirty="0" smtClean="0"/>
+              <a:t>    /* Device resource definitions based on current supported QMSS, CPPI, and</a:t>
+            </a:r>
+          </a:p>
+          <a:p>
+            <a:r>
+              <a:rPr lang="en-US" sz="1600" dirty="0" smtClean="0"/>
+              <a:t>     * PA LLD resources */</a:t>
+            </a:r>
+          </a:p>
+          <a:p>
+            <a:endParaRPr lang="en-US" sz="1600" dirty="0" smtClean="0"/>
+          </a:p>
+          <a:p>
+            <a:r>
+              <a:rPr lang="en-US" sz="1600" dirty="0" smtClean="0"/>
+              <a:t>    qmss {</a:t>
+            </a:r>
+          </a:p>
+          <a:p>
+            <a:r>
+              <a:rPr lang="en-US" sz="1600" dirty="0" smtClean="0"/>
+              <a:t>        /* Number of descriptors inserted by ARM */</a:t>
+            </a:r>
+          </a:p>
+          <a:p>
+            <a:r>
+              <a:rPr lang="en-US" sz="1600" dirty="0" smtClean="0"/>
+              <a:t>        ns-assignment = "ARM_Descriptors", &lt;0 4096&gt;;</a:t>
+            </a:r>
+          </a:p>
+          <a:p>
+            <a:endParaRPr lang="en-US" sz="1600" dirty="0" smtClean="0"/>
+          </a:p>
+          <a:p>
+            <a:r>
+              <a:rPr lang="en-US" sz="1600" dirty="0" smtClean="0"/>
+              <a:t>        /* QMSS in joint mode affects only -qm1 resource */</a:t>
+            </a:r>
+          </a:p>
+          <a:p>
+            <a:r>
+              <a:rPr lang="en-US" sz="1600" dirty="0" smtClean="0"/>
+              <a:t>        control-qm1 {</a:t>
+            </a:r>
+          </a:p>
+          <a:p>
+            <a:r>
+              <a:rPr lang="en-US" sz="1600" dirty="0" smtClean="0"/>
+              <a:t>            resource-range = &lt;0 1&gt;;</a:t>
+            </a:r>
+          </a:p>
+          <a:p>
+            <a:r>
+              <a:rPr lang="en-US" sz="1600" dirty="0" smtClean="0"/>
+              <a:t>        };</a:t>
+            </a:r>
+          </a:p>
+          <a:p>
+            <a:r>
+              <a:rPr lang="en-US" sz="1600" dirty="0" smtClean="0"/>
+              <a:t>        control-qm2 {</a:t>
+            </a:r>
+          </a:p>
+          <a:p>
+            <a:r>
+              <a:rPr lang="en-US" sz="1600" dirty="0" smtClean="0"/>
+              <a:t>            resource-range = &lt;0 1&gt;;</a:t>
+            </a:r>
+          </a:p>
+          <a:p>
+            <a:r>
+              <a:rPr lang="en-US" sz="1600" dirty="0" smtClean="0"/>
+              <a:t>        };</a:t>
+            </a:r>
+          </a:p>
+          <a:p>
+            <a:endParaRPr lang="en-US" sz="1600" dirty="0" smtClean="0"/>
+          </a:p>
+          <a:p>
+            <a:r>
+              <a:rPr lang="en-US" sz="1600" dirty="0" smtClean="0"/>
+              <a:t>        /* QMSS in joint mode affects only -qm1 resource */</a:t>
+            </a:r>
+          </a:p>
+          <a:p>
+            <a:r>
+              <a:rPr lang="en-US" sz="1600" dirty="0" smtClean="0"/>
+              <a:t>        linkram-control-qm1 {</a:t>
+            </a:r>
+          </a:p>
+          <a:p>
+            <a:r>
+              <a:rPr lang="en-US" sz="1600" dirty="0" smtClean="0"/>
+              <a:t>            resource-range = &lt;0 1&gt;;</a:t>
+            </a:r>
+          </a:p>
+          <a:p>
+            <a:r>
+              <a:rPr lang="en-US" sz="1600" dirty="0" smtClean="0"/>
+              <a:t>        };</a:t>
+            </a:r>
+            <a:endParaRPr lang="en-US" sz="1600" dirty="0"/>
           </a:p>
         </p:txBody>
       </p:sp>
@@ -14381,6 +14988,13 @@
   <p:clrMapOvr>
     <a:masterClrMapping/>
   </p:clrMapOvr>
+  <p:timing>
+    <p:tnLst>
+      <p:par>
+        <p:cTn id="1" dur="indefinite" restart="never" nodeType="tmRoot"/>
+      </p:par>
+    </p:tnLst>
+  </p:timing>
 </p:sld>
 </file>
 
@@ -14403,7 +15017,35 @@
       </p:grpSpPr>
       <p:sp>
         <p:nvSpPr>
-          <p:cNvPr id="4" name="Title 3"/>
+          <p:cNvPr id="7" name="TextBox 6"/>
+          <p:cNvSpPr txBox="1"/>
+          <p:nvPr/>
+        </p:nvSpPr>
+        <p:spPr>
+          <a:xfrm>
+            <a:off x="237506" y="6445325"/>
+            <a:ext cx="8611219" cy="369332"/>
+          </a:xfrm>
+          <a:prstGeom prst="rect">
+            <a:avLst/>
+          </a:prstGeom>
+          <a:solidFill>
+            <a:schemeClr val="bg1"/>
+          </a:solidFill>
+        </p:spPr>
+        <p:txBody>
+          <a:bodyPr wrap="square" rtlCol="0">
+            <a:spAutoFit/>
+          </a:bodyPr>
+          <a:lstStyle/>
+          <a:p>
+            <a:endParaRPr lang="en-US" dirty="0"/>
+          </a:p>
+        </p:txBody>
+      </p:sp>
+      <p:sp>
+        <p:nvSpPr>
+          <p:cNvPr id="22530" name="Title 1"/>
           <p:cNvSpPr>
             <a:spLocks noGrp="1"/>
           </p:cNvSpPr>
@@ -14413,162 +15055,296 @@
         </p:nvSpPr>
         <p:spPr>
           <a:xfrm>
-            <a:off x="457200" y="76200"/>
-            <a:ext cx="8229600" cy="1028700"/>
-          </a:xfrm>
-        </p:spPr>
-        <p:txBody>
-          <a:bodyPr/>
-          <a:lstStyle/>
-          <a:p>
+            <a:off x="457200" y="60888"/>
+            <a:ext cx="8229600" cy="715962"/>
+          </a:xfrm>
+        </p:spPr>
+        <p:txBody>
+          <a:bodyPr>
+            <a:normAutofit/>
+          </a:bodyPr>
+          <a:lstStyle/>
+          <a:p>
+            <a:r>
+              <a:rPr lang="en-US" sz="3600" b="1" dirty="0" smtClean="0"/>
+              <a:t>Policy Example - policy_dsp_arm.dts (1)</a:t>
+            </a:r>
             <a:r>
               <a:rPr lang="en-US" sz="3600" dirty="0" smtClean="0"/>
-              <a:t>global-resource-list-arm-dsp.dts </a:t>
-            </a:r>
-            <a:endParaRPr lang="en-US" sz="3600" dirty="0"/>
-          </a:p>
-        </p:txBody>
-      </p:sp>
-      <p:sp>
-        <p:nvSpPr>
-          <p:cNvPr id="5" name="Rectangle 4"/>
-          <p:cNvSpPr/>
-          <p:nvPr/>
+              <a:t> </a:t>
+            </a:r>
+            <a:endParaRPr lang="en-US" sz="3600" b="1" dirty="0" smtClean="0"/>
+          </a:p>
+        </p:txBody>
+      </p:sp>
+      <p:sp>
+        <p:nvSpPr>
+          <p:cNvPr id="22533" name="Content Placeholder 2"/>
+          <p:cNvSpPr>
+            <a:spLocks noGrp="1"/>
+          </p:cNvSpPr>
+          <p:nvPr>
+            <p:ph idx="1"/>
+          </p:nvPr>
         </p:nvSpPr>
         <p:spPr>
           <a:xfrm>
-            <a:off x="241300" y="838200"/>
-            <a:ext cx="8153400" cy="5509200"/>
-          </a:xfrm>
-          <a:prstGeom prst="rect">
-            <a:avLst/>
-          </a:prstGeom>
-        </p:spPr>
-        <p:txBody>
-          <a:bodyPr wrap="square">
-            <a:spAutoFit/>
+            <a:off x="118753" y="776851"/>
+            <a:ext cx="9025247" cy="6037806"/>
+          </a:xfrm>
+        </p:spPr>
+        <p:txBody>
+          <a:bodyPr>
+            <a:noAutofit/>
           </a:bodyPr>
           <a:lstStyle/>
           <a:p>
-            <a:r>
-              <a:rPr lang="en-US" sz="1600" dirty="0" smtClean="0"/>
+            <a:pPr marL="0" indent="0">
+              <a:buFontTx/>
+              <a:buNone/>
+            </a:pPr>
+            <a:endParaRPr lang="en-US" sz="1100" dirty="0" smtClean="0">
+              <a:latin typeface="Courier New" pitchFamily="49" charset="0"/>
+              <a:cs typeface="Courier New" pitchFamily="49" charset="0"/>
+            </a:endParaRPr>
+          </a:p>
+          <a:p>
+            <a:pPr marL="0" indent="0">
+              <a:buFontTx/>
+              <a:buNone/>
+            </a:pPr>
+            <a:r>
+              <a:rPr lang="en-US" sz="1200" b="1" dirty="0" smtClean="0">
+                <a:latin typeface="Courier New" pitchFamily="49" charset="0"/>
+                <a:cs typeface="Courier New" pitchFamily="49" charset="0"/>
+              </a:rPr>
               <a:t>/dts-v1/;</a:t>
             </a:r>
           </a:p>
           <a:p>
-            <a:endParaRPr lang="en-US" sz="1600" dirty="0" smtClean="0"/>
-          </a:p>
-          <a:p>
-            <a:r>
-              <a:rPr lang="en-US" sz="1600" dirty="0" smtClean="0"/>
+            <a:pPr marL="0" indent="0">
+              <a:buFontTx/>
+              <a:buNone/>
+            </a:pPr>
+            <a:endParaRPr lang="en-US" sz="1200" b="1" dirty="0" smtClean="0">
+              <a:latin typeface="Courier New" pitchFamily="49" charset="0"/>
+              <a:cs typeface="Courier New" pitchFamily="49" charset="0"/>
+            </a:endParaRPr>
+          </a:p>
+          <a:p>
+            <a:pPr marL="0" indent="0">
+              <a:buFontTx/>
+              <a:buNone/>
+            </a:pPr>
+            <a:r>
+              <a:rPr lang="en-US" sz="1200" b="1" dirty="0" smtClean="0">
+                <a:latin typeface="Courier New" pitchFamily="49" charset="0"/>
+                <a:cs typeface="Courier New" pitchFamily="49" charset="0"/>
+              </a:rPr>
+              <a:t>/* Keystone II policy containing reserving resources used by Linux Kernel */</a:t>
+            </a:r>
+          </a:p>
+          <a:p>
+            <a:pPr marL="0" indent="0">
+              <a:buFontTx/>
+              <a:buNone/>
+            </a:pPr>
+            <a:endParaRPr lang="en-US" sz="1200" b="1" dirty="0" smtClean="0">
+              <a:latin typeface="Courier New" pitchFamily="49" charset="0"/>
+              <a:cs typeface="Courier New" pitchFamily="49" charset="0"/>
+            </a:endParaRPr>
+          </a:p>
+          <a:p>
+            <a:pPr marL="0" indent="0">
+              <a:buFontTx/>
+              <a:buNone/>
+            </a:pPr>
+            <a:r>
+              <a:rPr lang="en-US" sz="1200" b="1" dirty="0" smtClean="0">
+                <a:latin typeface="Courier New" pitchFamily="49" charset="0"/>
+                <a:cs typeface="Courier New" pitchFamily="49" charset="0"/>
+              </a:rPr>
               <a:t>/ {</a:t>
             </a:r>
           </a:p>
           <a:p>
-            <a:r>
-              <a:rPr lang="en-US" sz="1600" dirty="0" smtClean="0"/>
-              <a:t>    /* Device resource definitions based on current supported QMSS, CPPI, and</a:t>
-            </a:r>
-          </a:p>
-          <a:p>
-            <a:r>
-              <a:rPr lang="en-US" sz="1600" dirty="0" smtClean="0"/>
-              <a:t>     * PA LLD resources */</a:t>
-            </a:r>
-          </a:p>
-          <a:p>
-            <a:endParaRPr lang="en-US" sz="1600" dirty="0" smtClean="0"/>
-          </a:p>
-          <a:p>
-            <a:r>
-              <a:rPr lang="en-US" sz="1600" dirty="0" smtClean="0"/>
-              <a:t>    qmss {</a:t>
-            </a:r>
-          </a:p>
-          <a:p>
-            <a:r>
-              <a:rPr lang="en-US" sz="1600" dirty="0" smtClean="0"/>
-              <a:t>        /* Number of descriptors inserted by ARM */</a:t>
-            </a:r>
-          </a:p>
-          <a:p>
-            <a:r>
-              <a:rPr lang="en-US" sz="1600" dirty="0" smtClean="0"/>
-              <a:t>        ns-assignment = "ARM_Descriptors", &lt;0 4096&gt;;</a:t>
-            </a:r>
-          </a:p>
-          <a:p>
-            <a:endParaRPr lang="en-US" sz="1600" dirty="0" smtClean="0"/>
-          </a:p>
-          <a:p>
-            <a:r>
-              <a:rPr lang="en-US" sz="1600" dirty="0" smtClean="0"/>
-              <a:t>        /* QMSS in joint mode affects only -qm1 resource */</a:t>
-            </a:r>
-          </a:p>
-          <a:p>
-            <a:r>
-              <a:rPr lang="en-US" sz="1600" dirty="0" smtClean="0"/>
-              <a:t>        control-qm1 {</a:t>
-            </a:r>
-          </a:p>
-          <a:p>
-            <a:r>
-              <a:rPr lang="en-US" sz="1600" dirty="0" smtClean="0"/>
-              <a:t>            resource-range = &lt;0 1&gt;;</a:t>
-            </a:r>
-          </a:p>
-          <a:p>
-            <a:r>
-              <a:rPr lang="en-US" sz="1600" dirty="0" smtClean="0"/>
-              <a:t>        };</a:t>
-            </a:r>
-          </a:p>
-          <a:p>
-            <a:r>
-              <a:rPr lang="en-US" sz="1600" dirty="0" smtClean="0"/>
-              <a:t>        control-qm2 {</a:t>
-            </a:r>
-          </a:p>
-          <a:p>
-            <a:r>
-              <a:rPr lang="en-US" sz="1600" dirty="0" smtClean="0"/>
-              <a:t>            resource-range = &lt;0 1&gt;;</a:t>
-            </a:r>
-          </a:p>
-          <a:p>
-            <a:r>
-              <a:rPr lang="en-US" sz="1600" dirty="0" smtClean="0"/>
-              <a:t>        };</a:t>
-            </a:r>
-          </a:p>
-          <a:p>
-            <a:endParaRPr lang="en-US" sz="1600" dirty="0" smtClean="0"/>
-          </a:p>
-          <a:p>
-            <a:r>
-              <a:rPr lang="en-US" sz="1600" dirty="0" smtClean="0"/>
-              <a:t>        /* QMSS in joint mode affects only -qm1 resource */</a:t>
-            </a:r>
-          </a:p>
-          <a:p>
-            <a:r>
-              <a:rPr lang="en-US" sz="1600" dirty="0" smtClean="0"/>
-              <a:t>        linkram-control-qm1 {</a:t>
-            </a:r>
-          </a:p>
-          <a:p>
-            <a:r>
-              <a:rPr lang="en-US" sz="1600" dirty="0" smtClean="0"/>
-              <a:t>            resource-range = &lt;0 1&gt;;</a:t>
-            </a:r>
-          </a:p>
-          <a:p>
-            <a:r>
-              <a:rPr lang="en-US" sz="1600" dirty="0" smtClean="0"/>
-              <a:t>        };</a:t>
-            </a:r>
-            <a:endParaRPr lang="en-US" sz="1600" dirty="0"/>
+            <a:pPr marL="0" indent="0">
+              <a:buFontTx/>
+              <a:buNone/>
+            </a:pPr>
+            <a:r>
+              <a:rPr lang="en-US" sz="1200" b="1" dirty="0" smtClean="0">
+                <a:latin typeface="Courier New" pitchFamily="49" charset="0"/>
+                <a:cs typeface="Courier New" pitchFamily="49" charset="0"/>
+              </a:rPr>
+              <a:t>    /* Valid instance list contains instance names used within TI example projects</a:t>
+            </a:r>
+          </a:p>
+          <a:p>
+            <a:pPr marL="0" indent="0">
+              <a:buFontTx/>
+              <a:buNone/>
+            </a:pPr>
+            <a:r>
+              <a:rPr lang="en-US" sz="1200" b="1" dirty="0" smtClean="0">
+                <a:latin typeface="Courier New" pitchFamily="49" charset="0"/>
+                <a:cs typeface="Courier New" pitchFamily="49" charset="0"/>
+              </a:rPr>
+              <a:t>     * utilizing RM.  The list can be modified as needed by applications integrating</a:t>
+            </a:r>
+          </a:p>
+          <a:p>
+            <a:pPr marL="0" indent="0">
+              <a:buFontTx/>
+              <a:buNone/>
+            </a:pPr>
+            <a:r>
+              <a:rPr lang="en-US" sz="1200" b="1" dirty="0" smtClean="0">
+                <a:latin typeface="Courier New" pitchFamily="49" charset="0"/>
+                <a:cs typeface="Courier New" pitchFamily="49" charset="0"/>
+              </a:rPr>
+              <a:t>     * RM.  For an RM instance to be given permissions the name used to initialize it</a:t>
+            </a:r>
+          </a:p>
+          <a:p>
+            <a:pPr marL="0" indent="0">
+              <a:buFontTx/>
+              <a:buNone/>
+            </a:pPr>
+            <a:r>
+              <a:rPr lang="en-US" sz="1200" b="1" dirty="0" smtClean="0">
+                <a:latin typeface="Courier New" pitchFamily="49" charset="0"/>
+                <a:cs typeface="Courier New" pitchFamily="49" charset="0"/>
+              </a:rPr>
+              <a:t>     * must be present in this list */</a:t>
+            </a:r>
+          </a:p>
+          <a:p>
+            <a:pPr marL="0" indent="0">
+              <a:buFontTx/>
+              <a:buNone/>
+            </a:pPr>
+            <a:r>
+              <a:rPr lang="en-US" sz="1200" b="1" dirty="0" smtClean="0">
+                <a:latin typeface="Courier New" pitchFamily="49" charset="0"/>
+                <a:cs typeface="Courier New" pitchFamily="49" charset="0"/>
+              </a:rPr>
+              <a:t>    valid-instances = "RM_Server",</a:t>
+            </a:r>
+          </a:p>
+          <a:p>
+            <a:pPr marL="0" indent="0">
+              <a:buFontTx/>
+              <a:buNone/>
+            </a:pPr>
+            <a:r>
+              <a:rPr lang="en-US" sz="1200" b="1" dirty="0" smtClean="0">
+                <a:latin typeface="Courier New" pitchFamily="49" charset="0"/>
+                <a:cs typeface="Courier New" pitchFamily="49" charset="0"/>
+              </a:rPr>
+              <a:t>                      "RM_Client0",</a:t>
+            </a:r>
+          </a:p>
+          <a:p>
+            <a:pPr marL="0" indent="0">
+              <a:buFontTx/>
+              <a:buNone/>
+            </a:pPr>
+            <a:r>
+              <a:rPr lang="en-US" sz="1200" b="1" dirty="0" smtClean="0">
+                <a:latin typeface="Courier New" pitchFamily="49" charset="0"/>
+                <a:cs typeface="Courier New" pitchFamily="49" charset="0"/>
+              </a:rPr>
+              <a:t>                      "RM_Client1",</a:t>
+            </a:r>
+          </a:p>
+          <a:p>
+            <a:pPr marL="0" indent="0">
+              <a:buFontTx/>
+              <a:buNone/>
+            </a:pPr>
+            <a:r>
+              <a:rPr lang="en-US" sz="1200" b="1" dirty="0" smtClean="0">
+                <a:latin typeface="Courier New" pitchFamily="49" charset="0"/>
+                <a:cs typeface="Courier New" pitchFamily="49" charset="0"/>
+              </a:rPr>
+              <a:t>                      "RM_Client2",</a:t>
+            </a:r>
+          </a:p>
+          <a:p>
+            <a:pPr marL="0" indent="0">
+              <a:buFontTx/>
+              <a:buNone/>
+            </a:pPr>
+            <a:r>
+              <a:rPr lang="en-US" sz="1200" b="1" dirty="0" smtClean="0">
+                <a:latin typeface="Courier New" pitchFamily="49" charset="0"/>
+                <a:cs typeface="Courier New" pitchFamily="49" charset="0"/>
+              </a:rPr>
+              <a:t>                      "RM_Client3",</a:t>
+            </a:r>
+          </a:p>
+          <a:p>
+            <a:pPr marL="0" indent="0">
+              <a:buFontTx/>
+              <a:buNone/>
+            </a:pPr>
+            <a:r>
+              <a:rPr lang="en-US" sz="1200" b="1" dirty="0" smtClean="0">
+                <a:latin typeface="Courier New" pitchFamily="49" charset="0"/>
+                <a:cs typeface="Courier New" pitchFamily="49" charset="0"/>
+              </a:rPr>
+              <a:t>                      "RM_Client4",</a:t>
+            </a:r>
+          </a:p>
+          <a:p>
+            <a:pPr marL="0" indent="0">
+              <a:buFontTx/>
+              <a:buNone/>
+            </a:pPr>
+            <a:r>
+              <a:rPr lang="en-US" sz="1200" b="1" dirty="0" smtClean="0">
+                <a:latin typeface="Courier New" pitchFamily="49" charset="0"/>
+                <a:cs typeface="Courier New" pitchFamily="49" charset="0"/>
+              </a:rPr>
+              <a:t>                      "RM_Client5",</a:t>
+            </a:r>
+          </a:p>
+          <a:p>
+            <a:pPr marL="0" indent="0">
+              <a:buFontTx/>
+              <a:buNone/>
+            </a:pPr>
+            <a:r>
+              <a:rPr lang="en-US" sz="1200" b="1" dirty="0" smtClean="0">
+                <a:latin typeface="Courier New" pitchFamily="49" charset="0"/>
+                <a:cs typeface="Courier New" pitchFamily="49" charset="0"/>
+              </a:rPr>
+              <a:t>                      "RM_Client6",</a:t>
+            </a:r>
+          </a:p>
+          <a:p>
+            <a:pPr marL="0" indent="0">
+              <a:buFontTx/>
+              <a:buNone/>
+            </a:pPr>
+            <a:r>
+              <a:rPr lang="en-US" sz="1200" b="1" dirty="0" smtClean="0">
+                <a:latin typeface="Courier New" pitchFamily="49" charset="0"/>
+                <a:cs typeface="Courier New" pitchFamily="49" charset="0"/>
+              </a:rPr>
+              <a:t>                      "RM_Client7";</a:t>
+            </a:r>
+          </a:p>
+          <a:p>
+            <a:pPr marL="0" indent="0">
+              <a:buFontTx/>
+              <a:buNone/>
+            </a:pPr>
+            <a:endParaRPr lang="en-US" sz="1200" b="1" dirty="0" smtClean="0">
+              <a:latin typeface="Courier New" pitchFamily="49" charset="0"/>
+              <a:cs typeface="Courier New" pitchFamily="49" charset="0"/>
+            </a:endParaRPr>
           </a:p>
         </p:txBody>
       </p:sp>
@@ -14577,6 +15353,13 @@
   <p:clrMapOvr>
     <a:masterClrMapping/>
   </p:clrMapOvr>
+  <p:timing>
+    <p:tnLst>
+      <p:par>
+        <p:cTn id="1" dur="indefinite" restart="never" nodeType="tmRoot"/>
+      </p:par>
+    </p:tnLst>
+  </p:timing>
 </p:sld>
 </file>
 
@@ -14649,7 +15432,7 @@
           <a:p>
             <a:r>
               <a:rPr lang="en-US" sz="3600" b="1" dirty="0" smtClean="0"/>
-              <a:t>Policy Example - policy_dsp_arm.dts (1)</a:t>
+              <a:t>Policy Example - policy_dsp_arm.dts (2)</a:t>
             </a:r>
             <a:r>
               <a:rPr lang="en-US" sz="3600" dirty="0" smtClean="0"/>
@@ -14700,7 +15483,85 @@
                 <a:latin typeface="Courier New" pitchFamily="49" charset="0"/>
                 <a:cs typeface="Courier New" pitchFamily="49" charset="0"/>
               </a:rPr>
-              <a:t>/dts-v1/;</a:t>
+              <a:t>qmss {</a:t>
+            </a:r>
+          </a:p>
+          <a:p>
+            <a:pPr marL="0" indent="0">
+              <a:buFontTx/>
+              <a:buNone/>
+            </a:pPr>
+            <a:r>
+              <a:rPr lang="en-US" sz="1200" b="1" dirty="0" smtClean="0">
+                <a:latin typeface="Courier New" pitchFamily="49" charset="0"/>
+                <a:cs typeface="Courier New" pitchFamily="49" charset="0"/>
+              </a:rPr>
+              <a:t>        control-qm1 {</a:t>
+            </a:r>
+          </a:p>
+          <a:p>
+            <a:pPr marL="0" indent="0">
+              <a:buFontTx/>
+              <a:buNone/>
+            </a:pPr>
+            <a:r>
+              <a:rPr lang="en-US" sz="1200" b="1" dirty="0" smtClean="0">
+                <a:latin typeface="Courier New" pitchFamily="49" charset="0"/>
+                <a:cs typeface="Courier New" pitchFamily="49" charset="0"/>
+              </a:rPr>
+              <a:t>            assignments = &lt;0 1&gt;, "iu = (*)";</a:t>
+            </a:r>
+          </a:p>
+          <a:p>
+            <a:pPr marL="0" indent="0">
+              <a:buFontTx/>
+              <a:buNone/>
+            </a:pPr>
+            <a:r>
+              <a:rPr lang="en-US" sz="1200" b="1" dirty="0" smtClean="0">
+                <a:latin typeface="Courier New" pitchFamily="49" charset="0"/>
+                <a:cs typeface="Courier New" pitchFamily="49" charset="0"/>
+              </a:rPr>
+              <a:t>        };</a:t>
+            </a:r>
+          </a:p>
+          <a:p>
+            <a:pPr marL="0" indent="0">
+              <a:buFontTx/>
+              <a:buNone/>
+            </a:pPr>
+            <a:r>
+              <a:rPr lang="en-US" sz="1200" b="1" dirty="0" smtClean="0">
+                <a:latin typeface="Courier New" pitchFamily="49" charset="0"/>
+                <a:cs typeface="Courier New" pitchFamily="49" charset="0"/>
+              </a:rPr>
+              <a:t>        control-qm2 {</a:t>
+            </a:r>
+          </a:p>
+          <a:p>
+            <a:pPr marL="0" indent="0">
+              <a:buFontTx/>
+              <a:buNone/>
+            </a:pPr>
+            <a:r>
+              <a:rPr lang="en-US" sz="1200" b="1" dirty="0" smtClean="0">
+                <a:latin typeface="Courier New" pitchFamily="49" charset="0"/>
+                <a:cs typeface="Courier New" pitchFamily="49" charset="0"/>
+              </a:rPr>
+              <a:t>            assignments = &lt;0 1&gt;, "iu = (*)";</a:t>
+            </a:r>
+          </a:p>
+          <a:p>
+            <a:pPr marL="0" indent="0">
+              <a:buFontTx/>
+              <a:buNone/>
+            </a:pPr>
+            <a:r>
+              <a:rPr lang="en-US" sz="1200" b="1" dirty="0" smtClean="0">
+                <a:latin typeface="Courier New" pitchFamily="49" charset="0"/>
+                <a:cs typeface="Courier New" pitchFamily="49" charset="0"/>
+              </a:rPr>
+              <a:t>        };</a:t>
             </a:r>
           </a:p>
           <a:p>
@@ -14723,7 +15584,72 @@
                 <a:latin typeface="Courier New" pitchFamily="49" charset="0"/>
                 <a:cs typeface="Courier New" pitchFamily="49" charset="0"/>
               </a:rPr>
-              <a:t>/* Keystone II policy containing reserving resources used by Linux Kernel */</a:t>
+              <a:t>        linkram-control-qm1 {</a:t>
+            </a:r>
+          </a:p>
+          <a:p>
+            <a:pPr marL="0" indent="0">
+              <a:buFontTx/>
+              <a:buNone/>
+            </a:pPr>
+            <a:r>
+              <a:rPr lang="en-US" sz="1200" b="1" dirty="0" smtClean="0">
+                <a:latin typeface="Courier New" pitchFamily="49" charset="0"/>
+                <a:cs typeface="Courier New" pitchFamily="49" charset="0"/>
+              </a:rPr>
+              <a:t>            assignments = &lt;0 1&gt;, "(*)";             /* Used by Kernel */</a:t>
+            </a:r>
+          </a:p>
+          <a:p>
+            <a:pPr marL="0" indent="0">
+              <a:buFontTx/>
+              <a:buNone/>
+            </a:pPr>
+            <a:r>
+              <a:rPr lang="en-US" sz="1200" b="1" dirty="0" smtClean="0">
+                <a:latin typeface="Courier New" pitchFamily="49" charset="0"/>
+                <a:cs typeface="Courier New" pitchFamily="49" charset="0"/>
+              </a:rPr>
+              <a:t>        };</a:t>
+            </a:r>
+          </a:p>
+          <a:p>
+            <a:pPr marL="0" indent="0">
+              <a:buFontTx/>
+              <a:buNone/>
+            </a:pPr>
+            <a:r>
+              <a:rPr lang="en-US" sz="1200" b="1" dirty="0" smtClean="0">
+                <a:latin typeface="Courier New" pitchFamily="49" charset="0"/>
+                <a:cs typeface="Courier New" pitchFamily="49" charset="0"/>
+              </a:rPr>
+              <a:t>        linkram-control-qm2 {</a:t>
+            </a:r>
+          </a:p>
+          <a:p>
+            <a:pPr marL="0" indent="0">
+              <a:buFontTx/>
+              <a:buNone/>
+            </a:pPr>
+            <a:r>
+              <a:rPr lang="en-US" sz="1200" b="1" dirty="0" smtClean="0">
+                <a:latin typeface="Courier New" pitchFamily="49" charset="0"/>
+                <a:cs typeface="Courier New" pitchFamily="49" charset="0"/>
+              </a:rPr>
+              <a:t>            assignments = &lt;0 1&gt;, "(*)";             /* Used by Kernel */</a:t>
+            </a:r>
+          </a:p>
+          <a:p>
+            <a:pPr marL="0" indent="0">
+              <a:buFontTx/>
+              <a:buNone/>
+            </a:pPr>
+            <a:r>
+              <a:rPr lang="en-US" sz="1200" b="1" dirty="0" smtClean="0">
+                <a:latin typeface="Courier New" pitchFamily="49" charset="0"/>
+                <a:cs typeface="Courier New" pitchFamily="49" charset="0"/>
+              </a:rPr>
+              <a:t>        };</a:t>
             </a:r>
           </a:p>
           <a:p>
@@ -14746,7 +15672,7 @@
                 <a:latin typeface="Courier New" pitchFamily="49" charset="0"/>
                 <a:cs typeface="Courier New" pitchFamily="49" charset="0"/>
               </a:rPr>
-              <a:t>/ {</a:t>
+              <a:t>        linkram-qm1 {</a:t>
             </a:r>
           </a:p>
           <a:p>
@@ -14759,7 +15685,7 @@
                 <a:latin typeface="Courier New" pitchFamily="49" charset="0"/>
                 <a:cs typeface="Courier New" pitchFamily="49" charset="0"/>
               </a:rPr>
-              <a:t>    /* Valid instance list contains instance names used within TI example projects</a:t>
+              <a:t>            assignments = &lt;0x00000000 0xFFFFFFFF&gt;, "iu = (*)";</a:t>
             </a:r>
           </a:p>
           <a:p>
@@ -14772,7 +15698,7 @@
                 <a:latin typeface="Courier New" pitchFamily="49" charset="0"/>
                 <a:cs typeface="Courier New" pitchFamily="49" charset="0"/>
               </a:rPr>
-              <a:t>     * utilizing RM.  The list can be modified as needed by applications integrating</a:t>
+              <a:t>        };</a:t>
             </a:r>
           </a:p>
           <a:p>
@@ -14785,148 +15711,8 @@
                 <a:latin typeface="Courier New" pitchFamily="49" charset="0"/>
                 <a:cs typeface="Courier New" pitchFamily="49" charset="0"/>
               </a:rPr>
-              <a:t>     * RM.  For an RM instance to be given permissions the name used to initialize it</a:t>
-            </a:r>
-          </a:p>
-          <a:p>
-            <a:pPr marL="0" indent="0">
-              <a:buFontTx/>
-              <a:buNone/>
-            </a:pPr>
-            <a:r>
-              <a:rPr lang="en-US" sz="1200" b="1" dirty="0" smtClean="0">
-                <a:latin typeface="Courier New" pitchFamily="49" charset="0"/>
-                <a:cs typeface="Courier New" pitchFamily="49" charset="0"/>
-              </a:rPr>
-              <a:t>     * must be present in this list */</a:t>
-            </a:r>
-          </a:p>
-          <a:p>
-            <a:pPr marL="0" indent="0">
-              <a:buFontTx/>
-              <a:buNone/>
-            </a:pPr>
-            <a:r>
-              <a:rPr lang="en-US" sz="1200" b="1" dirty="0" smtClean="0">
-                <a:latin typeface="Courier New" pitchFamily="49" charset="0"/>
-                <a:cs typeface="Courier New" pitchFamily="49" charset="0"/>
-              </a:rPr>
-              <a:t>    valid-instances = "RM_Server",</a:t>
-            </a:r>
-          </a:p>
-          <a:p>
-            <a:pPr marL="0" indent="0">
-              <a:buFontTx/>
-              <a:buNone/>
-            </a:pPr>
-            <a:r>
-              <a:rPr lang="en-US" sz="1200" b="1" dirty="0" smtClean="0">
-                <a:latin typeface="Courier New" pitchFamily="49" charset="0"/>
-                <a:cs typeface="Courier New" pitchFamily="49" charset="0"/>
-              </a:rPr>
-              <a:t>                      "RM_Client0",</a:t>
-            </a:r>
-          </a:p>
-          <a:p>
-            <a:pPr marL="0" indent="0">
-              <a:buFontTx/>
-              <a:buNone/>
-            </a:pPr>
-            <a:r>
-              <a:rPr lang="en-US" sz="1200" b="1" dirty="0" smtClean="0">
-                <a:latin typeface="Courier New" pitchFamily="49" charset="0"/>
-                <a:cs typeface="Courier New" pitchFamily="49" charset="0"/>
-              </a:rPr>
-              <a:t>                      "RM_Client1",</a:t>
-            </a:r>
-          </a:p>
-          <a:p>
-            <a:pPr marL="0" indent="0">
-              <a:buFontTx/>
-              <a:buNone/>
-            </a:pPr>
-            <a:r>
-              <a:rPr lang="en-US" sz="1200" b="1" dirty="0" smtClean="0">
-                <a:latin typeface="Courier New" pitchFamily="49" charset="0"/>
-                <a:cs typeface="Courier New" pitchFamily="49" charset="0"/>
-              </a:rPr>
-              <a:t>                      "RM_Client2",</a:t>
-            </a:r>
-          </a:p>
-          <a:p>
-            <a:pPr marL="0" indent="0">
-              <a:buFontTx/>
-              <a:buNone/>
-            </a:pPr>
-            <a:r>
-              <a:rPr lang="en-US" sz="1200" b="1" dirty="0" smtClean="0">
-                <a:latin typeface="Courier New" pitchFamily="49" charset="0"/>
-                <a:cs typeface="Courier New" pitchFamily="49" charset="0"/>
-              </a:rPr>
-              <a:t>                      "RM_Client3",</a:t>
-            </a:r>
-          </a:p>
-          <a:p>
-            <a:pPr marL="0" indent="0">
-              <a:buFontTx/>
-              <a:buNone/>
-            </a:pPr>
-            <a:r>
-              <a:rPr lang="en-US" sz="1200" b="1" dirty="0" smtClean="0">
-                <a:latin typeface="Courier New" pitchFamily="49" charset="0"/>
-                <a:cs typeface="Courier New" pitchFamily="49" charset="0"/>
-              </a:rPr>
-              <a:t>                      "RM_Client4",</a:t>
-            </a:r>
-          </a:p>
-          <a:p>
-            <a:pPr marL="0" indent="0">
-              <a:buFontTx/>
-              <a:buNone/>
-            </a:pPr>
-            <a:r>
-              <a:rPr lang="en-US" sz="1200" b="1" dirty="0" smtClean="0">
-                <a:latin typeface="Courier New" pitchFamily="49" charset="0"/>
-                <a:cs typeface="Courier New" pitchFamily="49" charset="0"/>
-              </a:rPr>
-              <a:t>                      "RM_Client5",</a:t>
-            </a:r>
-          </a:p>
-          <a:p>
-            <a:pPr marL="0" indent="0">
-              <a:buFontTx/>
-              <a:buNone/>
-            </a:pPr>
-            <a:r>
-              <a:rPr lang="en-US" sz="1200" b="1" dirty="0" smtClean="0">
-                <a:latin typeface="Courier New" pitchFamily="49" charset="0"/>
-                <a:cs typeface="Courier New" pitchFamily="49" charset="0"/>
-              </a:rPr>
-              <a:t>                      "RM_Client6",</a:t>
-            </a:r>
-          </a:p>
-          <a:p>
-            <a:pPr marL="0" indent="0">
-              <a:buFontTx/>
-              <a:buNone/>
-            </a:pPr>
-            <a:r>
-              <a:rPr lang="en-US" sz="1200" b="1" dirty="0" smtClean="0">
-                <a:latin typeface="Courier New" pitchFamily="49" charset="0"/>
-                <a:cs typeface="Courier New" pitchFamily="49" charset="0"/>
-              </a:rPr>
-              <a:t>                      "RM_Client7";</a:t>
-            </a:r>
-          </a:p>
-          <a:p>
-            <a:pPr marL="0" indent="0">
-              <a:buFontTx/>
-              <a:buNone/>
-            </a:pPr>
-            <a:endParaRPr lang="en-US" sz="1200" b="1" dirty="0" smtClean="0">
-              <a:latin typeface="Courier New" pitchFamily="49" charset="0"/>
-              <a:cs typeface="Courier New" pitchFamily="49" charset="0"/>
-            </a:endParaRPr>
+              <a:t>        linkram-qm2 {</a:t>
+            </a:r>
           </a:p>
         </p:txBody>
       </p:sp>
@@ -14935,6 +15721,13 @@
   <p:clrMapOvr>
     <a:masterClrMapping/>
   </p:clrMapOvr>
+  <p:timing>
+    <p:tnLst>
+      <p:par>
+        <p:cTn id="1" dur="indefinite" restart="never" nodeType="tmRoot"/>
+      </p:par>
+    </p:tnLst>
+  </p:timing>
 </p:sld>
 </file>
 
@@ -14957,35 +15750,7 @@
       </p:grpSpPr>
       <p:sp>
         <p:nvSpPr>
-          <p:cNvPr id="7" name="TextBox 6"/>
-          <p:cNvSpPr txBox="1"/>
-          <p:nvPr/>
-        </p:nvSpPr>
-        <p:spPr>
-          <a:xfrm>
-            <a:off x="237506" y="6445325"/>
-            <a:ext cx="8611219" cy="369332"/>
-          </a:xfrm>
-          <a:prstGeom prst="rect">
-            <a:avLst/>
-          </a:prstGeom>
-          <a:solidFill>
-            <a:schemeClr val="bg1"/>
-          </a:solidFill>
-        </p:spPr>
-        <p:txBody>
-          <a:bodyPr wrap="square" rtlCol="0">
-            <a:spAutoFit/>
-          </a:bodyPr>
-          <a:lstStyle/>
-          <a:p>
-            <a:endParaRPr lang="en-US" dirty="0"/>
-          </a:p>
-        </p:txBody>
-      </p:sp>
-      <p:sp>
-        <p:nvSpPr>
-          <p:cNvPr id="22530" name="Title 1"/>
+          <p:cNvPr id="2" name="Title 1"/>
           <p:cNvSpPr>
             <a:spLocks noGrp="1"/>
           </p:cNvSpPr>
@@ -14995,31 +15760,27 @@
         </p:nvSpPr>
         <p:spPr>
           <a:xfrm>
-            <a:off x="457200" y="60888"/>
-            <a:ext cx="8229600" cy="715962"/>
+            <a:off x="457200" y="152400"/>
+            <a:ext cx="8229600" cy="533400"/>
           </a:xfrm>
         </p:spPr>
         <p:txBody>
           <a:bodyPr>
-            <a:normAutofit/>
+            <a:normAutofit fontScale="90000"/>
           </a:bodyPr>
           <a:lstStyle/>
           <a:p>
             <a:r>
               <a:rPr lang="en-US" sz="3600" b="1" dirty="0" smtClean="0"/>
-              <a:t>Policy Example - policy_dsp_arm.dts (2)</a:t>
-            </a:r>
-            <a:r>
-              <a:rPr lang="en-US" sz="3600" dirty="0" smtClean="0"/>
-              <a:t> </a:t>
-            </a:r>
-            <a:endParaRPr lang="en-US" sz="3600" b="1" dirty="0" smtClean="0"/>
-          </a:p>
-        </p:txBody>
-      </p:sp>
-      <p:sp>
-        <p:nvSpPr>
-          <p:cNvPr id="22533" name="Content Placeholder 2"/>
+              <a:t>Agenda</a:t>
+            </a:r>
+            <a:endParaRPr lang="en-US" sz="3600" b="1" dirty="0"/>
+          </a:p>
+        </p:txBody>
+      </p:sp>
+      <p:sp>
+        <p:nvSpPr>
+          <p:cNvPr id="3" name="Content Placeholder 2"/>
           <p:cNvSpPr>
             <a:spLocks noGrp="1"/>
           </p:cNvSpPr>
@@ -15029,8 +15790,8 @@
         </p:nvSpPr>
         <p:spPr>
           <a:xfrm>
-            <a:off x="118753" y="776851"/>
-            <a:ext cx="9025247" cy="6037806"/>
+            <a:off x="457200" y="804550"/>
+            <a:ext cx="8229600" cy="5263738"/>
           </a:xfrm>
         </p:spPr>
         <p:txBody>
@@ -15039,255 +15800,61 @@
           </a:bodyPr>
           <a:lstStyle/>
           <a:p>
-            <a:pPr marL="0" indent="0">
-              <a:buFontTx/>
+            <a:pPr lvl="0"/>
+            <a:r>
+              <a:rPr lang="en-US" sz="2800" dirty="0" smtClean="0"/>
+              <a:t>Managing the peripherals and IP in hydrogenous device </a:t>
+            </a:r>
+          </a:p>
+          <a:p>
+            <a:pPr lvl="0"/>
+            <a:r>
+              <a:rPr lang="en-US" sz="2800" dirty="0" smtClean="0"/>
+              <a:t>Linux Device Tree</a:t>
+            </a:r>
+          </a:p>
+          <a:p>
+            <a:r>
+              <a:rPr lang="en-US" sz="2800" dirty="0" smtClean="0"/>
+              <a:t>Memory Management</a:t>
+            </a:r>
+          </a:p>
+          <a:p>
+            <a:r>
+              <a:rPr lang="en-US" sz="2800" dirty="0" smtClean="0"/>
+              <a:t>Resource Management</a:t>
+            </a:r>
+          </a:p>
+          <a:p>
+            <a:r>
+              <a:rPr lang="en-US" sz="2800" b="1" dirty="0" smtClean="0"/>
+              <a:t>ARM-DSP</a:t>
+            </a:r>
+            <a:r>
+              <a:rPr lang="en-US" sz="2800" dirty="0" smtClean="0"/>
+              <a:t> </a:t>
+            </a:r>
+            <a:r>
+              <a:rPr lang="en-US" sz="2800" b="1" dirty="0" smtClean="0"/>
+              <a:t>communication Architecture</a:t>
+            </a:r>
+          </a:p>
+          <a:p>
+            <a:endParaRPr lang="en-US" sz="2800" b="1" dirty="0" smtClean="0"/>
+          </a:p>
+          <a:p>
+            <a:pPr lvl="0">
               <a:buNone/>
             </a:pPr>
-            <a:endParaRPr lang="en-US" sz="1100" dirty="0" smtClean="0">
-              <a:latin typeface="Courier New" pitchFamily="49" charset="0"/>
-              <a:cs typeface="Courier New" pitchFamily="49" charset="0"/>
-            </a:endParaRPr>
-          </a:p>
-          <a:p>
-            <a:pPr marL="0" indent="0">
-              <a:buFontTx/>
-              <a:buNone/>
-            </a:pPr>
-            <a:r>
-              <a:rPr lang="en-US" sz="1200" b="1" dirty="0" smtClean="0">
-                <a:latin typeface="Courier New" pitchFamily="49" charset="0"/>
-                <a:cs typeface="Courier New" pitchFamily="49" charset="0"/>
-              </a:rPr>
-              <a:t>qmss {</a:t>
-            </a:r>
-          </a:p>
-          <a:p>
-            <a:pPr marL="0" indent="0">
-              <a:buFontTx/>
-              <a:buNone/>
-            </a:pPr>
-            <a:r>
-              <a:rPr lang="en-US" sz="1200" b="1" dirty="0" smtClean="0">
-                <a:latin typeface="Courier New" pitchFamily="49" charset="0"/>
-                <a:cs typeface="Courier New" pitchFamily="49" charset="0"/>
-              </a:rPr>
-              <a:t>        control-qm1 {</a:t>
-            </a:r>
-          </a:p>
-          <a:p>
-            <a:pPr marL="0" indent="0">
-              <a:buFontTx/>
-              <a:buNone/>
-            </a:pPr>
-            <a:r>
-              <a:rPr lang="en-US" sz="1200" b="1" dirty="0" smtClean="0">
-                <a:latin typeface="Courier New" pitchFamily="49" charset="0"/>
-                <a:cs typeface="Courier New" pitchFamily="49" charset="0"/>
-              </a:rPr>
-              <a:t>            assignments = &lt;0 1&gt;, "iu = (*)";</a:t>
-            </a:r>
-          </a:p>
-          <a:p>
-            <a:pPr marL="0" indent="0">
-              <a:buFontTx/>
-              <a:buNone/>
-            </a:pPr>
-            <a:r>
-              <a:rPr lang="en-US" sz="1200" b="1" dirty="0" smtClean="0">
-                <a:latin typeface="Courier New" pitchFamily="49" charset="0"/>
-                <a:cs typeface="Courier New" pitchFamily="49" charset="0"/>
-              </a:rPr>
-              <a:t>        };</a:t>
-            </a:r>
-          </a:p>
-          <a:p>
-            <a:pPr marL="0" indent="0">
-              <a:buFontTx/>
-              <a:buNone/>
-            </a:pPr>
-            <a:r>
-              <a:rPr lang="en-US" sz="1200" b="1" dirty="0" smtClean="0">
-                <a:latin typeface="Courier New" pitchFamily="49" charset="0"/>
-                <a:cs typeface="Courier New" pitchFamily="49" charset="0"/>
-              </a:rPr>
-              <a:t>        control-qm2 {</a:t>
-            </a:r>
-          </a:p>
-          <a:p>
-            <a:pPr marL="0" indent="0">
-              <a:buFontTx/>
-              <a:buNone/>
-            </a:pPr>
-            <a:r>
-              <a:rPr lang="en-US" sz="1200" b="1" dirty="0" smtClean="0">
-                <a:latin typeface="Courier New" pitchFamily="49" charset="0"/>
-                <a:cs typeface="Courier New" pitchFamily="49" charset="0"/>
-              </a:rPr>
-              <a:t>            assignments = &lt;0 1&gt;, "iu = (*)";</a:t>
-            </a:r>
-          </a:p>
-          <a:p>
-            <a:pPr marL="0" indent="0">
-              <a:buFontTx/>
-              <a:buNone/>
-            </a:pPr>
-            <a:r>
-              <a:rPr lang="en-US" sz="1200" b="1" dirty="0" smtClean="0">
-                <a:latin typeface="Courier New" pitchFamily="49" charset="0"/>
-                <a:cs typeface="Courier New" pitchFamily="49" charset="0"/>
-              </a:rPr>
-              <a:t>        };</a:t>
-            </a:r>
-          </a:p>
-          <a:p>
-            <a:pPr marL="0" indent="0">
-              <a:buFontTx/>
-              <a:buNone/>
-            </a:pPr>
-            <a:endParaRPr lang="en-US" sz="1200" b="1" dirty="0" smtClean="0">
-              <a:latin typeface="Courier New" pitchFamily="49" charset="0"/>
-              <a:cs typeface="Courier New" pitchFamily="49" charset="0"/>
-            </a:endParaRPr>
-          </a:p>
-          <a:p>
-            <a:pPr marL="0" indent="0">
-              <a:buFontTx/>
-              <a:buNone/>
-            </a:pPr>
-            <a:r>
-              <a:rPr lang="en-US" sz="1200" b="1" dirty="0" smtClean="0">
-                <a:latin typeface="Courier New" pitchFamily="49" charset="0"/>
-                <a:cs typeface="Courier New" pitchFamily="49" charset="0"/>
-              </a:rPr>
-              <a:t>        linkram-control-qm1 {</a:t>
-            </a:r>
-          </a:p>
-          <a:p>
-            <a:pPr marL="0" indent="0">
-              <a:buFontTx/>
-              <a:buNone/>
-            </a:pPr>
-            <a:r>
-              <a:rPr lang="en-US" sz="1200" b="1" dirty="0" smtClean="0">
-                <a:latin typeface="Courier New" pitchFamily="49" charset="0"/>
-                <a:cs typeface="Courier New" pitchFamily="49" charset="0"/>
-              </a:rPr>
-              <a:t>            assignments = &lt;0 1&gt;, "(*)";             /* Used by Kernel */</a:t>
-            </a:r>
-          </a:p>
-          <a:p>
-            <a:pPr marL="0" indent="0">
-              <a:buFontTx/>
-              <a:buNone/>
-            </a:pPr>
-            <a:r>
-              <a:rPr lang="en-US" sz="1200" b="1" dirty="0" smtClean="0">
-                <a:latin typeface="Courier New" pitchFamily="49" charset="0"/>
-                <a:cs typeface="Courier New" pitchFamily="49" charset="0"/>
-              </a:rPr>
-              <a:t>        };</a:t>
-            </a:r>
-          </a:p>
-          <a:p>
-            <a:pPr marL="0" indent="0">
-              <a:buFontTx/>
-              <a:buNone/>
-            </a:pPr>
-            <a:r>
-              <a:rPr lang="en-US" sz="1200" b="1" dirty="0" smtClean="0">
-                <a:latin typeface="Courier New" pitchFamily="49" charset="0"/>
-                <a:cs typeface="Courier New" pitchFamily="49" charset="0"/>
-              </a:rPr>
-              <a:t>        linkram-control-qm2 {</a:t>
-            </a:r>
-          </a:p>
-          <a:p>
-            <a:pPr marL="0" indent="0">
-              <a:buFontTx/>
-              <a:buNone/>
-            </a:pPr>
-            <a:r>
-              <a:rPr lang="en-US" sz="1200" b="1" dirty="0" smtClean="0">
-                <a:latin typeface="Courier New" pitchFamily="49" charset="0"/>
-                <a:cs typeface="Courier New" pitchFamily="49" charset="0"/>
-              </a:rPr>
-              <a:t>            assignments = &lt;0 1&gt;, "(*)";             /* Used by Kernel */</a:t>
-            </a:r>
-          </a:p>
-          <a:p>
-            <a:pPr marL="0" indent="0">
-              <a:buFontTx/>
-              <a:buNone/>
-            </a:pPr>
-            <a:r>
-              <a:rPr lang="en-US" sz="1200" b="1" dirty="0" smtClean="0">
-                <a:latin typeface="Courier New" pitchFamily="49" charset="0"/>
-                <a:cs typeface="Courier New" pitchFamily="49" charset="0"/>
-              </a:rPr>
-              <a:t>        };</a:t>
-            </a:r>
-          </a:p>
-          <a:p>
-            <a:pPr marL="0" indent="0">
-              <a:buFontTx/>
-              <a:buNone/>
-            </a:pPr>
-            <a:endParaRPr lang="en-US" sz="1200" b="1" dirty="0" smtClean="0">
-              <a:latin typeface="Courier New" pitchFamily="49" charset="0"/>
-              <a:cs typeface="Courier New" pitchFamily="49" charset="0"/>
-            </a:endParaRPr>
-          </a:p>
-          <a:p>
-            <a:pPr marL="0" indent="0">
-              <a:buFontTx/>
-              <a:buNone/>
-            </a:pPr>
-            <a:r>
-              <a:rPr lang="en-US" sz="1200" b="1" dirty="0" smtClean="0">
-                <a:latin typeface="Courier New" pitchFamily="49" charset="0"/>
-                <a:cs typeface="Courier New" pitchFamily="49" charset="0"/>
-              </a:rPr>
-              <a:t>        linkram-qm1 {</a:t>
-            </a:r>
-          </a:p>
-          <a:p>
-            <a:pPr marL="0" indent="0">
-              <a:buFontTx/>
-              <a:buNone/>
-            </a:pPr>
-            <a:r>
-              <a:rPr lang="en-US" sz="1200" b="1" dirty="0" smtClean="0">
-                <a:latin typeface="Courier New" pitchFamily="49" charset="0"/>
-                <a:cs typeface="Courier New" pitchFamily="49" charset="0"/>
-              </a:rPr>
-              <a:t>            assignments = &lt;0x00000000 0xFFFFFFFF&gt;, "iu = (*)";</a:t>
-            </a:r>
-          </a:p>
-          <a:p>
-            <a:pPr marL="0" indent="0">
-              <a:buFontTx/>
-              <a:buNone/>
-            </a:pPr>
-            <a:r>
-              <a:rPr lang="en-US" sz="1200" b="1" dirty="0" smtClean="0">
-                <a:latin typeface="Courier New" pitchFamily="49" charset="0"/>
-                <a:cs typeface="Courier New" pitchFamily="49" charset="0"/>
-              </a:rPr>
-              <a:t>        };</a:t>
-            </a:r>
-          </a:p>
-          <a:p>
-            <a:pPr marL="0" indent="0">
-              <a:buFontTx/>
-              <a:buNone/>
-            </a:pPr>
-            <a:r>
-              <a:rPr lang="en-US" sz="1200" b="1" dirty="0" smtClean="0">
-                <a:latin typeface="Courier New" pitchFamily="49" charset="0"/>
-                <a:cs typeface="Courier New" pitchFamily="49" charset="0"/>
-              </a:rPr>
-              <a:t>        linkram-qm2 {</a:t>
-            </a:r>
+            <a:endParaRPr lang="en-US" sz="2800" dirty="0" smtClean="0"/>
+          </a:p>
+          <a:p>
+            <a:pPr lvl="0"/>
+            <a:endParaRPr lang="en-US" sz="2800" dirty="0" smtClean="0"/>
+          </a:p>
+          <a:p>
+            <a:pPr lvl="0"/>
+            <a:endParaRPr lang="en-US" sz="2800" dirty="0"/>
           </a:p>
         </p:txBody>
       </p:sp>
@@ -15296,6 +15863,13 @@
   <p:clrMapOvr>
     <a:masterClrMapping/>
   </p:clrMapOvr>
+  <p:timing>
+    <p:tnLst>
+      <p:par>
+        <p:cTn id="1" dur="indefinite" restart="never" nodeType="tmRoot"/>
+      </p:par>
+    </p:tnLst>
+  </p:timing>
 </p:sld>
 </file>
 
@@ -15340,7 +15914,7 @@
           <a:p>
             <a:r>
               <a:rPr lang="en-US" sz="3600" b="1" dirty="0" smtClean="0"/>
-              <a:t>Agenda</a:t>
+              <a:t>ARM-DSP collaboration </a:t>
             </a:r>
             <a:endParaRPr lang="en-US" sz="3600" b="1" dirty="0"/>
           </a:p>
@@ -15371,44 +15945,56 @@
             <a:pPr lvl="0"/>
             <a:r>
               <a:rPr lang="en-US" sz="2800" dirty="0" smtClean="0"/>
-              <a:t>Managing the peripherals and IP in hydrogenous device </a:t>
-            </a:r>
-          </a:p>
-          <a:p>
-            <a:pPr lvl="0"/>
+              <a:t>MPM – Managing the DSP cores from the ARM</a:t>
+            </a:r>
+          </a:p>
+          <a:p>
+            <a:pPr lvl="1"/>
+            <a:r>
+              <a:rPr lang="en-US" sz="2400" dirty="0" smtClean="0"/>
+              <a:t>DSP executables are in the ARM file system</a:t>
+            </a:r>
+          </a:p>
+          <a:p>
+            <a:pPr lvl="1"/>
+            <a:r>
+              <a:rPr lang="en-US" sz="2400" dirty="0" smtClean="0"/>
+              <a:t>ARM can reset, load, run, and get messages and dump core out of a DSP core</a:t>
+            </a:r>
+          </a:p>
+          <a:p>
             <a:r>
               <a:rPr lang="en-US" sz="2800" dirty="0" smtClean="0"/>
-              <a:t>Linux Device Tree</a:t>
-            </a:r>
-          </a:p>
-          <a:p>
-            <a:r>
-              <a:rPr lang="en-US" sz="2800" dirty="0" smtClean="0"/>
-              <a:t>Memory Management</a:t>
-            </a:r>
-          </a:p>
-          <a:p>
-            <a:r>
-              <a:rPr lang="en-US" sz="2800" dirty="0" smtClean="0"/>
-              <a:t>Resource Management</a:t>
-            </a:r>
-          </a:p>
-          <a:p>
-            <a:r>
-              <a:rPr lang="en-US" sz="2800" b="1" dirty="0" smtClean="0"/>
-              <a:t>ARM-DSP</a:t>
-            </a:r>
-            <a:r>
-              <a:rPr lang="en-US" sz="2800" dirty="0" smtClean="0"/>
-              <a:t> </a:t>
-            </a:r>
-            <a:r>
-              <a:rPr lang="en-US" sz="2800" b="1" dirty="0" smtClean="0"/>
-              <a:t>communication Architecture</a:t>
-            </a:r>
-          </a:p>
-          <a:p>
-            <a:endParaRPr lang="en-US" sz="2800" b="1" dirty="0" smtClean="0"/>
+              <a:t>IPC – exchanging data and messages between ARM and DSP</a:t>
+            </a:r>
+          </a:p>
+          <a:p>
+            <a:pPr lvl="1"/>
+            <a:r>
+              <a:rPr lang="en-US" sz="2400" dirty="0" smtClean="0"/>
+              <a:t>User Space libraries: IPC v3, MsgCom, PktIO</a:t>
+            </a:r>
+          </a:p>
+          <a:p>
+            <a:pPr lvl="1"/>
+            <a:r>
+              <a:rPr lang="en-US" sz="2400" dirty="0" smtClean="0"/>
+              <a:t>Applications that use IPC – OpenCL, openMP</a:t>
+            </a:r>
+          </a:p>
+          <a:p>
+            <a:pPr lvl="1"/>
+            <a:r>
+              <a:rPr lang="en-US" sz="2400" dirty="0" smtClean="0"/>
+              <a:t>Sockets</a:t>
+            </a:r>
+          </a:p>
+          <a:p>
+            <a:pPr lvl="1"/>
+            <a:r>
+              <a:rPr lang="en-US" sz="2400" dirty="0" smtClean="0"/>
+              <a:t>openEM</a:t>
+            </a:r>
           </a:p>
           <a:p>
             <a:pPr lvl="0">
@@ -15431,158 +16017,17 @@
   <p:clrMapOvr>
     <a:masterClrMapping/>
   </p:clrMapOvr>
+  <p:timing>
+    <p:tnLst>
+      <p:par>
+        <p:cTn id="1" dur="indefinite" restart="never" nodeType="tmRoot"/>
+      </p:par>
+    </p:tnLst>
+  </p:timing>
 </p:sld>
 </file>
 
 <file path=ppt/slides/slide58.xml><?xml version="1.0" encoding="utf-8"?>
-<p:sld xmlns:a="http://schemas.openxmlformats.org/drawingml/2006/main" xmlns:r="http://schemas.openxmlformats.org/officeDocument/2006/relationships" xmlns:p="http://schemas.openxmlformats.org/presentationml/2006/main">
-  <p:cSld>
-    <p:spTree>
-      <p:nvGrpSpPr>
-        <p:cNvPr id="1" name=""/>
-        <p:cNvGrpSpPr/>
-        <p:nvPr/>
-      </p:nvGrpSpPr>
-      <p:grpSpPr>
-        <a:xfrm>
-          <a:off x="0" y="0"/>
-          <a:ext cx="0" cy="0"/>
-          <a:chOff x="0" y="0"/>
-          <a:chExt cx="0" cy="0"/>
-        </a:xfrm>
-      </p:grpSpPr>
-      <p:sp>
-        <p:nvSpPr>
-          <p:cNvPr id="2" name="Title 1"/>
-          <p:cNvSpPr>
-            <a:spLocks noGrp="1"/>
-          </p:cNvSpPr>
-          <p:nvPr>
-            <p:ph type="title"/>
-          </p:nvPr>
-        </p:nvSpPr>
-        <p:spPr>
-          <a:xfrm>
-            <a:off x="457200" y="152400"/>
-            <a:ext cx="8229600" cy="533400"/>
-          </a:xfrm>
-        </p:spPr>
-        <p:txBody>
-          <a:bodyPr>
-            <a:normAutofit fontScale="90000"/>
-          </a:bodyPr>
-          <a:lstStyle/>
-          <a:p>
-            <a:r>
-              <a:rPr lang="en-US" sz="3600" b="1" dirty="0" smtClean="0"/>
-              <a:t>ARM-DSP collaboration </a:t>
-            </a:r>
-            <a:endParaRPr lang="en-US" sz="3600" b="1" dirty="0"/>
-          </a:p>
-        </p:txBody>
-      </p:sp>
-      <p:sp>
-        <p:nvSpPr>
-          <p:cNvPr id="3" name="Content Placeholder 2"/>
-          <p:cNvSpPr>
-            <a:spLocks noGrp="1"/>
-          </p:cNvSpPr>
-          <p:nvPr>
-            <p:ph idx="1"/>
-          </p:nvPr>
-        </p:nvSpPr>
-        <p:spPr>
-          <a:xfrm>
-            <a:off x="457200" y="804550"/>
-            <a:ext cx="8229600" cy="5263738"/>
-          </a:xfrm>
-        </p:spPr>
-        <p:txBody>
-          <a:bodyPr>
-            <a:noAutofit/>
-          </a:bodyPr>
-          <a:lstStyle/>
-          <a:p>
-            <a:pPr lvl="0"/>
-            <a:r>
-              <a:rPr lang="en-US" sz="2800" dirty="0" smtClean="0"/>
-              <a:t>MPM – Managing the DSP cores from the ARM</a:t>
-            </a:r>
-          </a:p>
-          <a:p>
-            <a:pPr lvl="1"/>
-            <a:r>
-              <a:rPr lang="en-US" sz="2400" dirty="0" smtClean="0"/>
-              <a:t>DSP executables are in the ARM file system</a:t>
-            </a:r>
-          </a:p>
-          <a:p>
-            <a:pPr lvl="1"/>
-            <a:r>
-              <a:rPr lang="en-US" sz="2400" dirty="0" smtClean="0"/>
-              <a:t>ARM can reset, load, run, and get messages and dump core out of a DSP core</a:t>
-            </a:r>
-          </a:p>
-          <a:p>
-            <a:r>
-              <a:rPr lang="en-US" sz="2800" dirty="0" smtClean="0"/>
-              <a:t>IPC – exchanging data and messages between ARM and DSP</a:t>
-            </a:r>
-          </a:p>
-          <a:p>
-            <a:pPr lvl="1"/>
-            <a:r>
-              <a:rPr lang="en-US" sz="2400" dirty="0" smtClean="0"/>
-              <a:t>User Space libraries: IPC v3, MsgCom, PktIO</a:t>
-            </a:r>
-          </a:p>
-          <a:p>
-            <a:pPr lvl="1"/>
-            <a:r>
-              <a:rPr lang="en-US" sz="2400" dirty="0" smtClean="0"/>
-              <a:t>Applications that use IPC – OpenCL, openMP</a:t>
-            </a:r>
-          </a:p>
-          <a:p>
-            <a:pPr lvl="1"/>
-            <a:r>
-              <a:rPr lang="en-US" sz="2400" dirty="0" smtClean="0"/>
-              <a:t>Sockets</a:t>
-            </a:r>
-          </a:p>
-          <a:p>
-            <a:pPr lvl="1"/>
-            <a:r>
-              <a:rPr lang="en-US" sz="2400" dirty="0" smtClean="0"/>
-              <a:t>openEM</a:t>
-            </a:r>
-            <a:endParaRPr lang="en-US" sz="2400" dirty="0" smtClean="0"/>
-          </a:p>
-          <a:p>
-            <a:pPr lvl="0">
-              <a:buNone/>
-            </a:pPr>
-            <a:endParaRPr lang="en-US" sz="2800" dirty="0" smtClean="0"/>
-          </a:p>
-          <a:p>
-            <a:pPr lvl="0"/>
-            <a:endParaRPr lang="en-US" sz="2800" dirty="0" smtClean="0"/>
-          </a:p>
-          <a:p>
-            <a:pPr lvl="0"/>
-            <a:endParaRPr lang="en-US" sz="2800" dirty="0"/>
-          </a:p>
-        </p:txBody>
-      </p:sp>
-    </p:spTree>
-  </p:cSld>
-  <p:clrMapOvr>
-    <a:masterClrMapping/>
-  </p:clrMapOvr>
-</p:sld>
-</file>
-
-<file path=ppt/slides/slide59.xml><?xml version="1.0" encoding="utf-8"?>
 <p:sld xmlns:a="http://schemas.openxmlformats.org/drawingml/2006/main" xmlns:r="http://schemas.openxmlformats.org/officeDocument/2006/relationships" xmlns:p="http://schemas.openxmlformats.org/presentationml/2006/main">
   <p:cSld>
     <p:spTree>
@@ -15636,6 +16081,149 @@
   <p:clrMapOvr>
     <a:masterClrMapping/>
   </p:clrMapOvr>
+  <p:timing>
+    <p:tnLst>
+      <p:par>
+        <p:cTn id="1" dur="indefinite" restart="never" nodeType="tmRoot"/>
+      </p:par>
+    </p:tnLst>
+  </p:timing>
+</p:sld>
+</file>
+
+<file path=ppt/slides/slide59.xml><?xml version="1.0" encoding="utf-8"?>
+<p:sld xmlns:a="http://schemas.openxmlformats.org/drawingml/2006/main" xmlns:r="http://schemas.openxmlformats.org/officeDocument/2006/relationships" xmlns:p="http://schemas.openxmlformats.org/presentationml/2006/main">
+  <p:cSld>
+    <p:spTree>
+      <p:nvGrpSpPr>
+        <p:cNvPr id="1" name=""/>
+        <p:cNvGrpSpPr/>
+        <p:nvPr/>
+      </p:nvGrpSpPr>
+      <p:grpSpPr>
+        <a:xfrm>
+          <a:off x="0" y="0"/>
+          <a:ext cx="0" cy="0"/>
+          <a:chOff x="0" y="0"/>
+          <a:chExt cx="0" cy="0"/>
+        </a:xfrm>
+      </p:grpSpPr>
+      <p:graphicFrame>
+        <p:nvGraphicFramePr>
+          <p:cNvPr id="165890" name="Object 2"/>
+          <p:cNvGraphicFramePr>
+            <a:graphicFrameLocks noChangeAspect="1"/>
+          </p:cNvGraphicFramePr>
+          <p:nvPr/>
+        </p:nvGraphicFramePr>
+        <p:xfrm>
+          <a:off x="787400" y="982663"/>
+          <a:ext cx="7569200" cy="4833937"/>
+        </p:xfrm>
+        <a:graphic>
+          <a:graphicData uri="http://schemas.openxmlformats.org/presentationml/2006/ole">
+            <p:oleObj spid="_x0000_s165890" name="Visio" r:id="rId3" imgW="7568750" imgH="4833571" progId="Visio.Drawing.11">
+              <p:embed/>
+            </p:oleObj>
+          </a:graphicData>
+        </a:graphic>
+      </p:graphicFrame>
+      <p:sp>
+        <p:nvSpPr>
+          <p:cNvPr id="4" name="Title 1"/>
+          <p:cNvSpPr txBox="1">
+            <a:spLocks/>
+          </p:cNvSpPr>
+          <p:nvPr/>
+        </p:nvSpPr>
+        <p:spPr>
+          <a:xfrm>
+            <a:off x="457200" y="152399"/>
+            <a:ext cx="8229600" cy="830263"/>
+          </a:xfrm>
+          <a:prstGeom prst="rect">
+            <a:avLst/>
+          </a:prstGeom>
+        </p:spPr>
+        <p:txBody>
+          <a:bodyPr>
+            <a:normAutofit fontScale="97500"/>
+          </a:bodyPr>
+          <a:lstStyle/>
+          <a:p>
+            <a:pPr marL="0" marR="0" lvl="0" indent="0" algn="ctr" defTabSz="914400" rtl="0" eaLnBrk="0" fontAlgn="base" latinLnBrk="0" hangingPunct="0">
+              <a:lnSpc>
+                <a:spcPct val="100000"/>
+              </a:lnSpc>
+              <a:spcBef>
+                <a:spcPct val="0"/>
+              </a:spcBef>
+              <a:spcAft>
+                <a:spcPct val="0"/>
+              </a:spcAft>
+              <a:buClrTx/>
+              <a:buSzTx/>
+              <a:buFontTx/>
+              <a:buNone/>
+              <a:tabLst/>
+              <a:defRPr/>
+            </a:pPr>
+            <a:r>
+              <a:rPr kumimoji="0" lang="en-US" sz="3600" b="1" i="0" u="none" strike="noStrike" kern="0" cap="none" spc="0" normalizeH="0" baseline="0" noProof="0" dirty="0" smtClean="0">
+                <a:ln>
+                  <a:noFill/>
+                </a:ln>
+                <a:solidFill>
+                  <a:schemeClr val="tx1"/>
+                </a:solidFill>
+                <a:effectLst/>
+                <a:uLnTx/>
+                <a:uFillTx/>
+                <a:latin typeface="+mj-lt"/>
+                <a:ea typeface="+mj-ea"/>
+                <a:cs typeface="+mj-cs"/>
+              </a:rPr>
+              <a:t>IPC</a:t>
+            </a:r>
+            <a:r>
+              <a:rPr kumimoji="0" lang="en-US" sz="3600" b="1" i="0" u="none" strike="noStrike" kern="0" cap="none" spc="0" normalizeH="0" noProof="0" dirty="0" smtClean="0">
+                <a:ln>
+                  <a:noFill/>
+                </a:ln>
+                <a:solidFill>
+                  <a:schemeClr val="tx1"/>
+                </a:solidFill>
+                <a:effectLst/>
+                <a:uLnTx/>
+                <a:uFillTx/>
+                <a:latin typeface="+mj-lt"/>
+                <a:ea typeface="+mj-ea"/>
+                <a:cs typeface="+mj-cs"/>
+              </a:rPr>
+              <a:t> Libraries MCSDK release 3_15</a:t>
+            </a:r>
+            <a:endParaRPr kumimoji="0" lang="en-US" sz="3600" b="1" i="0" u="none" strike="noStrike" kern="0" cap="none" spc="0" normalizeH="0" baseline="0" noProof="0" dirty="0">
+              <a:ln>
+                <a:noFill/>
+              </a:ln>
+              <a:solidFill>
+                <a:schemeClr val="tx1"/>
+              </a:solidFill>
+              <a:effectLst/>
+              <a:uLnTx/>
+              <a:uFillTx/>
+              <a:latin typeface="+mj-lt"/>
+              <a:ea typeface="+mj-ea"/>
+              <a:cs typeface="+mj-cs"/>
+            </a:endParaRPr>
+          </a:p>
+        </p:txBody>
+      </p:sp>
+    </p:spTree>
+  </p:cSld>
+  <p:clrMapOvr>
+    <a:masterClrMapping/>
+  </p:clrMapOvr>
 </p:sld>
 </file>
 
@@ -15821,7 +16409,7 @@
             </a:pPr>
             <a:r>
               <a:rPr lang="en-US" sz="2800" dirty="0" smtClean="0"/>
-              <a:t>Drivers for Linux system will be discussed later.</a:t>
+              <a:t>Linux drivers are used from the ARM side</a:t>
             </a:r>
             <a:endParaRPr kumimoji="0" lang="en-US" sz="2800" b="0" i="0" u="none" strike="noStrike" kern="1200" cap="none" spc="0" normalizeH="0" baseline="0" noProof="0" dirty="0">
               <a:ln>
@@ -15865,6 +16453,13 @@
   <p:clrMapOvr>
     <a:masterClrMapping/>
   </p:clrMapOvr>
+  <p:timing>
+    <p:tnLst>
+      <p:par>
+        <p:cTn id="1" dur="indefinite" restart="never" nodeType="tmRoot"/>
+      </p:par>
+    </p:tnLst>
+  </p:timing>
 </p:sld>
 </file>
 
@@ -15909,11 +16504,7 @@
           <a:p>
             <a:r>
               <a:rPr lang="en-US" sz="3600" b="1" dirty="0" smtClean="0"/>
-              <a:t>IPC Types Overview</a:t>
-            </a:r>
-            <a:r>
-              <a:rPr lang="en-US" sz="3600" b="1" dirty="0" smtClean="0"/>
-              <a:t> </a:t>
+              <a:t>IPC Types Overview </a:t>
             </a:r>
             <a:endParaRPr lang="en-US" sz="3600" b="1" dirty="0"/>
           </a:p>
@@ -15990,6 +16581,13 @@
   <p:clrMapOvr>
     <a:masterClrMapping/>
   </p:clrMapOvr>
+  <p:timing>
+    <p:tnLst>
+      <p:par>
+        <p:cTn id="1" dur="indefinite" restart="never" nodeType="tmRoot"/>
+      </p:par>
+    </p:tnLst>
+  </p:timing>
 </p:sld>
 </file>
 
@@ -16034,11 +16632,7 @@
           <a:p>
             <a:r>
               <a:rPr lang="en-US" sz="3600" b="1" dirty="0" smtClean="0"/>
-              <a:t>IPC Types Overview</a:t>
-            </a:r>
-            <a:r>
-              <a:rPr lang="en-US" sz="3600" b="1" dirty="0" smtClean="0"/>
-              <a:t> </a:t>
+              <a:t>IPC Types Overview </a:t>
             </a:r>
             <a:endParaRPr lang="en-US" sz="3600" b="1" dirty="0"/>
           </a:p>
@@ -16114,6 +16708,13 @@
   <p:clrMapOvr>
     <a:masterClrMapping/>
   </p:clrMapOvr>
+  <p:timing>
+    <p:tnLst>
+      <p:par>
+        <p:cTn id="1" dur="indefinite" restart="never" nodeType="tmRoot"/>
+      </p:par>
+    </p:tnLst>
+  </p:timing>
 </p:sld>
 </file>
 
@@ -16158,11 +16759,7 @@
           <a:p>
             <a:r>
               <a:rPr lang="en-US" sz="3600" b="1" dirty="0" smtClean="0"/>
-              <a:t>IPC Types Overview</a:t>
-            </a:r>
-            <a:r>
-              <a:rPr lang="en-US" sz="3600" b="1" dirty="0" smtClean="0"/>
-              <a:t> </a:t>
+              <a:t>IPC Types Overview </a:t>
             </a:r>
             <a:endParaRPr lang="en-US" sz="3600" b="1" dirty="0"/>
           </a:p>
@@ -16235,6 +16832,13 @@
   <p:clrMapOvr>
     <a:masterClrMapping/>
   </p:clrMapOvr>
+  <p:timing>
+    <p:tnLst>
+      <p:par>
+        <p:cTn id="1" dur="indefinite" restart="never" nodeType="tmRoot"/>
+      </p:par>
+    </p:tnLst>
+  </p:timing>
 </p:sld>
 </file>
 
@@ -16319,26 +16923,20 @@
           <a:p>
             <a:r>
               <a:rPr lang="en-US" b="1" dirty="0" smtClean="0"/>
-              <a:t>SysLink</a:t>
-            </a:r>
+              <a:t>SysLink (Part of the IPC release)</a:t>
+            </a:r>
+            <a:endParaRPr lang="en-US" b="1" dirty="0" smtClean="0"/>
           </a:p>
           <a:p>
             <a:r>
               <a:rPr lang="en-US" dirty="0" smtClean="0"/>
-              <a:t>SysLink is runtime </a:t>
-            </a:r>
-            <a:r>
-              <a:rPr lang="en-US" dirty="0" smtClean="0"/>
-              <a:t>library</a:t>
+              <a:t>SysLink is runtime library that provides software connectivity between multiple processors. Each processor may run either an HLOS such as Linux, QNX, etc. or an RTOS such as SYS/BIOS. </a:t>
             </a:r>
             <a:r>
               <a:rPr lang="en-US" dirty="0" smtClean="0"/>
               <a:t> </a:t>
             </a:r>
-            <a:r>
-              <a:rPr lang="en-US" dirty="0" smtClean="0"/>
-              <a:t>that provides software connectivity between multiple processors. Each processor may run either an HLOS such as Linux, QNX, etc. or an RTOS such as SYS/BIOS. </a:t>
-            </a:r>
+            <a:endParaRPr lang="en-US" dirty="0" smtClean="0"/>
           </a:p>
           <a:p>
             <a:endParaRPr lang="en-US" dirty="0" smtClean="0"/>
@@ -16360,6 +16958,13 @@
   <p:clrMapOvr>
     <a:masterClrMapping/>
   </p:clrMapOvr>
+  <p:timing>
+    <p:tnLst>
+      <p:par>
+        <p:cTn id="1" dur="indefinite" restart="never" nodeType="tmRoot"/>
+      </p:par>
+    </p:tnLst>
+  </p:timing>
 </p:sld>
 </file>
 
@@ -16404,129 +17009,63 @@
           <a:p>
             <a:r>
               <a:rPr lang="en-US" sz="3600" b="1" dirty="0" smtClean="0"/>
-              <a:t>RPMsg</a:t>
-            </a:r>
-          </a:p>
-        </p:txBody>
-      </p:sp>
-      <p:sp>
-        <p:nvSpPr>
-          <p:cNvPr id="6" name="Rectangle 5"/>
-          <p:cNvSpPr/>
-          <p:nvPr/>
+              <a:t>IPC </a:t>
+            </a:r>
+            <a:r>
+              <a:rPr lang="en-US" sz="3600" b="1" dirty="0" smtClean="0"/>
+              <a:t>Examples</a:t>
+            </a:r>
+            <a:endParaRPr lang="en-US" sz="3600" b="1" dirty="0"/>
+          </a:p>
+        </p:txBody>
+      </p:sp>
+      <p:sp>
+        <p:nvSpPr>
+          <p:cNvPr id="3" name="Content Placeholder 2"/>
+          <p:cNvSpPr>
+            <a:spLocks noGrp="1"/>
+          </p:cNvSpPr>
+          <p:nvPr>
+            <p:ph idx="1"/>
+          </p:nvPr>
         </p:nvSpPr>
         <p:spPr>
           <a:xfrm>
-            <a:off x="457200" y="685800"/>
-            <a:ext cx="8229600" cy="5078313"/>
-          </a:xfrm>
-          <a:prstGeom prst="rect">
-            <a:avLst/>
-          </a:prstGeom>
-        </p:spPr>
-        <p:txBody>
-          <a:bodyPr wrap="square">
-            <a:spAutoFit/>
+            <a:off x="457200" y="1066800"/>
+            <a:ext cx="8229600" cy="4940300"/>
+          </a:xfrm>
+        </p:spPr>
+        <p:txBody>
+          <a:bodyPr>
+            <a:noAutofit/>
           </a:bodyPr>
           <a:lstStyle/>
           <a:p>
             <a:r>
               <a:rPr lang="en-US" dirty="0" smtClean="0"/>
-              <a:t/>
-            </a:r>
-            <a:br>
+              <a:t>MCSDK release has several examples that shows IPC properties</a:t>
+            </a:r>
+          </a:p>
+          <a:p>
+            <a:r>
               <a:rPr lang="en-US" dirty="0" smtClean="0"/>
-            </a:br>
+              <a:t>Instructions how to install IPC and build these examples on the LINUX side and the DSP side are given in the release, see the next slide</a:t>
+            </a:r>
+          </a:p>
+          <a:p>
             <a:r>
               <a:rPr lang="en-US" dirty="0" smtClean="0"/>
-              <a:t>The following are the main features provided by the RPMsg framework:</a:t>
-            </a:r>
-          </a:p>
-          <a:p>
-            <a:r>
-              <a:rPr lang="en-US" b="1" dirty="0" smtClean="0"/>
-              <a:t>Device Management</a:t>
-            </a:r>
-            <a:r>
-              <a:rPr lang="en-US" dirty="0" smtClean="0"/>
-              <a:t>: Complete life-cycle management of the remote processor cores including the following specific functionalities</a:t>
-            </a:r>
-          </a:p>
-          <a:p>
-            <a:pPr lvl="1"/>
-            <a:r>
-              <a:rPr lang="en-US" b="1" dirty="0" smtClean="0"/>
-              <a:t>Device Initialization</a:t>
-            </a:r>
-            <a:r>
-              <a:rPr lang="en-US" dirty="0" smtClean="0"/>
-              <a:t> - Programming and loading an executable, memory management and powering up the processor</a:t>
-            </a:r>
-          </a:p>
-          <a:p>
-            <a:pPr lvl="1"/>
-            <a:r>
-              <a:rPr lang="en-US" b="1" dirty="0" smtClean="0"/>
-              <a:t>Power Management</a:t>
-            </a:r>
-            <a:r>
-              <a:rPr lang="en-US" dirty="0" smtClean="0"/>
-              <a:t> - Runtime power management of the remote processors, putting them into lowest power state (suspend) when not being used actively</a:t>
-            </a:r>
-          </a:p>
-          <a:p>
-            <a:pPr lvl="1"/>
-            <a:r>
-              <a:rPr lang="en-US" b="1" dirty="0" smtClean="0"/>
-              <a:t>Tracing</a:t>
-            </a:r>
-            <a:r>
-              <a:rPr lang="en-US" dirty="0" smtClean="0"/>
-              <a:t> - Provide trace logging of code running on remote processors</a:t>
-            </a:r>
-          </a:p>
-          <a:p>
-            <a:pPr lvl="1"/>
-            <a:r>
-              <a:rPr lang="en-US" b="1" dirty="0" smtClean="0"/>
-              <a:t>Exception Management</a:t>
-            </a:r>
-            <a:r>
-              <a:rPr lang="en-US" dirty="0" smtClean="0"/>
-              <a:t> - Provide information regarding a remote processor fatal errors or exceptions</a:t>
-            </a:r>
-          </a:p>
-          <a:p>
-            <a:pPr lvl="1"/>
-            <a:r>
-              <a:rPr lang="en-US" b="1" dirty="0" smtClean="0"/>
-              <a:t>Error Recovery</a:t>
-            </a:r>
-            <a:r>
-              <a:rPr lang="en-US" dirty="0" smtClean="0"/>
-              <a:t> - Reload and reboot the remote processors upon any fatal error or exception</a:t>
-            </a:r>
-          </a:p>
-          <a:p>
-            <a:r>
-              <a:rPr lang="en-US" b="1" dirty="0" smtClean="0"/>
-              <a:t>Messaging Framework</a:t>
-            </a:r>
-            <a:r>
-              <a:rPr lang="en-US" dirty="0" smtClean="0"/>
-              <a:t>: A generic Linux messaging architecture/framework with the ability to exchange fixed size control messages with remote processors</a:t>
-            </a:r>
-          </a:p>
-          <a:p>
-            <a:r>
-              <a:rPr lang="en-US" b="1" dirty="0" smtClean="0"/>
-              <a:t>Resource Management</a:t>
-            </a:r>
-            <a:r>
-              <a:rPr lang="en-US" dirty="0" smtClean="0"/>
-              <a:t>: Request and release peripherals/hardware accelerators for usage by the remote processors, and putting constraints like bandwidth, frequency and latency to meet specific application performance and power requirements</a:t>
-            </a:r>
-            <a:endParaRPr lang="en-US" dirty="0"/>
+              <a:t>The out of box example is described in the next few slides:</a:t>
+            </a:r>
+            <a:endParaRPr lang="en-US" dirty="0" smtClean="0"/>
+          </a:p>
+          <a:p>
+            <a:pPr lvl="0"/>
+            <a:endParaRPr lang="en-US" sz="2800" dirty="0" smtClean="0"/>
+          </a:p>
+          <a:p>
+            <a:pPr lvl="0"/>
+            <a:endParaRPr lang="en-US" sz="2800" dirty="0"/>
           </a:p>
         </p:txBody>
       </p:sp>
@@ -16535,6 +17074,13 @@
   <p:clrMapOvr>
     <a:masterClrMapping/>
   </p:clrMapOvr>
+  <p:timing>
+    <p:tnLst>
+      <p:par>
+        <p:cTn id="1" dur="indefinite" restart="never" nodeType="tmRoot"/>
+      </p:par>
+    </p:tnLst>
+  </p:timing>
 </p:sld>
 </file>
 
@@ -16555,89 +17101,38 @@
           <a:chExt cx="0" cy="0"/>
         </a:xfrm>
       </p:grpSpPr>
-      <p:sp>
-        <p:nvSpPr>
-          <p:cNvPr id="2" name="Title 1"/>
-          <p:cNvSpPr>
-            <a:spLocks noGrp="1"/>
-          </p:cNvSpPr>
-          <p:nvPr>
-            <p:ph type="title"/>
-          </p:nvPr>
-        </p:nvSpPr>
-        <p:spPr>
-          <a:xfrm>
-            <a:off x="457200" y="152400"/>
-            <a:ext cx="8229600" cy="533400"/>
-          </a:xfrm>
-        </p:spPr>
-        <p:txBody>
-          <a:bodyPr>
-            <a:noAutofit/>
-          </a:bodyPr>
-          <a:lstStyle/>
-          <a:p>
-            <a:r>
-              <a:rPr lang="en-US" sz="3600" b="1" dirty="0" smtClean="0"/>
-              <a:t>SysLink</a:t>
-            </a:r>
-          </a:p>
-        </p:txBody>
-      </p:sp>
-      <p:sp>
-        <p:nvSpPr>
-          <p:cNvPr id="6" name="Rectangle 5"/>
-          <p:cNvSpPr/>
+      <p:pic>
+        <p:nvPicPr>
+          <p:cNvPr id="167938" name="Picture 2"/>
+          <p:cNvPicPr>
+            <a:picLocks noChangeAspect="1" noChangeArrowheads="1"/>
+          </p:cNvPicPr>
           <p:nvPr/>
-        </p:nvSpPr>
-        <p:spPr>
-          <a:xfrm>
-            <a:off x="457200" y="2163128"/>
-            <a:ext cx="8229600" cy="1477328"/>
+        </p:nvPicPr>
+        <p:blipFill>
+          <a:blip r:embed="rId2"/>
+          <a:srcRect/>
+          <a:stretch>
+            <a:fillRect/>
+          </a:stretch>
+        </p:blipFill>
+        <p:spPr bwMode="auto">
+          <a:xfrm>
+            <a:off x="749300" y="262035"/>
+            <a:ext cx="7570788" cy="6272115"/>
           </a:xfrm>
           <a:prstGeom prst="rect">
             <a:avLst/>
           </a:prstGeom>
-        </p:spPr>
-        <p:txBody>
-          <a:bodyPr wrap="square">
-            <a:spAutoFit/>
-          </a:bodyPr>
-          <a:lstStyle/>
-          <a:p>
-            <a:r>
-              <a:rPr lang="en-US" dirty="0" smtClean="0"/>
-              <a:t/>
-            </a:r>
-            <a:br>
-              <a:rPr lang="en-US" dirty="0" smtClean="0"/>
-            </a:br>
-            <a:r>
-              <a:rPr lang="en-US" dirty="0" smtClean="0"/>
-              <a:t> The SysLink product provides the following services to frameworks and applications:</a:t>
-            </a:r>
-          </a:p>
-          <a:p>
-            <a:r>
-              <a:rPr lang="en-US" dirty="0" smtClean="0"/>
-              <a:t>Processor Manager</a:t>
-            </a:r>
-          </a:p>
-          <a:p>
-            <a:r>
-              <a:rPr lang="en-US" dirty="0" smtClean="0"/>
-              <a:t>Inter-Processor Communication</a:t>
-            </a:r>
-          </a:p>
-          <a:p>
-            <a:r>
-              <a:rPr lang="en-US" dirty="0" smtClean="0"/>
-              <a:t>Utility modules</a:t>
-            </a:r>
-            <a:endParaRPr lang="en-US" dirty="0"/>
-          </a:p>
-        </p:txBody>
-      </p:sp>
+          <a:noFill/>
+          <a:ln w="9525">
+            <a:noFill/>
+            <a:miter lim="800000"/>
+            <a:headEnd/>
+            <a:tailEnd/>
+          </a:ln>
+        </p:spPr>
+      </p:pic>
     </p:spTree>
   </p:cSld>
   <p:clrMapOvr>
@@ -16647,7 +17142,7 @@
 </file>
 
 <file path=ppt/slides/slide66.xml><?xml version="1.0" encoding="utf-8"?>
-<p:sld xmlns:a="http://schemas.openxmlformats.org/drawingml/2006/main" xmlns:r="http://schemas.openxmlformats.org/officeDocument/2006/relationships" xmlns:p="http://schemas.openxmlformats.org/presentationml/2006/main" show="0">
+<p:sld xmlns:a="http://schemas.openxmlformats.org/drawingml/2006/main" xmlns:r="http://schemas.openxmlformats.org/officeDocument/2006/relationships" xmlns:p="http://schemas.openxmlformats.org/presentationml/2006/main">
   <p:cSld>
     <p:spTree>
       <p:nvGrpSpPr>
@@ -16663,47 +17158,48 @@
           <a:chExt cx="0" cy="0"/>
         </a:xfrm>
       </p:grpSpPr>
-      <p:sp>
-        <p:nvSpPr>
-          <p:cNvPr id="2" name="Title 1"/>
-          <p:cNvSpPr>
-            <a:spLocks noGrp="1"/>
-          </p:cNvSpPr>
-          <p:nvPr>
-            <p:ph type="title"/>
-          </p:nvPr>
-        </p:nvSpPr>
-        <p:spPr>
-          <a:xfrm>
-            <a:off x="533400" y="2667000"/>
-            <a:ext cx="8229600" cy="944562"/>
-          </a:xfrm>
-        </p:spPr>
-        <p:txBody>
-          <a:bodyPr>
-            <a:normAutofit/>
-          </a:bodyPr>
-          <a:lstStyle/>
-          <a:p>
-            <a:r>
-              <a:rPr lang="en-US" sz="3600" dirty="0" smtClean="0"/>
-              <a:t>Backup – PktLib Utility Libraries</a:t>
-            </a:r>
-            <a:endParaRPr lang="en-US" sz="3600" dirty="0"/>
-          </a:p>
-        </p:txBody>
-      </p:sp>
+      <p:pic>
+        <p:nvPicPr>
+          <p:cNvPr id="168962" name="Picture 2"/>
+          <p:cNvPicPr>
+            <a:picLocks noChangeAspect="1" noChangeArrowheads="1"/>
+          </p:cNvPicPr>
+          <p:nvPr/>
+        </p:nvPicPr>
+        <p:blipFill>
+          <a:blip r:embed="rId2"/>
+          <a:srcRect/>
+          <a:stretch>
+            <a:fillRect/>
+          </a:stretch>
+        </p:blipFill>
+        <p:spPr bwMode="auto">
+          <a:xfrm>
+            <a:off x="881063" y="342900"/>
+            <a:ext cx="7381875" cy="6172200"/>
+          </a:xfrm>
+          <a:prstGeom prst="rect">
+            <a:avLst/>
+          </a:prstGeom>
+          <a:noFill/>
+          <a:ln w="9525">
+            <a:noFill/>
+            <a:miter lim="800000"/>
+            <a:headEnd/>
+            <a:tailEnd/>
+          </a:ln>
+        </p:spPr>
+      </p:pic>
     </p:spTree>
   </p:cSld>
   <p:clrMapOvr>
     <a:masterClrMapping/>
   </p:clrMapOvr>
-  <p:transition/>
 </p:sld>
 </file>
 
 <file path=ppt/slides/slide67.xml><?xml version="1.0" encoding="utf-8"?>
-<p:sld xmlns:a="http://schemas.openxmlformats.org/drawingml/2006/main" xmlns:r="http://schemas.openxmlformats.org/officeDocument/2006/relationships" xmlns:p="http://schemas.openxmlformats.org/presentationml/2006/main" show="0">
+<p:sld xmlns:a="http://schemas.openxmlformats.org/drawingml/2006/main" xmlns:r="http://schemas.openxmlformats.org/officeDocument/2006/relationships" xmlns:p="http://schemas.openxmlformats.org/presentationml/2006/main">
   <p:cSld>
     <p:spTree>
       <p:nvGrpSpPr>
@@ -16719,97 +17215,48 @@
           <a:chExt cx="0" cy="0"/>
         </a:xfrm>
       </p:grpSpPr>
-      <p:sp>
-        <p:nvSpPr>
-          <p:cNvPr id="2" name="Title 1"/>
-          <p:cNvSpPr>
-            <a:spLocks noGrp="1"/>
-          </p:cNvSpPr>
-          <p:nvPr>
-            <p:ph type="title"/>
-          </p:nvPr>
-        </p:nvSpPr>
-        <p:spPr>
-          <a:xfrm>
-            <a:off x="457200" y="76200"/>
-            <a:ext cx="8229600" cy="838200"/>
-          </a:xfrm>
-        </p:spPr>
-        <p:txBody>
-          <a:bodyPr/>
-          <a:lstStyle/>
-          <a:p>
-            <a:r>
-              <a:rPr lang="en-US" sz="3600" dirty="0" smtClean="0"/>
-              <a:t>Packet Library (PktLib)</a:t>
-            </a:r>
-            <a:endParaRPr lang="en-US" sz="3600" dirty="0"/>
-          </a:p>
-        </p:txBody>
-      </p:sp>
-      <p:sp>
-        <p:nvSpPr>
-          <p:cNvPr id="3" name="Content Placeholder 2"/>
-          <p:cNvSpPr>
-            <a:spLocks noGrp="1"/>
-          </p:cNvSpPr>
-          <p:nvPr>
-            <p:ph idx="1"/>
-          </p:nvPr>
-        </p:nvSpPr>
-        <p:spPr>
-          <a:xfrm>
-            <a:off x="304800" y="1905000"/>
-            <a:ext cx="8229600" cy="3429000"/>
-          </a:xfrm>
-        </p:spPr>
-        <p:txBody>
-          <a:bodyPr/>
-          <a:lstStyle/>
-          <a:p>
-            <a:r>
-              <a:rPr lang="en-US" dirty="0" smtClean="0"/>
-              <a:t>Purpose: High-level library to allocate packets and manipulate packets used by different types of channels.</a:t>
-            </a:r>
-          </a:p>
-          <a:p>
-            <a:r>
-              <a:rPr lang="en-US" dirty="0" smtClean="0"/>
-              <a:t>Enhance capabilities of packet manipulation</a:t>
-            </a:r>
-          </a:p>
-          <a:p>
-            <a:r>
-              <a:rPr lang="en-US" dirty="0" smtClean="0"/>
-              <a:t>Enhance Heap manipulation</a:t>
-            </a:r>
-          </a:p>
-          <a:p>
-            <a:pPr>
-              <a:buNone/>
-            </a:pPr>
-            <a:endParaRPr lang="en-US" dirty="0" smtClean="0"/>
-          </a:p>
-          <a:p>
-            <a:pPr lvl="1"/>
-            <a:endParaRPr lang="en-US" dirty="0" smtClean="0"/>
-          </a:p>
-          <a:p>
-            <a:endParaRPr lang="en-US" dirty="0"/>
-          </a:p>
-        </p:txBody>
-      </p:sp>
+      <p:pic>
+        <p:nvPicPr>
+          <p:cNvPr id="169986" name="Picture 2"/>
+          <p:cNvPicPr>
+            <a:picLocks noChangeAspect="1" noChangeArrowheads="1"/>
+          </p:cNvPicPr>
+          <p:nvPr/>
+        </p:nvPicPr>
+        <p:blipFill>
+          <a:blip r:embed="rId2"/>
+          <a:srcRect/>
+          <a:stretch>
+            <a:fillRect/>
+          </a:stretch>
+        </p:blipFill>
+        <p:spPr bwMode="auto">
+          <a:xfrm>
+            <a:off x="871538" y="333375"/>
+            <a:ext cx="7400925" cy="6191250"/>
+          </a:xfrm>
+          <a:prstGeom prst="rect">
+            <a:avLst/>
+          </a:prstGeom>
+          <a:noFill/>
+          <a:ln w="9525">
+            <a:noFill/>
+            <a:miter lim="800000"/>
+            <a:headEnd/>
+            <a:tailEnd/>
+          </a:ln>
+        </p:spPr>
+      </p:pic>
     </p:spTree>
   </p:cSld>
   <p:clrMapOvr>
     <a:masterClrMapping/>
   </p:clrMapOvr>
-  <p:transition/>
 </p:sld>
 </file>
 
 <file path=ppt/slides/slide68.xml><?xml version="1.0" encoding="utf-8"?>
-<p:sld xmlns:a="http://schemas.openxmlformats.org/drawingml/2006/main" xmlns:r="http://schemas.openxmlformats.org/officeDocument/2006/relationships" xmlns:p="http://schemas.openxmlformats.org/presentationml/2006/main" show="0">
+<p:sld xmlns:a="http://schemas.openxmlformats.org/drawingml/2006/main" xmlns:r="http://schemas.openxmlformats.org/officeDocument/2006/relationships" xmlns:p="http://schemas.openxmlformats.org/presentationml/2006/main">
   <p:cSld>
     <p:spTree>
       <p:nvGrpSpPr>
@@ -16825,130 +17272,48 @@
           <a:chExt cx="0" cy="0"/>
         </a:xfrm>
       </p:grpSpPr>
-      <p:sp>
-        <p:nvSpPr>
-          <p:cNvPr id="2" name="Title 1"/>
-          <p:cNvSpPr>
-            <a:spLocks noGrp="1"/>
-          </p:cNvSpPr>
-          <p:nvPr>
-            <p:ph type="title"/>
-          </p:nvPr>
-        </p:nvSpPr>
-        <p:spPr>
-          <a:xfrm>
-            <a:off x="457200" y="76200"/>
-            <a:ext cx="8229600" cy="838200"/>
-          </a:xfrm>
-        </p:spPr>
-        <p:txBody>
-          <a:bodyPr/>
-          <a:lstStyle/>
-          <a:p>
-            <a:r>
-              <a:rPr lang="en-US" sz="3600" dirty="0" smtClean="0"/>
-              <a:t>Heap Allocation</a:t>
-            </a:r>
-            <a:endParaRPr lang="en-US" sz="3600" dirty="0"/>
-          </a:p>
-        </p:txBody>
-      </p:sp>
-      <p:sp>
-        <p:nvSpPr>
-          <p:cNvPr id="3" name="Content Placeholder 2"/>
-          <p:cNvSpPr>
-            <a:spLocks noGrp="1"/>
-          </p:cNvSpPr>
-          <p:nvPr>
-            <p:ph idx="1"/>
-          </p:nvPr>
-        </p:nvSpPr>
-        <p:spPr>
-          <a:xfrm>
-            <a:off x="228600" y="1066800"/>
-            <a:ext cx="8229600" cy="5029200"/>
-          </a:xfrm>
-        </p:spPr>
-        <p:txBody>
-          <a:bodyPr/>
-          <a:lstStyle/>
-          <a:p>
-            <a:r>
-              <a:rPr lang="en-US" dirty="0" smtClean="0"/>
-              <a:t>Heap creation supports shared heaps and private heaps.</a:t>
-            </a:r>
-          </a:p>
-          <a:p>
-            <a:r>
-              <a:rPr lang="en-US" dirty="0" smtClean="0"/>
-              <a:t>Heap is identified by name. It contains Data buffer Packets or Zero Buffer Packets</a:t>
-            </a:r>
-          </a:p>
-          <a:p>
-            <a:r>
-              <a:rPr lang="en-US" dirty="0" smtClean="0"/>
-              <a:t>Heap size is determined by application.</a:t>
-            </a:r>
-          </a:p>
-          <a:p>
-            <a:r>
-              <a:rPr lang="en-US" dirty="0" smtClean="0"/>
-              <a:t>Typical pktlib functions:</a:t>
-            </a:r>
-          </a:p>
-          <a:p>
-            <a:pPr lvl="1"/>
-            <a:r>
-              <a:rPr lang="en-US" dirty="0" smtClean="0"/>
-              <a:t>Pktlib_createHeap</a:t>
-            </a:r>
-          </a:p>
-          <a:p>
-            <a:pPr lvl="1"/>
-            <a:r>
-              <a:rPr lang="en-US" dirty="0" smtClean="0"/>
-              <a:t>Pktlib_findHeapbyName</a:t>
-            </a:r>
-          </a:p>
-          <a:p>
-            <a:pPr lvl="1"/>
-            <a:r>
-              <a:rPr lang="en-US" dirty="0" smtClean="0"/>
-              <a:t>Pktlib_allocPacket</a:t>
-            </a:r>
-          </a:p>
-          <a:p>
-            <a:pPr lvl="1">
-              <a:buNone/>
-            </a:pPr>
-            <a:endParaRPr lang="en-US" dirty="0" smtClean="0"/>
-          </a:p>
-          <a:p>
-            <a:pPr>
-              <a:buNone/>
-            </a:pPr>
-            <a:endParaRPr lang="en-US" dirty="0" smtClean="0"/>
-          </a:p>
-          <a:p>
-            <a:pPr lvl="1"/>
-            <a:endParaRPr lang="en-US" dirty="0" smtClean="0"/>
-          </a:p>
-          <a:p>
-            <a:endParaRPr lang="en-US" dirty="0"/>
-          </a:p>
-        </p:txBody>
-      </p:sp>
+      <p:pic>
+        <p:nvPicPr>
+          <p:cNvPr id="171010" name="Picture 2"/>
+          <p:cNvPicPr>
+            <a:picLocks noChangeAspect="1" noChangeArrowheads="1"/>
+          </p:cNvPicPr>
+          <p:nvPr/>
+        </p:nvPicPr>
+        <p:blipFill>
+          <a:blip r:embed="rId2"/>
+          <a:srcRect/>
+          <a:stretch>
+            <a:fillRect/>
+          </a:stretch>
+        </p:blipFill>
+        <p:spPr bwMode="auto">
+          <a:xfrm>
+            <a:off x="842963" y="352425"/>
+            <a:ext cx="7458075" cy="6153150"/>
+          </a:xfrm>
+          <a:prstGeom prst="rect">
+            <a:avLst/>
+          </a:prstGeom>
+          <a:noFill/>
+          <a:ln w="9525">
+            <a:noFill/>
+            <a:miter lim="800000"/>
+            <a:headEnd/>
+            <a:tailEnd/>
+          </a:ln>
+        </p:spPr>
+      </p:pic>
     </p:spTree>
   </p:cSld>
   <p:clrMapOvr>
     <a:masterClrMapping/>
   </p:clrMapOvr>
-  <p:transition/>
 </p:sld>
 </file>
 
 <file path=ppt/slides/slide69.xml><?xml version="1.0" encoding="utf-8"?>
-<p:sld xmlns:a="http://schemas.openxmlformats.org/drawingml/2006/main" xmlns:r="http://schemas.openxmlformats.org/officeDocument/2006/relationships" xmlns:p="http://schemas.openxmlformats.org/presentationml/2006/main" show="0">
+<p:sld xmlns:a="http://schemas.openxmlformats.org/drawingml/2006/main" xmlns:r="http://schemas.openxmlformats.org/officeDocument/2006/relationships" xmlns:p="http://schemas.openxmlformats.org/presentationml/2006/main">
   <p:cSld>
     <p:spTree>
       <p:nvGrpSpPr>
@@ -16964,122 +17329,43 @@
           <a:chExt cx="0" cy="0"/>
         </a:xfrm>
       </p:grpSpPr>
-      <p:sp>
-        <p:nvSpPr>
-          <p:cNvPr id="2" name="Title 1"/>
-          <p:cNvSpPr>
-            <a:spLocks noGrp="1"/>
-          </p:cNvSpPr>
-          <p:nvPr>
-            <p:ph type="title"/>
-          </p:nvPr>
-        </p:nvSpPr>
-        <p:spPr>
-          <a:xfrm>
-            <a:off x="457200" y="76200"/>
-            <a:ext cx="8229600" cy="838200"/>
-          </a:xfrm>
-        </p:spPr>
-        <p:txBody>
-          <a:bodyPr/>
-          <a:lstStyle/>
-          <a:p>
-            <a:r>
-              <a:rPr lang="en-US" sz="3600" dirty="0" smtClean="0"/>
-              <a:t>Packet Manipulations</a:t>
-            </a:r>
-            <a:endParaRPr lang="en-US" sz="3600" dirty="0"/>
-          </a:p>
-        </p:txBody>
-      </p:sp>
-      <p:sp>
-        <p:nvSpPr>
-          <p:cNvPr id="3" name="Content Placeholder 2"/>
-          <p:cNvSpPr>
-            <a:spLocks noGrp="1"/>
-          </p:cNvSpPr>
-          <p:nvPr>
-            <p:ph idx="1"/>
-          </p:nvPr>
-        </p:nvSpPr>
-        <p:spPr>
-          <a:xfrm>
-            <a:off x="228600" y="1066800"/>
-            <a:ext cx="8229600" cy="5029200"/>
-          </a:xfrm>
-        </p:spPr>
-        <p:txBody>
-          <a:bodyPr/>
-          <a:lstStyle/>
-          <a:p>
-            <a:r>
-              <a:rPr lang="en-US" dirty="0" smtClean="0"/>
-              <a:t>Merge multiple packets into one (linked) packet</a:t>
-            </a:r>
-          </a:p>
-          <a:p>
-            <a:r>
-              <a:rPr lang="en-US" dirty="0" smtClean="0"/>
-              <a:t>Clone packet</a:t>
-            </a:r>
-          </a:p>
-          <a:p>
-            <a:r>
-              <a:rPr lang="en-US" dirty="0" smtClean="0"/>
-              <a:t>Split Packet into multiple packets</a:t>
-            </a:r>
-          </a:p>
-          <a:p>
-            <a:r>
-              <a:rPr lang="en-US" dirty="0" smtClean="0"/>
-              <a:t>Typical pktlib functions:</a:t>
-            </a:r>
-          </a:p>
-          <a:p>
-            <a:pPr lvl="1"/>
-            <a:r>
-              <a:rPr lang="en-US" dirty="0" smtClean="0"/>
-              <a:t>Pktlib_packetMerge</a:t>
-            </a:r>
-          </a:p>
-          <a:p>
-            <a:pPr lvl="1"/>
-            <a:r>
-              <a:rPr lang="en-US" dirty="0" smtClean="0"/>
-              <a:t>Pktlib_clonePacket</a:t>
-            </a:r>
-          </a:p>
-          <a:p>
-            <a:pPr lvl="1"/>
-            <a:r>
-              <a:rPr lang="en-US" dirty="0" smtClean="0"/>
-              <a:t>Pktlib_splitPacket</a:t>
-            </a:r>
-          </a:p>
-          <a:p>
-            <a:endParaRPr lang="en-US" dirty="0" smtClean="0"/>
-          </a:p>
-          <a:p>
-            <a:pPr>
-              <a:buNone/>
-            </a:pPr>
-            <a:endParaRPr lang="en-US" dirty="0" smtClean="0"/>
-          </a:p>
-          <a:p>
-            <a:pPr lvl="1"/>
-            <a:endParaRPr lang="en-US" dirty="0" smtClean="0"/>
-          </a:p>
-          <a:p>
-            <a:endParaRPr lang="en-US" dirty="0"/>
-          </a:p>
-        </p:txBody>
-      </p:sp>
+      <p:pic>
+        <p:nvPicPr>
+          <p:cNvPr id="172034" name="Picture 2"/>
+          <p:cNvPicPr>
+            <a:picLocks noChangeAspect="1" noChangeArrowheads="1"/>
+          </p:cNvPicPr>
+          <p:nvPr/>
+        </p:nvPicPr>
+        <p:blipFill>
+          <a:blip r:embed="rId2"/>
+          <a:srcRect/>
+          <a:stretch>
+            <a:fillRect/>
+          </a:stretch>
+        </p:blipFill>
+        <p:spPr bwMode="auto">
+          <a:xfrm>
+            <a:off x="1528763" y="347663"/>
+            <a:ext cx="6086475" cy="6162675"/>
+          </a:xfrm>
+          <a:prstGeom prst="rect">
+            <a:avLst/>
+          </a:prstGeom>
+          <a:noFill/>
+          <a:ln w="9525">
+            <a:noFill/>
+            <a:miter lim="800000"/>
+            <a:headEnd/>
+            <a:tailEnd/>
+          </a:ln>
+        </p:spPr>
+      </p:pic>
     </p:spTree>
   </p:cSld>
   <p:clrMapOvr>
     <a:masterClrMapping/>
   </p:clrMapOvr>
-  <p:transition/>
 </p:sld>
 </file>
 
@@ -17207,11 +17493,18 @@
   <p:clrMapOvr>
     <a:masterClrMapping/>
   </p:clrMapOvr>
+  <p:timing>
+    <p:tnLst>
+      <p:par>
+        <p:cTn id="1" dur="indefinite" restart="never" nodeType="tmRoot"/>
+      </p:par>
+    </p:tnLst>
+  </p:timing>
 </p:sld>
 </file>
 
 <file path=ppt/slides/slide70.xml><?xml version="1.0" encoding="utf-8"?>
-<p:sld xmlns:a="http://schemas.openxmlformats.org/drawingml/2006/main" xmlns:r="http://schemas.openxmlformats.org/officeDocument/2006/relationships" xmlns:p="http://schemas.openxmlformats.org/presentationml/2006/main" show="0">
+<p:sld xmlns:a="http://schemas.openxmlformats.org/drawingml/2006/main" xmlns:r="http://schemas.openxmlformats.org/officeDocument/2006/relationships" xmlns:p="http://schemas.openxmlformats.org/presentationml/2006/main">
   <p:cSld>
     <p:spTree>
       <p:nvGrpSpPr>
@@ -17239,86 +17532,72 @@
         </p:nvSpPr>
         <p:spPr>
           <a:xfrm>
-            <a:off x="457200" y="76200"/>
-            <a:ext cx="8229600" cy="838200"/>
-          </a:xfrm>
-        </p:spPr>
-        <p:txBody>
-          <a:bodyPr/>
-          <a:lstStyle/>
-          <a:p>
-            <a:r>
-              <a:rPr lang="en-US" sz="3600" dirty="0" smtClean="0"/>
-              <a:t>PktLib: Additional Features</a:t>
-            </a:r>
-            <a:endParaRPr lang="en-US" sz="3600" dirty="0"/>
-          </a:p>
-        </p:txBody>
-      </p:sp>
-      <p:sp>
-        <p:nvSpPr>
-          <p:cNvPr id="3" name="Content Placeholder 2"/>
-          <p:cNvSpPr>
-            <a:spLocks noGrp="1"/>
-          </p:cNvSpPr>
-          <p:nvPr>
-            <p:ph idx="1"/>
-          </p:nvPr>
-        </p:nvSpPr>
-        <p:spPr>
-          <a:xfrm>
-            <a:off x="228600" y="1905000"/>
-            <a:ext cx="8229600" cy="4191000"/>
-          </a:xfrm>
-        </p:spPr>
-        <p:txBody>
-          <a:bodyPr/>
-          <a:lstStyle/>
-          <a:p>
-            <a:r>
-              <a:rPr lang="en-US" dirty="0" smtClean="0"/>
-              <a:t>Clean up and garbage collection (especially for clone packets and split packets)</a:t>
-            </a:r>
-          </a:p>
-          <a:p>
-            <a:r>
-              <a:rPr lang="en-US" dirty="0" smtClean="0"/>
-              <a:t>Heap statistics</a:t>
-            </a:r>
-          </a:p>
-          <a:p>
-            <a:r>
-              <a:rPr lang="en-US" dirty="0" smtClean="0"/>
-              <a:t>Cache coherency</a:t>
-            </a:r>
-          </a:p>
-          <a:p>
-            <a:endParaRPr lang="en-US" dirty="0" smtClean="0"/>
-          </a:p>
-          <a:p>
-            <a:endParaRPr lang="en-US" dirty="0" smtClean="0"/>
-          </a:p>
-          <a:p>
-            <a:pPr>
-              <a:buNone/>
-            </a:pPr>
-            <a:endParaRPr lang="en-US" dirty="0" smtClean="0"/>
-          </a:p>
-          <a:p>
-            <a:pPr lvl="1"/>
-            <a:endParaRPr lang="en-US" dirty="0" smtClean="0"/>
-          </a:p>
-          <a:p>
-            <a:endParaRPr lang="en-US" dirty="0"/>
-          </a:p>
-        </p:txBody>
-      </p:sp>
+            <a:off x="457200" y="152400"/>
+            <a:ext cx="8229600" cy="533400"/>
+          </a:xfrm>
+        </p:spPr>
+        <p:txBody>
+          <a:bodyPr>
+            <a:noAutofit/>
+          </a:bodyPr>
+          <a:lstStyle/>
+          <a:p>
+            <a:r>
+              <a:rPr lang="en-US" sz="3600" b="1" smtClean="0"/>
+              <a:t>Release IPC </a:t>
+            </a:r>
+            <a:r>
+              <a:rPr lang="en-US" sz="3600" b="1" dirty="0" smtClean="0"/>
+              <a:t>Examples</a:t>
+            </a:r>
+            <a:endParaRPr lang="en-US" sz="3600" b="1" dirty="0"/>
+          </a:p>
+        </p:txBody>
+      </p:sp>
+      <p:pic>
+        <p:nvPicPr>
+          <p:cNvPr id="166914" name="Picture 2"/>
+          <p:cNvPicPr>
+            <a:picLocks noChangeAspect="1" noChangeArrowheads="1"/>
+          </p:cNvPicPr>
+          <p:nvPr/>
+        </p:nvPicPr>
+        <p:blipFill>
+          <a:blip r:embed="rId3"/>
+          <a:srcRect/>
+          <a:stretch>
+            <a:fillRect/>
+          </a:stretch>
+        </p:blipFill>
+        <p:spPr bwMode="auto">
+          <a:xfrm>
+            <a:off x="266700" y="1409700"/>
+            <a:ext cx="8652539" cy="3594100"/>
+          </a:xfrm>
+          <a:prstGeom prst="rect">
+            <a:avLst/>
+          </a:prstGeom>
+          <a:noFill/>
+          <a:ln w="9525">
+            <a:noFill/>
+            <a:miter lim="800000"/>
+            <a:headEnd/>
+            <a:tailEnd/>
+          </a:ln>
+        </p:spPr>
+      </p:pic>
     </p:spTree>
   </p:cSld>
   <p:clrMapOvr>
     <a:masterClrMapping/>
   </p:clrMapOvr>
-  <p:transition/>
+  <p:timing>
+    <p:tnLst>
+      <p:par>
+        <p:cTn id="1" dur="indefinite" restart="never" nodeType="tmRoot"/>
+      </p:par>
+    </p:tnLst>
+  </p:timing>
 </p:sld>
 </file>
 
@@ -17349,6 +17628,871 @@
             <p:ph type="title"/>
           </p:nvPr>
         </p:nvSpPr>
+        <p:spPr>
+          <a:xfrm>
+            <a:off x="457200" y="152400"/>
+            <a:ext cx="8229600" cy="533400"/>
+          </a:xfrm>
+        </p:spPr>
+        <p:txBody>
+          <a:bodyPr>
+            <a:noAutofit/>
+          </a:bodyPr>
+          <a:lstStyle/>
+          <a:p>
+            <a:r>
+              <a:rPr lang="en-US" sz="3600" b="1" dirty="0" smtClean="0"/>
+              <a:t>RPMsg</a:t>
+            </a:r>
+          </a:p>
+        </p:txBody>
+      </p:sp>
+      <p:sp>
+        <p:nvSpPr>
+          <p:cNvPr id="6" name="Rectangle 5"/>
+          <p:cNvSpPr/>
+          <p:nvPr/>
+        </p:nvSpPr>
+        <p:spPr>
+          <a:xfrm>
+            <a:off x="457200" y="685800"/>
+            <a:ext cx="8229600" cy="5078313"/>
+          </a:xfrm>
+          <a:prstGeom prst="rect">
+            <a:avLst/>
+          </a:prstGeom>
+        </p:spPr>
+        <p:txBody>
+          <a:bodyPr wrap="square">
+            <a:spAutoFit/>
+          </a:bodyPr>
+          <a:lstStyle/>
+          <a:p>
+            <a:r>
+              <a:rPr lang="en-US" dirty="0" smtClean="0"/>
+              <a:t/>
+            </a:r>
+            <a:br>
+              <a:rPr lang="en-US" dirty="0" smtClean="0"/>
+            </a:br>
+            <a:r>
+              <a:rPr lang="en-US" dirty="0" smtClean="0"/>
+              <a:t>The following are the main features provided by the RPMsg framework:</a:t>
+            </a:r>
+          </a:p>
+          <a:p>
+            <a:r>
+              <a:rPr lang="en-US" b="1" dirty="0" smtClean="0"/>
+              <a:t>Device Management</a:t>
+            </a:r>
+            <a:r>
+              <a:rPr lang="en-US" dirty="0" smtClean="0"/>
+              <a:t>: Complete life-cycle management of the remote processor cores including the following specific functionalities</a:t>
+            </a:r>
+          </a:p>
+          <a:p>
+            <a:pPr lvl="1"/>
+            <a:r>
+              <a:rPr lang="en-US" b="1" dirty="0" smtClean="0"/>
+              <a:t>Device Initialization</a:t>
+            </a:r>
+            <a:r>
+              <a:rPr lang="en-US" dirty="0" smtClean="0"/>
+              <a:t> - Programming and loading an executable, memory management and powering up the processor</a:t>
+            </a:r>
+          </a:p>
+          <a:p>
+            <a:pPr lvl="1"/>
+            <a:r>
+              <a:rPr lang="en-US" b="1" dirty="0" smtClean="0"/>
+              <a:t>Power Management</a:t>
+            </a:r>
+            <a:r>
+              <a:rPr lang="en-US" dirty="0" smtClean="0"/>
+              <a:t> - Runtime power management of the remote processors, putting them into lowest power state (suspend) when not being used actively</a:t>
+            </a:r>
+          </a:p>
+          <a:p>
+            <a:pPr lvl="1"/>
+            <a:r>
+              <a:rPr lang="en-US" b="1" dirty="0" smtClean="0"/>
+              <a:t>Tracing</a:t>
+            </a:r>
+            <a:r>
+              <a:rPr lang="en-US" dirty="0" smtClean="0"/>
+              <a:t> - Provide trace logging of code running on remote processors</a:t>
+            </a:r>
+          </a:p>
+          <a:p>
+            <a:pPr lvl="1"/>
+            <a:r>
+              <a:rPr lang="en-US" b="1" dirty="0" smtClean="0"/>
+              <a:t>Exception Management</a:t>
+            </a:r>
+            <a:r>
+              <a:rPr lang="en-US" dirty="0" smtClean="0"/>
+              <a:t> - Provide information regarding a remote processor fatal errors or exceptions</a:t>
+            </a:r>
+          </a:p>
+          <a:p>
+            <a:pPr lvl="1"/>
+            <a:r>
+              <a:rPr lang="en-US" b="1" dirty="0" smtClean="0"/>
+              <a:t>Error Recovery</a:t>
+            </a:r>
+            <a:r>
+              <a:rPr lang="en-US" dirty="0" smtClean="0"/>
+              <a:t> - Reload and reboot the remote processors upon any fatal error or exception</a:t>
+            </a:r>
+          </a:p>
+          <a:p>
+            <a:r>
+              <a:rPr lang="en-US" b="1" dirty="0" smtClean="0"/>
+              <a:t>Messaging Framework</a:t>
+            </a:r>
+            <a:r>
+              <a:rPr lang="en-US" dirty="0" smtClean="0"/>
+              <a:t>: A generic Linux messaging architecture/framework with the ability to exchange fixed size control messages with remote processors</a:t>
+            </a:r>
+          </a:p>
+          <a:p>
+            <a:r>
+              <a:rPr lang="en-US" b="1" dirty="0" smtClean="0"/>
+              <a:t>Resource Management</a:t>
+            </a:r>
+            <a:r>
+              <a:rPr lang="en-US" dirty="0" smtClean="0"/>
+              <a:t>: Request and release peripherals/hardware accelerators for usage by the remote processors, and putting constraints like bandwidth, frequency and latency to meet specific application performance and power requirements</a:t>
+            </a:r>
+            <a:endParaRPr lang="en-US" dirty="0"/>
+          </a:p>
+        </p:txBody>
+      </p:sp>
+    </p:spTree>
+  </p:cSld>
+  <p:clrMapOvr>
+    <a:masterClrMapping/>
+  </p:clrMapOvr>
+  <p:timing>
+    <p:tnLst>
+      <p:par>
+        <p:cTn id="1" dur="indefinite" restart="never" nodeType="tmRoot"/>
+      </p:par>
+    </p:tnLst>
+  </p:timing>
+</p:sld>
+</file>
+
+<file path=ppt/slides/slide72.xml><?xml version="1.0" encoding="utf-8"?>
+<p:sld xmlns:a="http://schemas.openxmlformats.org/drawingml/2006/main" xmlns:r="http://schemas.openxmlformats.org/officeDocument/2006/relationships" xmlns:p="http://schemas.openxmlformats.org/presentationml/2006/main">
+  <p:cSld>
+    <p:spTree>
+      <p:nvGrpSpPr>
+        <p:cNvPr id="1" name=""/>
+        <p:cNvGrpSpPr/>
+        <p:nvPr/>
+      </p:nvGrpSpPr>
+      <p:grpSpPr>
+        <a:xfrm>
+          <a:off x="0" y="0"/>
+          <a:ext cx="0" cy="0"/>
+          <a:chOff x="0" y="0"/>
+          <a:chExt cx="0" cy="0"/>
+        </a:xfrm>
+      </p:grpSpPr>
+      <p:sp>
+        <p:nvSpPr>
+          <p:cNvPr id="2" name="Title 1"/>
+          <p:cNvSpPr>
+            <a:spLocks noGrp="1"/>
+          </p:cNvSpPr>
+          <p:nvPr>
+            <p:ph type="title"/>
+          </p:nvPr>
+        </p:nvSpPr>
+        <p:spPr/>
+        <p:txBody>
+          <a:bodyPr/>
+          <a:lstStyle/>
+          <a:p>
+            <a:r>
+              <a:rPr lang="en-US" b="0" dirty="0" smtClean="0"/>
+              <a:t>For More Information</a:t>
+            </a:r>
+            <a:endParaRPr lang="en-US" b="0" dirty="0"/>
+          </a:p>
+        </p:txBody>
+      </p:sp>
+      <p:sp>
+        <p:nvSpPr>
+          <p:cNvPr id="3" name="Content Placeholder 2"/>
+          <p:cNvSpPr>
+            <a:spLocks noGrp="1"/>
+          </p:cNvSpPr>
+          <p:nvPr>
+            <p:ph idx="1"/>
+          </p:nvPr>
+        </p:nvSpPr>
+        <p:spPr/>
+        <p:txBody>
+          <a:bodyPr/>
+          <a:lstStyle/>
+          <a:p>
+            <a:r>
+              <a:rPr lang="en-US" dirty="0" smtClean="0"/>
+              <a:t>Software downloads and device-specific Data Manuals for the KeyStone II SoCs can be found at </a:t>
+            </a:r>
+            <a:r>
+              <a:rPr lang="en-US" dirty="0" smtClean="0">
+                <a:hlinkClick r:id="rId2"/>
+              </a:rPr>
+              <a:t>TI.com/multicore</a:t>
+            </a:r>
+            <a:r>
+              <a:rPr lang="en-US" dirty="0" smtClean="0"/>
+              <a:t>.</a:t>
+            </a:r>
+          </a:p>
+          <a:p>
+            <a:r>
+              <a:rPr lang="en-US" dirty="0" smtClean="0"/>
+              <a:t>For articles related to multicore software and tools, refer to the </a:t>
+            </a:r>
+            <a:r>
+              <a:rPr lang="en-US" dirty="0" smtClean="0">
+                <a:hlinkClick r:id="rId3"/>
+              </a:rPr>
+              <a:t>Embedded Processors Wiki for the KeyStone Device Architecture</a:t>
+            </a:r>
+            <a:r>
+              <a:rPr lang="en-US" dirty="0" smtClean="0"/>
+              <a:t>.</a:t>
+            </a:r>
+          </a:p>
+          <a:p>
+            <a:r>
+              <a:rPr lang="en-US" dirty="0" smtClean="0"/>
+              <a:t>For questions regarding topics covered in this training, visit the support forums at the</a:t>
+            </a:r>
+            <a:br>
+              <a:rPr lang="en-US" dirty="0" smtClean="0"/>
+            </a:br>
+            <a:r>
+              <a:rPr lang="en-US" dirty="0" smtClean="0">
+                <a:hlinkClick r:id="rId4"/>
+              </a:rPr>
+              <a:t>TI E2E Community</a:t>
+            </a:r>
+            <a:r>
+              <a:rPr lang="en-US" dirty="0" smtClean="0"/>
+              <a:t> website.</a:t>
+            </a:r>
+          </a:p>
+        </p:txBody>
+      </p:sp>
+    </p:spTree>
+    <p:extLst>
+      <p:ext uri="{BB962C8B-B14F-4D97-AF65-F5344CB8AC3E}">
+        <p14:creationId xmlns:p14="http://schemas.microsoft.com/office/powerpoint/2010/main" xmlns="" val="1759977180"/>
+      </p:ext>
+    </p:extLst>
+  </p:cSld>
+  <p:clrMapOvr>
+    <a:masterClrMapping/>
+  </p:clrMapOvr>
+  <p:timing>
+    <p:tnLst>
+      <p:par>
+        <p:cTn id="1" dur="indefinite" restart="never" nodeType="tmRoot"/>
+      </p:par>
+    </p:tnLst>
+  </p:timing>
+</p:sld>
+</file>
+
+<file path=ppt/slides/slide73.xml><?xml version="1.0" encoding="utf-8"?>
+<p:sld xmlns:a="http://schemas.openxmlformats.org/drawingml/2006/main" xmlns:r="http://schemas.openxmlformats.org/officeDocument/2006/relationships" xmlns:p="http://schemas.openxmlformats.org/presentationml/2006/main">
+  <p:cSld>
+    <p:spTree>
+      <p:nvGrpSpPr>
+        <p:cNvPr id="1" name=""/>
+        <p:cNvGrpSpPr/>
+        <p:nvPr/>
+      </p:nvGrpSpPr>
+      <p:grpSpPr>
+        <a:xfrm>
+          <a:off x="0" y="0"/>
+          <a:ext cx="0" cy="0"/>
+          <a:chOff x="0" y="0"/>
+          <a:chExt cx="0" cy="0"/>
+        </a:xfrm>
+      </p:grpSpPr>
+      <p:sp>
+        <p:nvSpPr>
+          <p:cNvPr id="2" name="Title 1"/>
+          <p:cNvSpPr>
+            <a:spLocks noGrp="1"/>
+          </p:cNvSpPr>
+          <p:nvPr>
+            <p:ph type="title"/>
+          </p:nvPr>
+        </p:nvSpPr>
+        <p:spPr>
+          <a:xfrm>
+            <a:off x="533400" y="2667000"/>
+            <a:ext cx="8229600" cy="944562"/>
+          </a:xfrm>
+        </p:spPr>
+        <p:txBody>
+          <a:bodyPr>
+            <a:normAutofit/>
+          </a:bodyPr>
+          <a:lstStyle/>
+          <a:p>
+            <a:r>
+              <a:rPr lang="en-US" sz="3600" dirty="0" smtClean="0"/>
+              <a:t>Backup – PktLib Utility Libraries</a:t>
+            </a:r>
+            <a:endParaRPr lang="en-US" sz="3600" dirty="0"/>
+          </a:p>
+        </p:txBody>
+      </p:sp>
+    </p:spTree>
+  </p:cSld>
+  <p:clrMapOvr>
+    <a:masterClrMapping/>
+  </p:clrMapOvr>
+  <p:transition/>
+  <p:timing>
+    <p:tnLst>
+      <p:par>
+        <p:cTn id="1" dur="indefinite" restart="never" nodeType="tmRoot"/>
+      </p:par>
+    </p:tnLst>
+  </p:timing>
+</p:sld>
+</file>
+
+<file path=ppt/slides/slide74.xml><?xml version="1.0" encoding="utf-8"?>
+<p:sld xmlns:a="http://schemas.openxmlformats.org/drawingml/2006/main" xmlns:r="http://schemas.openxmlformats.org/officeDocument/2006/relationships" xmlns:p="http://schemas.openxmlformats.org/presentationml/2006/main" show="0">
+  <p:cSld>
+    <p:spTree>
+      <p:nvGrpSpPr>
+        <p:cNvPr id="1" name=""/>
+        <p:cNvGrpSpPr/>
+        <p:nvPr/>
+      </p:nvGrpSpPr>
+      <p:grpSpPr>
+        <a:xfrm>
+          <a:off x="0" y="0"/>
+          <a:ext cx="0" cy="0"/>
+          <a:chOff x="0" y="0"/>
+          <a:chExt cx="0" cy="0"/>
+        </a:xfrm>
+      </p:grpSpPr>
+      <p:sp>
+        <p:nvSpPr>
+          <p:cNvPr id="2" name="Title 1"/>
+          <p:cNvSpPr>
+            <a:spLocks noGrp="1"/>
+          </p:cNvSpPr>
+          <p:nvPr>
+            <p:ph type="title"/>
+          </p:nvPr>
+        </p:nvSpPr>
+        <p:spPr>
+          <a:xfrm>
+            <a:off x="457200" y="76200"/>
+            <a:ext cx="8229600" cy="838200"/>
+          </a:xfrm>
+        </p:spPr>
+        <p:txBody>
+          <a:bodyPr/>
+          <a:lstStyle/>
+          <a:p>
+            <a:r>
+              <a:rPr lang="en-US" sz="3600" dirty="0" smtClean="0"/>
+              <a:t>Packet Library (PktLib)</a:t>
+            </a:r>
+            <a:endParaRPr lang="en-US" sz="3600" dirty="0"/>
+          </a:p>
+        </p:txBody>
+      </p:sp>
+      <p:sp>
+        <p:nvSpPr>
+          <p:cNvPr id="3" name="Content Placeholder 2"/>
+          <p:cNvSpPr>
+            <a:spLocks noGrp="1"/>
+          </p:cNvSpPr>
+          <p:nvPr>
+            <p:ph idx="1"/>
+          </p:nvPr>
+        </p:nvSpPr>
+        <p:spPr>
+          <a:xfrm>
+            <a:off x="304800" y="1905000"/>
+            <a:ext cx="8229600" cy="3429000"/>
+          </a:xfrm>
+        </p:spPr>
+        <p:txBody>
+          <a:bodyPr/>
+          <a:lstStyle/>
+          <a:p>
+            <a:r>
+              <a:rPr lang="en-US" dirty="0" smtClean="0"/>
+              <a:t>Purpose: High-level library to allocate packets and manipulate packets used by different types of channels.</a:t>
+            </a:r>
+          </a:p>
+          <a:p>
+            <a:r>
+              <a:rPr lang="en-US" dirty="0" smtClean="0"/>
+              <a:t>Enhance capabilities of packet manipulation</a:t>
+            </a:r>
+          </a:p>
+          <a:p>
+            <a:r>
+              <a:rPr lang="en-US" dirty="0" smtClean="0"/>
+              <a:t>Enhance Heap manipulation</a:t>
+            </a:r>
+          </a:p>
+          <a:p>
+            <a:pPr>
+              <a:buNone/>
+            </a:pPr>
+            <a:endParaRPr lang="en-US" dirty="0" smtClean="0"/>
+          </a:p>
+          <a:p>
+            <a:pPr lvl="1"/>
+            <a:endParaRPr lang="en-US" dirty="0" smtClean="0"/>
+          </a:p>
+          <a:p>
+            <a:endParaRPr lang="en-US" dirty="0"/>
+          </a:p>
+        </p:txBody>
+      </p:sp>
+    </p:spTree>
+  </p:cSld>
+  <p:clrMapOvr>
+    <a:masterClrMapping/>
+  </p:clrMapOvr>
+  <p:transition/>
+</p:sld>
+</file>
+
+<file path=ppt/slides/slide75.xml><?xml version="1.0" encoding="utf-8"?>
+<p:sld xmlns:a="http://schemas.openxmlformats.org/drawingml/2006/main" xmlns:r="http://schemas.openxmlformats.org/officeDocument/2006/relationships" xmlns:p="http://schemas.openxmlformats.org/presentationml/2006/main" show="0">
+  <p:cSld>
+    <p:spTree>
+      <p:nvGrpSpPr>
+        <p:cNvPr id="1" name=""/>
+        <p:cNvGrpSpPr/>
+        <p:nvPr/>
+      </p:nvGrpSpPr>
+      <p:grpSpPr>
+        <a:xfrm>
+          <a:off x="0" y="0"/>
+          <a:ext cx="0" cy="0"/>
+          <a:chOff x="0" y="0"/>
+          <a:chExt cx="0" cy="0"/>
+        </a:xfrm>
+      </p:grpSpPr>
+      <p:sp>
+        <p:nvSpPr>
+          <p:cNvPr id="2" name="Title 1"/>
+          <p:cNvSpPr>
+            <a:spLocks noGrp="1"/>
+          </p:cNvSpPr>
+          <p:nvPr>
+            <p:ph type="title"/>
+          </p:nvPr>
+        </p:nvSpPr>
+        <p:spPr>
+          <a:xfrm>
+            <a:off x="457200" y="76200"/>
+            <a:ext cx="8229600" cy="838200"/>
+          </a:xfrm>
+        </p:spPr>
+        <p:txBody>
+          <a:bodyPr/>
+          <a:lstStyle/>
+          <a:p>
+            <a:r>
+              <a:rPr lang="en-US" sz="3600" dirty="0" smtClean="0"/>
+              <a:t>Heap Allocation</a:t>
+            </a:r>
+            <a:endParaRPr lang="en-US" sz="3600" dirty="0"/>
+          </a:p>
+        </p:txBody>
+      </p:sp>
+      <p:sp>
+        <p:nvSpPr>
+          <p:cNvPr id="3" name="Content Placeholder 2"/>
+          <p:cNvSpPr>
+            <a:spLocks noGrp="1"/>
+          </p:cNvSpPr>
+          <p:nvPr>
+            <p:ph idx="1"/>
+          </p:nvPr>
+        </p:nvSpPr>
+        <p:spPr>
+          <a:xfrm>
+            <a:off x="228600" y="1066800"/>
+            <a:ext cx="8229600" cy="5029200"/>
+          </a:xfrm>
+        </p:spPr>
+        <p:txBody>
+          <a:bodyPr/>
+          <a:lstStyle/>
+          <a:p>
+            <a:r>
+              <a:rPr lang="en-US" dirty="0" smtClean="0"/>
+              <a:t>Heap creation supports shared heaps and private heaps.</a:t>
+            </a:r>
+          </a:p>
+          <a:p>
+            <a:r>
+              <a:rPr lang="en-US" dirty="0" smtClean="0"/>
+              <a:t>Heap is identified by name. It contains Data buffer Packets or Zero Buffer Packets</a:t>
+            </a:r>
+          </a:p>
+          <a:p>
+            <a:r>
+              <a:rPr lang="en-US" dirty="0" smtClean="0"/>
+              <a:t>Heap size is determined by application.</a:t>
+            </a:r>
+          </a:p>
+          <a:p>
+            <a:r>
+              <a:rPr lang="en-US" dirty="0" smtClean="0"/>
+              <a:t>Typical pktlib functions:</a:t>
+            </a:r>
+          </a:p>
+          <a:p>
+            <a:pPr lvl="1"/>
+            <a:r>
+              <a:rPr lang="en-US" dirty="0" smtClean="0"/>
+              <a:t>Pktlib_createHeap</a:t>
+            </a:r>
+          </a:p>
+          <a:p>
+            <a:pPr lvl="1"/>
+            <a:r>
+              <a:rPr lang="en-US" dirty="0" smtClean="0"/>
+              <a:t>Pktlib_findHeapbyName</a:t>
+            </a:r>
+          </a:p>
+          <a:p>
+            <a:pPr lvl="1"/>
+            <a:r>
+              <a:rPr lang="en-US" dirty="0" smtClean="0"/>
+              <a:t>Pktlib_allocPacket</a:t>
+            </a:r>
+          </a:p>
+          <a:p>
+            <a:pPr lvl="1">
+              <a:buNone/>
+            </a:pPr>
+            <a:endParaRPr lang="en-US" dirty="0" smtClean="0"/>
+          </a:p>
+          <a:p>
+            <a:pPr>
+              <a:buNone/>
+            </a:pPr>
+            <a:endParaRPr lang="en-US" dirty="0" smtClean="0"/>
+          </a:p>
+          <a:p>
+            <a:pPr lvl="1"/>
+            <a:endParaRPr lang="en-US" dirty="0" smtClean="0"/>
+          </a:p>
+          <a:p>
+            <a:endParaRPr lang="en-US" dirty="0"/>
+          </a:p>
+        </p:txBody>
+      </p:sp>
+    </p:spTree>
+  </p:cSld>
+  <p:clrMapOvr>
+    <a:masterClrMapping/>
+  </p:clrMapOvr>
+  <p:transition/>
+</p:sld>
+</file>
+
+<file path=ppt/slides/slide76.xml><?xml version="1.0" encoding="utf-8"?>
+<p:sld xmlns:a="http://schemas.openxmlformats.org/drawingml/2006/main" xmlns:r="http://schemas.openxmlformats.org/officeDocument/2006/relationships" xmlns:p="http://schemas.openxmlformats.org/presentationml/2006/main" show="0">
+  <p:cSld>
+    <p:spTree>
+      <p:nvGrpSpPr>
+        <p:cNvPr id="1" name=""/>
+        <p:cNvGrpSpPr/>
+        <p:nvPr/>
+      </p:nvGrpSpPr>
+      <p:grpSpPr>
+        <a:xfrm>
+          <a:off x="0" y="0"/>
+          <a:ext cx="0" cy="0"/>
+          <a:chOff x="0" y="0"/>
+          <a:chExt cx="0" cy="0"/>
+        </a:xfrm>
+      </p:grpSpPr>
+      <p:sp>
+        <p:nvSpPr>
+          <p:cNvPr id="2" name="Title 1"/>
+          <p:cNvSpPr>
+            <a:spLocks noGrp="1"/>
+          </p:cNvSpPr>
+          <p:nvPr>
+            <p:ph type="title"/>
+          </p:nvPr>
+        </p:nvSpPr>
+        <p:spPr>
+          <a:xfrm>
+            <a:off x="457200" y="76200"/>
+            <a:ext cx="8229600" cy="838200"/>
+          </a:xfrm>
+        </p:spPr>
+        <p:txBody>
+          <a:bodyPr/>
+          <a:lstStyle/>
+          <a:p>
+            <a:r>
+              <a:rPr lang="en-US" sz="3600" dirty="0" smtClean="0"/>
+              <a:t>Packet Manipulations</a:t>
+            </a:r>
+            <a:endParaRPr lang="en-US" sz="3600" dirty="0"/>
+          </a:p>
+        </p:txBody>
+      </p:sp>
+      <p:sp>
+        <p:nvSpPr>
+          <p:cNvPr id="3" name="Content Placeholder 2"/>
+          <p:cNvSpPr>
+            <a:spLocks noGrp="1"/>
+          </p:cNvSpPr>
+          <p:nvPr>
+            <p:ph idx="1"/>
+          </p:nvPr>
+        </p:nvSpPr>
+        <p:spPr>
+          <a:xfrm>
+            <a:off x="228600" y="1066800"/>
+            <a:ext cx="8229600" cy="5029200"/>
+          </a:xfrm>
+        </p:spPr>
+        <p:txBody>
+          <a:bodyPr/>
+          <a:lstStyle/>
+          <a:p>
+            <a:r>
+              <a:rPr lang="en-US" dirty="0" smtClean="0"/>
+              <a:t>Merge multiple packets into one (linked) packet</a:t>
+            </a:r>
+          </a:p>
+          <a:p>
+            <a:r>
+              <a:rPr lang="en-US" dirty="0" smtClean="0"/>
+              <a:t>Clone packet</a:t>
+            </a:r>
+          </a:p>
+          <a:p>
+            <a:r>
+              <a:rPr lang="en-US" dirty="0" smtClean="0"/>
+              <a:t>Split Packet into multiple packets</a:t>
+            </a:r>
+          </a:p>
+          <a:p>
+            <a:r>
+              <a:rPr lang="en-US" dirty="0" smtClean="0"/>
+              <a:t>Typical pktlib functions:</a:t>
+            </a:r>
+          </a:p>
+          <a:p>
+            <a:pPr lvl="1"/>
+            <a:r>
+              <a:rPr lang="en-US" dirty="0" smtClean="0"/>
+              <a:t>Pktlib_packetMerge</a:t>
+            </a:r>
+          </a:p>
+          <a:p>
+            <a:pPr lvl="1"/>
+            <a:r>
+              <a:rPr lang="en-US" dirty="0" smtClean="0"/>
+              <a:t>Pktlib_clonePacket</a:t>
+            </a:r>
+          </a:p>
+          <a:p>
+            <a:pPr lvl="1"/>
+            <a:r>
+              <a:rPr lang="en-US" dirty="0" smtClean="0"/>
+              <a:t>Pktlib_splitPacket</a:t>
+            </a:r>
+          </a:p>
+          <a:p>
+            <a:endParaRPr lang="en-US" dirty="0" smtClean="0"/>
+          </a:p>
+          <a:p>
+            <a:pPr>
+              <a:buNone/>
+            </a:pPr>
+            <a:endParaRPr lang="en-US" dirty="0" smtClean="0"/>
+          </a:p>
+          <a:p>
+            <a:pPr lvl="1"/>
+            <a:endParaRPr lang="en-US" dirty="0" smtClean="0"/>
+          </a:p>
+          <a:p>
+            <a:endParaRPr lang="en-US" dirty="0"/>
+          </a:p>
+        </p:txBody>
+      </p:sp>
+    </p:spTree>
+  </p:cSld>
+  <p:clrMapOvr>
+    <a:masterClrMapping/>
+  </p:clrMapOvr>
+  <p:transition/>
+</p:sld>
+</file>
+
+<file path=ppt/slides/slide77.xml><?xml version="1.0" encoding="utf-8"?>
+<p:sld xmlns:a="http://schemas.openxmlformats.org/drawingml/2006/main" xmlns:r="http://schemas.openxmlformats.org/officeDocument/2006/relationships" xmlns:p="http://schemas.openxmlformats.org/presentationml/2006/main" show="0">
+  <p:cSld>
+    <p:spTree>
+      <p:nvGrpSpPr>
+        <p:cNvPr id="1" name=""/>
+        <p:cNvGrpSpPr/>
+        <p:nvPr/>
+      </p:nvGrpSpPr>
+      <p:grpSpPr>
+        <a:xfrm>
+          <a:off x="0" y="0"/>
+          <a:ext cx="0" cy="0"/>
+          <a:chOff x="0" y="0"/>
+          <a:chExt cx="0" cy="0"/>
+        </a:xfrm>
+      </p:grpSpPr>
+      <p:sp>
+        <p:nvSpPr>
+          <p:cNvPr id="2" name="Title 1"/>
+          <p:cNvSpPr>
+            <a:spLocks noGrp="1"/>
+          </p:cNvSpPr>
+          <p:nvPr>
+            <p:ph type="title"/>
+          </p:nvPr>
+        </p:nvSpPr>
+        <p:spPr>
+          <a:xfrm>
+            <a:off x="457200" y="76200"/>
+            <a:ext cx="8229600" cy="838200"/>
+          </a:xfrm>
+        </p:spPr>
+        <p:txBody>
+          <a:bodyPr/>
+          <a:lstStyle/>
+          <a:p>
+            <a:r>
+              <a:rPr lang="en-US" sz="3600" dirty="0" smtClean="0"/>
+              <a:t>PktLib: Additional Features</a:t>
+            </a:r>
+            <a:endParaRPr lang="en-US" sz="3600" dirty="0"/>
+          </a:p>
+        </p:txBody>
+      </p:sp>
+      <p:sp>
+        <p:nvSpPr>
+          <p:cNvPr id="3" name="Content Placeholder 2"/>
+          <p:cNvSpPr>
+            <a:spLocks noGrp="1"/>
+          </p:cNvSpPr>
+          <p:nvPr>
+            <p:ph idx="1"/>
+          </p:nvPr>
+        </p:nvSpPr>
+        <p:spPr>
+          <a:xfrm>
+            <a:off x="228600" y="1905000"/>
+            <a:ext cx="8229600" cy="4191000"/>
+          </a:xfrm>
+        </p:spPr>
+        <p:txBody>
+          <a:bodyPr/>
+          <a:lstStyle/>
+          <a:p>
+            <a:r>
+              <a:rPr lang="en-US" dirty="0" smtClean="0"/>
+              <a:t>Clean up and garbage collection (especially for clone packets and split packets)</a:t>
+            </a:r>
+          </a:p>
+          <a:p>
+            <a:r>
+              <a:rPr lang="en-US" dirty="0" smtClean="0"/>
+              <a:t>Heap statistics</a:t>
+            </a:r>
+          </a:p>
+          <a:p>
+            <a:r>
+              <a:rPr lang="en-US" dirty="0" smtClean="0"/>
+              <a:t>Cache coherency</a:t>
+            </a:r>
+          </a:p>
+          <a:p>
+            <a:endParaRPr lang="en-US" dirty="0" smtClean="0"/>
+          </a:p>
+          <a:p>
+            <a:endParaRPr lang="en-US" dirty="0" smtClean="0"/>
+          </a:p>
+          <a:p>
+            <a:pPr>
+              <a:buNone/>
+            </a:pPr>
+            <a:endParaRPr lang="en-US" dirty="0" smtClean="0"/>
+          </a:p>
+          <a:p>
+            <a:pPr lvl="1"/>
+            <a:endParaRPr lang="en-US" dirty="0" smtClean="0"/>
+          </a:p>
+          <a:p>
+            <a:endParaRPr lang="en-US" dirty="0"/>
+          </a:p>
+        </p:txBody>
+      </p:sp>
+    </p:spTree>
+  </p:cSld>
+  <p:clrMapOvr>
+    <a:masterClrMapping/>
+  </p:clrMapOvr>
+  <p:transition/>
+</p:sld>
+</file>
+
+<file path=ppt/slides/slide78.xml><?xml version="1.0" encoding="utf-8"?>
+<p:sld xmlns:a="http://schemas.openxmlformats.org/drawingml/2006/main" xmlns:r="http://schemas.openxmlformats.org/officeDocument/2006/relationships" xmlns:p="http://schemas.openxmlformats.org/presentationml/2006/main">
+  <p:cSld>
+    <p:spTree>
+      <p:nvGrpSpPr>
+        <p:cNvPr id="1" name=""/>
+        <p:cNvGrpSpPr/>
+        <p:nvPr/>
+      </p:nvGrpSpPr>
+      <p:grpSpPr>
+        <a:xfrm>
+          <a:off x="0" y="0"/>
+          <a:ext cx="0" cy="0"/>
+          <a:chOff x="0" y="0"/>
+          <a:chExt cx="0" cy="0"/>
+        </a:xfrm>
+      </p:grpSpPr>
+      <p:sp>
+        <p:nvSpPr>
+          <p:cNvPr id="2" name="Title 1"/>
+          <p:cNvSpPr>
+            <a:spLocks noGrp="1"/>
+          </p:cNvSpPr>
+          <p:nvPr>
+            <p:ph type="title"/>
+          </p:nvPr>
+        </p:nvSpPr>
         <p:spPr/>
         <p:txBody>
           <a:bodyPr/>
@@ -17392,7 +18536,7 @@
                 </a:solidFill>
               </a:rPr>
               <a:pPr/>
-              <a:t>71</a:t>
+              <a:t>78</a:t>
             </a:fld>
             <a:endParaRPr lang="en-US" dirty="0">
               <a:solidFill>
@@ -17464,10 +18608,17 @@
   <p:clrMapOvr>
     <a:masterClrMapping/>
   </p:clrMapOvr>
+  <p:timing>
+    <p:tnLst>
+      <p:par>
+        <p:cTn id="1" dur="indefinite" restart="never" nodeType="tmRoot"/>
+      </p:par>
+    </p:tnLst>
+  </p:timing>
 </p:sld>
 </file>
 
-<file path=ppt/slides/slide72.xml><?xml version="1.0" encoding="utf-8"?>
+<file path=ppt/slides/slide79.xml><?xml version="1.0" encoding="utf-8"?>
 <p:sld xmlns:a="http://schemas.openxmlformats.org/drawingml/2006/main" xmlns:r="http://schemas.openxmlformats.org/officeDocument/2006/relationships" xmlns:p="http://schemas.openxmlformats.org/presentationml/2006/main">
   <p:cSld>
     <p:spTree>
@@ -17579,7 +18730,7 @@
                 </a:solidFill>
               </a:rPr>
               <a:pPr/>
-              <a:t>72</a:t>
+              <a:t>79</a:t>
             </a:fld>
             <a:endParaRPr lang="en-US" dirty="0">
               <a:solidFill>
@@ -17593,850 +18744,6 @@
     <p:extLst>
       <p:ext uri="{BB962C8B-B14F-4D97-AF65-F5344CB8AC3E}">
         <p14:creationId xmlns="" xmlns:p14="http://schemas.microsoft.com/office/powerpoint/2010/main" val="1261934846"/>
-      </p:ext>
-    </p:extLst>
-  </p:cSld>
-  <p:clrMapOvr>
-    <a:masterClrMapping/>
-  </p:clrMapOvr>
-</p:sld>
-</file>
-
-<file path=ppt/slides/slide73.xml><?xml version="1.0" encoding="utf-8"?>
-<p:sld xmlns:a="http://schemas.openxmlformats.org/drawingml/2006/main" xmlns:r="http://schemas.openxmlformats.org/officeDocument/2006/relationships" xmlns:p="http://schemas.openxmlformats.org/presentationml/2006/main">
-  <p:cSld>
-    <p:spTree>
-      <p:nvGrpSpPr>
-        <p:cNvPr id="1" name=""/>
-        <p:cNvGrpSpPr/>
-        <p:nvPr/>
-      </p:nvGrpSpPr>
-      <p:grpSpPr>
-        <a:xfrm>
-          <a:off x="0" y="0"/>
-          <a:ext cx="0" cy="0"/>
-          <a:chOff x="0" y="0"/>
-          <a:chExt cx="0" cy="0"/>
-        </a:xfrm>
-      </p:grpSpPr>
-      <p:sp>
-        <p:nvSpPr>
-          <p:cNvPr id="2" name="Title 1"/>
-          <p:cNvSpPr>
-            <a:spLocks noGrp="1"/>
-          </p:cNvSpPr>
-          <p:nvPr>
-            <p:ph type="title"/>
-          </p:nvPr>
-        </p:nvSpPr>
-        <p:spPr/>
-        <p:txBody>
-          <a:bodyPr/>
-          <a:lstStyle/>
-          <a:p>
-            <a:r>
-              <a:rPr lang="en-US" dirty="0" smtClean="0"/>
-              <a:t>Job Scheduler (JOSH)</a:t>
-            </a:r>
-            <a:endParaRPr lang="en-US" dirty="0"/>
-          </a:p>
-        </p:txBody>
-      </p:sp>
-      <p:sp>
-        <p:nvSpPr>
-          <p:cNvPr id="3" name="Content Placeholder 2"/>
-          <p:cNvSpPr>
-            <a:spLocks noGrp="1"/>
-          </p:cNvSpPr>
-          <p:nvPr>
-            <p:ph idx="1"/>
-          </p:nvPr>
-        </p:nvSpPr>
-        <p:spPr/>
-        <p:txBody>
-          <a:bodyPr/>
-          <a:lstStyle/>
-          <a:p>
-            <a:r>
-              <a:rPr lang="en-US" dirty="0" smtClean="0"/>
-              <a:t>Allows function call made on one processing element to be executed on another processing element</a:t>
-            </a:r>
-          </a:p>
-          <a:p>
-            <a:r>
-              <a:rPr lang="en-US" dirty="0" smtClean="0"/>
-              <a:t>Defines a prototype for a job/function call</a:t>
-            </a:r>
-          </a:p>
-          <a:p>
-            <a:r>
-              <a:rPr lang="en-US" dirty="0" smtClean="0"/>
-              <a:t>For DSP to understand what ARM is saying (or vice versa), “execute this particular function on DSP”</a:t>
-            </a:r>
-          </a:p>
-          <a:p>
-            <a:pPr lvl="1"/>
-            <a:r>
-              <a:rPr lang="en-US" dirty="0"/>
-              <a:t>M</a:t>
-            </a:r>
-            <a:r>
-              <a:rPr lang="en-US" dirty="0" smtClean="0"/>
-              <a:t>ust have common message type</a:t>
-            </a:r>
-          </a:p>
-          <a:p>
-            <a:r>
-              <a:rPr lang="en-US" b="1" dirty="0" smtClean="0"/>
-              <a:t>User </a:t>
-            </a:r>
-            <a:r>
-              <a:rPr lang="en-US" b="1" dirty="0" smtClean="0"/>
-              <a:t>application does not directly exercise any of the JOSH APIs</a:t>
-            </a:r>
-            <a:endParaRPr lang="en-US" b="1" dirty="0"/>
-          </a:p>
-        </p:txBody>
-      </p:sp>
-      <p:sp>
-        <p:nvSpPr>
-          <p:cNvPr id="4" name="Slide Number Placeholder 3"/>
-          <p:cNvSpPr>
-            <a:spLocks noGrp="1"/>
-          </p:cNvSpPr>
-          <p:nvPr>
-            <p:ph type="sldNum" sz="quarter" idx="4294967295"/>
-          </p:nvPr>
-        </p:nvSpPr>
-        <p:spPr>
-          <a:xfrm>
-            <a:off x="6642100" y="6049963"/>
-            <a:ext cx="2133600" cy="206375"/>
-          </a:xfrm>
-          <a:prstGeom prst="rect">
-            <a:avLst/>
-          </a:prstGeom>
-        </p:spPr>
-        <p:txBody>
-          <a:bodyPr/>
-          <a:lstStyle/>
-          <a:p>
-            <a:fld id="{3B20521C-F793-4067-BB07-C7AF74E21EF3}" type="slidenum">
-              <a:rPr lang="en-US" smtClean="0">
-                <a:solidFill>
-                  <a:srgbClr val="000000"/>
-                </a:solidFill>
-              </a:rPr>
-              <a:pPr/>
-              <a:t>73</a:t>
-            </a:fld>
-            <a:endParaRPr lang="en-US" dirty="0">
-              <a:solidFill>
-                <a:srgbClr val="000000"/>
-              </a:solidFill>
-            </a:endParaRPr>
-          </a:p>
-        </p:txBody>
-      </p:sp>
-    </p:spTree>
-    <p:extLst>
-      <p:ext uri="{BB962C8B-B14F-4D97-AF65-F5344CB8AC3E}">
-        <p14:creationId xmlns="" xmlns:p14="http://schemas.microsoft.com/office/powerpoint/2010/main" val="873158125"/>
-      </p:ext>
-    </p:extLst>
-  </p:cSld>
-  <p:clrMapOvr>
-    <a:masterClrMapping/>
-  </p:clrMapOvr>
-</p:sld>
-</file>
-
-<file path=ppt/slides/slide74.xml><?xml version="1.0" encoding="utf-8"?>
-<p:sld xmlns:a="http://schemas.openxmlformats.org/drawingml/2006/main" xmlns:r="http://schemas.openxmlformats.org/officeDocument/2006/relationships" xmlns:p="http://schemas.openxmlformats.org/presentationml/2006/main">
-  <p:cSld>
-    <p:spTree>
-      <p:nvGrpSpPr>
-        <p:cNvPr id="1" name=""/>
-        <p:cNvGrpSpPr/>
-        <p:nvPr/>
-      </p:nvGrpSpPr>
-      <p:grpSpPr>
-        <a:xfrm>
-          <a:off x="0" y="0"/>
-          <a:ext cx="0" cy="0"/>
-          <a:chOff x="0" y="0"/>
-          <a:chExt cx="0" cy="0"/>
-        </a:xfrm>
-      </p:grpSpPr>
-      <p:sp>
-        <p:nvSpPr>
-          <p:cNvPr id="2" name="Title 1"/>
-          <p:cNvSpPr>
-            <a:spLocks noGrp="1"/>
-          </p:cNvSpPr>
-          <p:nvPr>
-            <p:ph type="title"/>
-          </p:nvPr>
-        </p:nvSpPr>
-        <p:spPr/>
-        <p:txBody>
-          <a:bodyPr/>
-          <a:lstStyle/>
-          <a:p>
-            <a:r>
-              <a:rPr lang="en-US" dirty="0" smtClean="0"/>
-              <a:t>Agent</a:t>
-            </a:r>
-            <a:endParaRPr lang="en-US" dirty="0"/>
-          </a:p>
-        </p:txBody>
-      </p:sp>
-      <p:sp>
-        <p:nvSpPr>
-          <p:cNvPr id="3" name="Content Placeholder 2"/>
-          <p:cNvSpPr>
-            <a:spLocks noGrp="1"/>
-          </p:cNvSpPr>
-          <p:nvPr>
-            <p:ph idx="1"/>
-          </p:nvPr>
-        </p:nvSpPr>
-        <p:spPr/>
-        <p:txBody>
-          <a:bodyPr/>
-          <a:lstStyle/>
-          <a:p>
-            <a:r>
-              <a:rPr lang="en-US" dirty="0" smtClean="0"/>
-              <a:t>Module which implements remote procedure calls between the ARM and the DSP</a:t>
-            </a:r>
-          </a:p>
-          <a:p>
-            <a:r>
-              <a:rPr lang="en-US" dirty="0" smtClean="0"/>
-              <a:t>Main purpose is to sync resources between ARM and DSP</a:t>
-            </a:r>
-          </a:p>
-          <a:p>
-            <a:pPr lvl="1"/>
-            <a:r>
-              <a:rPr lang="en-US" dirty="0" smtClean="0"/>
-              <a:t>Utilizes msgcom control path to sync updates about resources – creation, deletion, modification</a:t>
-            </a:r>
-          </a:p>
-          <a:p>
-            <a:r>
-              <a:rPr lang="en-US" dirty="0" smtClean="0"/>
-              <a:t>Must have separate instance of Agent for each DSP core being used.  </a:t>
-            </a:r>
-          </a:p>
-        </p:txBody>
-      </p:sp>
-      <p:sp>
-        <p:nvSpPr>
-          <p:cNvPr id="4" name="Slide Number Placeholder 3"/>
-          <p:cNvSpPr>
-            <a:spLocks noGrp="1"/>
-          </p:cNvSpPr>
-          <p:nvPr>
-            <p:ph type="sldNum" sz="quarter" idx="4294967295"/>
-          </p:nvPr>
-        </p:nvSpPr>
-        <p:spPr>
-          <a:xfrm>
-            <a:off x="6642100" y="6049963"/>
-            <a:ext cx="2133600" cy="206375"/>
-          </a:xfrm>
-          <a:prstGeom prst="rect">
-            <a:avLst/>
-          </a:prstGeom>
-        </p:spPr>
-        <p:txBody>
-          <a:bodyPr/>
-          <a:lstStyle/>
-          <a:p>
-            <a:fld id="{3B20521C-F793-4067-BB07-C7AF74E21EF3}" type="slidenum">
-              <a:rPr lang="en-US" smtClean="0">
-                <a:solidFill>
-                  <a:srgbClr val="000000"/>
-                </a:solidFill>
-              </a:rPr>
-              <a:pPr/>
-              <a:t>74</a:t>
-            </a:fld>
-            <a:endParaRPr lang="en-US" dirty="0">
-              <a:solidFill>
-                <a:srgbClr val="000000"/>
-              </a:solidFill>
-            </a:endParaRPr>
-          </a:p>
-        </p:txBody>
-      </p:sp>
-    </p:spTree>
-    <p:extLst>
-      <p:ext uri="{BB962C8B-B14F-4D97-AF65-F5344CB8AC3E}">
-        <p14:creationId xmlns="" xmlns:p14="http://schemas.microsoft.com/office/powerpoint/2010/main" val="519158970"/>
-      </p:ext>
-    </p:extLst>
-  </p:cSld>
-  <p:clrMapOvr>
-    <a:masterClrMapping/>
-  </p:clrMapOvr>
-</p:sld>
-</file>
-
-<file path=ppt/slides/slide75.xml><?xml version="1.0" encoding="utf-8"?>
-<p:sld xmlns:a="http://schemas.openxmlformats.org/drawingml/2006/main" xmlns:r="http://schemas.openxmlformats.org/officeDocument/2006/relationships" xmlns:p="http://schemas.openxmlformats.org/presentationml/2006/main">
-  <p:cSld>
-    <p:spTree>
-      <p:nvGrpSpPr>
-        <p:cNvPr id="1" name=""/>
-        <p:cNvGrpSpPr/>
-        <p:nvPr/>
-      </p:nvGrpSpPr>
-      <p:grpSpPr>
-        <a:xfrm>
-          <a:off x="0" y="0"/>
-          <a:ext cx="0" cy="0"/>
-          <a:chOff x="0" y="0"/>
-          <a:chExt cx="0" cy="0"/>
-        </a:xfrm>
-      </p:grpSpPr>
-      <p:sp>
-        <p:nvSpPr>
-          <p:cNvPr id="2" name="Title 1"/>
-          <p:cNvSpPr>
-            <a:spLocks noGrp="1"/>
-          </p:cNvSpPr>
-          <p:nvPr>
-            <p:ph type="title"/>
-          </p:nvPr>
-        </p:nvSpPr>
-        <p:spPr/>
-        <p:txBody>
-          <a:bodyPr/>
-          <a:lstStyle/>
-          <a:p>
-            <a:r>
-              <a:rPr lang="en-US" dirty="0" smtClean="0"/>
-              <a:t>DSP Agent Creation </a:t>
-            </a:r>
-            <a:endParaRPr lang="en-US" dirty="0"/>
-          </a:p>
-        </p:txBody>
-      </p:sp>
-      <p:sp>
-        <p:nvSpPr>
-          <p:cNvPr id="3" name="Content Placeholder 2"/>
-          <p:cNvSpPr>
-            <a:spLocks noGrp="1"/>
-          </p:cNvSpPr>
-          <p:nvPr>
-            <p:ph idx="1"/>
-          </p:nvPr>
-        </p:nvSpPr>
-        <p:spPr/>
-        <p:txBody>
-          <a:bodyPr/>
-          <a:lstStyle/>
-          <a:p>
-            <a:r>
-              <a:rPr lang="en-US" dirty="0" smtClean="0"/>
-              <a:t>Agent has to be initialized on DSP before any remote function calls made</a:t>
-            </a:r>
-          </a:p>
-          <a:p>
-            <a:r>
-              <a:rPr lang="en-US" dirty="0" smtClean="0"/>
-              <a:t>Agent initialization requires a shared memory address in DDR3</a:t>
-            </a:r>
-          </a:p>
-          <a:p>
-            <a:pPr lvl="1"/>
-            <a:r>
-              <a:rPr lang="en-US" dirty="0" smtClean="0"/>
-              <a:t>Must reserve 4096 bytes of memory in DSP linker</a:t>
-            </a:r>
-          </a:p>
-          <a:p>
-            <a:pPr marL="341312" lvl="1" indent="0">
-              <a:buNone/>
-            </a:pPr>
-            <a:endParaRPr lang="en-US" dirty="0" smtClean="0"/>
-          </a:p>
-          <a:p>
-            <a:pPr marL="341312" lvl="1" indent="0">
-              <a:buNone/>
-            </a:pPr>
-            <a:endParaRPr lang="en-US" dirty="0"/>
-          </a:p>
-          <a:p>
-            <a:r>
-              <a:rPr lang="en-US" dirty="0" smtClean="0"/>
-              <a:t>Next, Agent must be created</a:t>
-            </a:r>
-          </a:p>
-          <a:p>
-            <a:pPr marL="0" indent="0">
-              <a:buNone/>
-            </a:pPr>
-            <a:endParaRPr lang="en-US" dirty="0" smtClean="0"/>
-          </a:p>
-          <a:p>
-            <a:pPr marL="0" indent="0">
-              <a:buNone/>
-            </a:pPr>
-            <a:endParaRPr lang="en-US" dirty="0"/>
-          </a:p>
-          <a:p>
-            <a:r>
-              <a:rPr lang="en-US" dirty="0" smtClean="0"/>
-              <a:t>Finally the Agent must be synced</a:t>
-            </a:r>
-          </a:p>
-          <a:p>
-            <a:pPr marL="0" indent="0">
-              <a:buNone/>
-            </a:pPr>
-            <a:endParaRPr lang="en-US" dirty="0" smtClean="0"/>
-          </a:p>
-        </p:txBody>
-      </p:sp>
-      <p:sp>
-        <p:nvSpPr>
-          <p:cNvPr id="4" name="Slide Number Placeholder 3"/>
-          <p:cNvSpPr>
-            <a:spLocks noGrp="1"/>
-          </p:cNvSpPr>
-          <p:nvPr>
-            <p:ph type="sldNum" sz="quarter" idx="4294967295"/>
-          </p:nvPr>
-        </p:nvSpPr>
-        <p:spPr>
-          <a:xfrm>
-            <a:off x="6642100" y="6049963"/>
-            <a:ext cx="2133600" cy="206375"/>
-          </a:xfrm>
-          <a:prstGeom prst="rect">
-            <a:avLst/>
-          </a:prstGeom>
-        </p:spPr>
-        <p:txBody>
-          <a:bodyPr/>
-          <a:lstStyle/>
-          <a:p>
-            <a:fld id="{3B20521C-F793-4067-BB07-C7AF74E21EF3}" type="slidenum">
-              <a:rPr lang="en-US" smtClean="0">
-                <a:solidFill>
-                  <a:srgbClr val="000000"/>
-                </a:solidFill>
-              </a:rPr>
-              <a:pPr/>
-              <a:t>75</a:t>
-            </a:fld>
-            <a:endParaRPr lang="en-US" dirty="0">
-              <a:solidFill>
-                <a:srgbClr val="000000"/>
-              </a:solidFill>
-            </a:endParaRPr>
-          </a:p>
-        </p:txBody>
-      </p:sp>
-      <p:pic>
-        <p:nvPicPr>
-          <p:cNvPr id="5" name="Picture 4" descr="Screen Clipping"/>
-          <p:cNvPicPr>
-            <a:picLocks noChangeAspect="1"/>
-          </p:cNvPicPr>
-          <p:nvPr/>
-        </p:nvPicPr>
-        <p:blipFill>
-          <a:blip r:embed="rId2">
-            <a:extLst>
-              <a:ext uri="{28A0092B-C50C-407E-A947-70E740481C1C}">
-                <a14:useLocalDpi xmlns="" xmlns:a14="http://schemas.microsoft.com/office/drawing/2010/main" val="0"/>
-              </a:ext>
-            </a:extLst>
-          </a:blip>
-          <a:stretch>
-            <a:fillRect/>
-          </a:stretch>
-        </p:blipFill>
-        <p:spPr>
-          <a:xfrm>
-            <a:off x="0" y="2647938"/>
-            <a:ext cx="9129149" cy="616834"/>
-          </a:xfrm>
-          <a:prstGeom prst="rect">
-            <a:avLst/>
-          </a:prstGeom>
-        </p:spPr>
-      </p:pic>
-      <p:pic>
-        <p:nvPicPr>
-          <p:cNvPr id="6" name="Picture 5" descr="Screen Clipping"/>
-          <p:cNvPicPr>
-            <a:picLocks noChangeAspect="1"/>
-          </p:cNvPicPr>
-          <p:nvPr/>
-        </p:nvPicPr>
-        <p:blipFill>
-          <a:blip r:embed="rId3">
-            <a:extLst>
-              <a:ext uri="{28A0092B-C50C-407E-A947-70E740481C1C}">
-                <a14:useLocalDpi xmlns="" xmlns:a14="http://schemas.microsoft.com/office/drawing/2010/main" val="0"/>
-              </a:ext>
-            </a:extLst>
-          </a:blip>
-          <a:stretch>
-            <a:fillRect/>
-          </a:stretch>
-        </p:blipFill>
-        <p:spPr>
-          <a:xfrm>
-            <a:off x="76200" y="3505200"/>
-            <a:ext cx="8839200" cy="670560"/>
-          </a:xfrm>
-          <a:prstGeom prst="rect">
-            <a:avLst/>
-          </a:prstGeom>
-        </p:spPr>
-      </p:pic>
-      <p:pic>
-        <p:nvPicPr>
-          <p:cNvPr id="7" name="Picture 6" descr="Screen Clipping"/>
-          <p:cNvPicPr>
-            <a:picLocks noChangeAspect="1"/>
-          </p:cNvPicPr>
-          <p:nvPr/>
-        </p:nvPicPr>
-        <p:blipFill>
-          <a:blip r:embed="rId4">
-            <a:extLst>
-              <a:ext uri="{28A0092B-C50C-407E-A947-70E740481C1C}">
-                <a14:useLocalDpi xmlns="" xmlns:a14="http://schemas.microsoft.com/office/drawing/2010/main" val="0"/>
-              </a:ext>
-            </a:extLst>
-          </a:blip>
-          <a:stretch>
-            <a:fillRect/>
-          </a:stretch>
-        </p:blipFill>
-        <p:spPr>
-          <a:xfrm>
-            <a:off x="76200" y="4776716"/>
-            <a:ext cx="8808720" cy="719080"/>
-          </a:xfrm>
-          <a:prstGeom prst="rect">
-            <a:avLst/>
-          </a:prstGeom>
-        </p:spPr>
-      </p:pic>
-    </p:spTree>
-    <p:extLst>
-      <p:ext uri="{BB962C8B-B14F-4D97-AF65-F5344CB8AC3E}">
-        <p14:creationId xmlns="" xmlns:p14="http://schemas.microsoft.com/office/powerpoint/2010/main" val="1296913141"/>
-      </p:ext>
-    </p:extLst>
-  </p:cSld>
-  <p:clrMapOvr>
-    <a:masterClrMapping/>
-  </p:clrMapOvr>
-</p:sld>
-</file>
-
-<file path=ppt/slides/slide76.xml><?xml version="1.0" encoding="utf-8"?>
-<p:sld xmlns:a="http://schemas.openxmlformats.org/drawingml/2006/main" xmlns:r="http://schemas.openxmlformats.org/officeDocument/2006/relationships" xmlns:p="http://schemas.openxmlformats.org/presentationml/2006/main">
-  <p:cSld>
-    <p:spTree>
-      <p:nvGrpSpPr>
-        <p:cNvPr id="1" name=""/>
-        <p:cNvGrpSpPr/>
-        <p:nvPr/>
-      </p:nvGrpSpPr>
-      <p:grpSpPr>
-        <a:xfrm>
-          <a:off x="0" y="0"/>
-          <a:ext cx="0" cy="0"/>
-          <a:chOff x="0" y="0"/>
-          <a:chExt cx="0" cy="0"/>
-        </a:xfrm>
-      </p:grpSpPr>
-      <p:sp>
-        <p:nvSpPr>
-          <p:cNvPr id="2" name="Title 1"/>
-          <p:cNvSpPr>
-            <a:spLocks noGrp="1"/>
-          </p:cNvSpPr>
-          <p:nvPr>
-            <p:ph type="title"/>
-          </p:nvPr>
-        </p:nvSpPr>
-        <p:spPr/>
-        <p:txBody>
-          <a:bodyPr/>
-          <a:lstStyle/>
-          <a:p>
-            <a:r>
-              <a:rPr lang="en-US" dirty="0" smtClean="0"/>
-              <a:t>Agent Receive</a:t>
-            </a:r>
-            <a:endParaRPr lang="en-US" dirty="0"/>
-          </a:p>
-        </p:txBody>
-      </p:sp>
-      <p:sp>
-        <p:nvSpPr>
-          <p:cNvPr id="3" name="Content Placeholder 2"/>
-          <p:cNvSpPr>
-            <a:spLocks noGrp="1"/>
-          </p:cNvSpPr>
-          <p:nvPr>
-            <p:ph idx="1"/>
-          </p:nvPr>
-        </p:nvSpPr>
-        <p:spPr/>
-        <p:txBody>
-          <a:bodyPr/>
-          <a:lstStyle/>
-          <a:p>
-            <a:r>
-              <a:rPr lang="en-US" dirty="0" smtClean="0"/>
-              <a:t>The Agent receive API has to be called on both ARM and DSP to receive remote function call requests</a:t>
-            </a:r>
-          </a:p>
-          <a:p>
-            <a:pPr marL="0" indent="0">
-              <a:buNone/>
-            </a:pPr>
-            <a:endParaRPr lang="en-US" dirty="0"/>
-          </a:p>
-        </p:txBody>
-      </p:sp>
-      <p:sp>
-        <p:nvSpPr>
-          <p:cNvPr id="4" name="Slide Number Placeholder 3"/>
-          <p:cNvSpPr>
-            <a:spLocks noGrp="1"/>
-          </p:cNvSpPr>
-          <p:nvPr>
-            <p:ph type="sldNum" sz="quarter" idx="4294967295"/>
-          </p:nvPr>
-        </p:nvSpPr>
-        <p:spPr>
-          <a:xfrm>
-            <a:off x="6642100" y="6049963"/>
-            <a:ext cx="2133600" cy="206375"/>
-          </a:xfrm>
-          <a:prstGeom prst="rect">
-            <a:avLst/>
-          </a:prstGeom>
-        </p:spPr>
-        <p:txBody>
-          <a:bodyPr/>
-          <a:lstStyle/>
-          <a:p>
-            <a:fld id="{3B20521C-F793-4067-BB07-C7AF74E21EF3}" type="slidenum">
-              <a:rPr lang="en-US" smtClean="0">
-                <a:solidFill>
-                  <a:srgbClr val="000000"/>
-                </a:solidFill>
-              </a:rPr>
-              <a:pPr/>
-              <a:t>76</a:t>
-            </a:fld>
-            <a:endParaRPr lang="en-US" dirty="0">
-              <a:solidFill>
-                <a:srgbClr val="000000"/>
-              </a:solidFill>
-            </a:endParaRPr>
-          </a:p>
-        </p:txBody>
-      </p:sp>
-      <p:pic>
-        <p:nvPicPr>
-          <p:cNvPr id="5" name="Picture 4" descr="Screen Clipping"/>
-          <p:cNvPicPr>
-            <a:picLocks noChangeAspect="1"/>
-          </p:cNvPicPr>
-          <p:nvPr/>
-        </p:nvPicPr>
-        <p:blipFill>
-          <a:blip r:embed="rId2">
-            <a:extLst>
-              <a:ext uri="{28A0092B-C50C-407E-A947-70E740481C1C}">
-                <a14:useLocalDpi xmlns="" xmlns:a14="http://schemas.microsoft.com/office/drawing/2010/main" val="0"/>
-              </a:ext>
-            </a:extLst>
-          </a:blip>
-          <a:stretch>
-            <a:fillRect/>
-          </a:stretch>
-        </p:blipFill>
-        <p:spPr>
-          <a:xfrm>
-            <a:off x="0" y="1954598"/>
-            <a:ext cx="8991600" cy="542597"/>
-          </a:xfrm>
-          <a:prstGeom prst="rect">
-            <a:avLst/>
-          </a:prstGeom>
-        </p:spPr>
-      </p:pic>
-      <p:pic>
-        <p:nvPicPr>
-          <p:cNvPr id="6" name="Picture 5" descr="Screen Clipping"/>
-          <p:cNvPicPr>
-            <a:picLocks noChangeAspect="1"/>
-          </p:cNvPicPr>
-          <p:nvPr/>
-        </p:nvPicPr>
-        <p:blipFill>
-          <a:blip r:embed="rId3">
-            <a:extLst>
-              <a:ext uri="{28A0092B-C50C-407E-A947-70E740481C1C}">
-                <a14:useLocalDpi xmlns="" xmlns:a14="http://schemas.microsoft.com/office/drawing/2010/main" val="0"/>
-              </a:ext>
-            </a:extLst>
-          </a:blip>
-          <a:stretch>
-            <a:fillRect/>
-          </a:stretch>
-        </p:blipFill>
-        <p:spPr>
-          <a:xfrm>
-            <a:off x="1981200" y="2497195"/>
-            <a:ext cx="4825954" cy="3440362"/>
-          </a:xfrm>
-          <a:prstGeom prst="rect">
-            <a:avLst/>
-          </a:prstGeom>
-        </p:spPr>
-      </p:pic>
-    </p:spTree>
-    <p:extLst>
-      <p:ext uri="{BB962C8B-B14F-4D97-AF65-F5344CB8AC3E}">
-        <p14:creationId xmlns="" xmlns:p14="http://schemas.microsoft.com/office/powerpoint/2010/main" val="2292222192"/>
-      </p:ext>
-    </p:extLst>
-  </p:cSld>
-  <p:clrMapOvr>
-    <a:masterClrMapping/>
-  </p:clrMapOvr>
-</p:sld>
-</file>
-
-<file path=ppt/slides/slide77.xml><?xml version="1.0" encoding="utf-8"?>
-<p:sld xmlns:a="http://schemas.openxmlformats.org/drawingml/2006/main" xmlns:r="http://schemas.openxmlformats.org/officeDocument/2006/relationships" xmlns:p="http://schemas.openxmlformats.org/presentationml/2006/main">
-  <p:cSld>
-    <p:spTree>
-      <p:nvGrpSpPr>
-        <p:cNvPr id="1" name=""/>
-        <p:cNvGrpSpPr/>
-        <p:nvPr/>
-      </p:nvGrpSpPr>
-      <p:grpSpPr>
-        <a:xfrm>
-          <a:off x="0" y="0"/>
-          <a:ext cx="0" cy="0"/>
-          <a:chOff x="0" y="0"/>
-          <a:chExt cx="0" cy="0"/>
-        </a:xfrm>
-      </p:grpSpPr>
-      <p:sp>
-        <p:nvSpPr>
-          <p:cNvPr id="2" name="Title 1"/>
-          <p:cNvSpPr>
-            <a:spLocks noGrp="1"/>
-          </p:cNvSpPr>
-          <p:nvPr>
-            <p:ph type="title"/>
-          </p:nvPr>
-        </p:nvSpPr>
-        <p:spPr/>
-        <p:txBody>
-          <a:bodyPr/>
-          <a:lstStyle/>
-          <a:p>
-            <a:r>
-              <a:rPr lang="en-US" b="0" dirty="0" smtClean="0"/>
-              <a:t>For More Information</a:t>
-            </a:r>
-            <a:endParaRPr lang="en-US" b="0" dirty="0"/>
-          </a:p>
-        </p:txBody>
-      </p:sp>
-      <p:sp>
-        <p:nvSpPr>
-          <p:cNvPr id="3" name="Content Placeholder 2"/>
-          <p:cNvSpPr>
-            <a:spLocks noGrp="1"/>
-          </p:cNvSpPr>
-          <p:nvPr>
-            <p:ph idx="1"/>
-          </p:nvPr>
-        </p:nvSpPr>
-        <p:spPr/>
-        <p:txBody>
-          <a:bodyPr/>
-          <a:lstStyle/>
-          <a:p>
-            <a:r>
-              <a:rPr lang="en-US" dirty="0" smtClean="0"/>
-              <a:t>Software downloads and device-specific Data Manuals for the KeyStone II SoCs can be found at </a:t>
-            </a:r>
-            <a:r>
-              <a:rPr lang="en-US" dirty="0" smtClean="0">
-                <a:hlinkClick r:id="rId2"/>
-              </a:rPr>
-              <a:t>TI.com/multicore</a:t>
-            </a:r>
-            <a:r>
-              <a:rPr lang="en-US" dirty="0" smtClean="0"/>
-              <a:t>.</a:t>
-            </a:r>
-          </a:p>
-          <a:p>
-            <a:r>
-              <a:rPr lang="en-US" dirty="0" smtClean="0"/>
-              <a:t>For articles related to multicore software and tools, refer to the </a:t>
-            </a:r>
-            <a:r>
-              <a:rPr lang="en-US" dirty="0" smtClean="0">
-                <a:hlinkClick r:id="rId3"/>
-              </a:rPr>
-              <a:t>Embedded Processors Wiki for the KeyStone Device Architecture</a:t>
-            </a:r>
-            <a:r>
-              <a:rPr lang="en-US" dirty="0" smtClean="0"/>
-              <a:t>.</a:t>
-            </a:r>
-          </a:p>
-          <a:p>
-            <a:r>
-              <a:rPr lang="en-US" dirty="0" smtClean="0"/>
-              <a:t>For questions regarding topics covered in this training, visit the support forums at the</a:t>
-            </a:r>
-            <a:br>
-              <a:rPr lang="en-US" dirty="0" smtClean="0"/>
-            </a:br>
-            <a:r>
-              <a:rPr lang="en-US" dirty="0" smtClean="0">
-                <a:hlinkClick r:id="rId4"/>
-              </a:rPr>
-              <a:t>TI E2E Community</a:t>
-            </a:r>
-            <a:r>
-              <a:rPr lang="en-US" dirty="0" smtClean="0"/>
-              <a:t> website.</a:t>
-            </a:r>
-          </a:p>
-        </p:txBody>
-      </p:sp>
-    </p:spTree>
-    <p:extLst>
-      <p:ext uri="{BB962C8B-B14F-4D97-AF65-F5344CB8AC3E}">
-        <p14:creationId xmlns:p14="http://schemas.microsoft.com/office/powerpoint/2010/main" xmlns="" val="1759977180"/>
       </p:ext>
     </p:extLst>
   </p:cSld>
@@ -18561,6 +18868,761 @@
   <p:clrMapOvr>
     <a:masterClrMapping/>
   </p:clrMapOvr>
+  <p:timing>
+    <p:tnLst>
+      <p:par>
+        <p:cTn id="1" dur="indefinite" restart="never" nodeType="tmRoot"/>
+      </p:par>
+    </p:tnLst>
+  </p:timing>
+</p:sld>
+</file>
+
+<file path=ppt/slides/slide80.xml><?xml version="1.0" encoding="utf-8"?>
+<p:sld xmlns:a="http://schemas.openxmlformats.org/drawingml/2006/main" xmlns:r="http://schemas.openxmlformats.org/officeDocument/2006/relationships" xmlns:p="http://schemas.openxmlformats.org/presentationml/2006/main">
+  <p:cSld>
+    <p:spTree>
+      <p:nvGrpSpPr>
+        <p:cNvPr id="1" name=""/>
+        <p:cNvGrpSpPr/>
+        <p:nvPr/>
+      </p:nvGrpSpPr>
+      <p:grpSpPr>
+        <a:xfrm>
+          <a:off x="0" y="0"/>
+          <a:ext cx="0" cy="0"/>
+          <a:chOff x="0" y="0"/>
+          <a:chExt cx="0" cy="0"/>
+        </a:xfrm>
+      </p:grpSpPr>
+      <p:sp>
+        <p:nvSpPr>
+          <p:cNvPr id="2" name="Title 1"/>
+          <p:cNvSpPr>
+            <a:spLocks noGrp="1"/>
+          </p:cNvSpPr>
+          <p:nvPr>
+            <p:ph type="title"/>
+          </p:nvPr>
+        </p:nvSpPr>
+        <p:spPr/>
+        <p:txBody>
+          <a:bodyPr/>
+          <a:lstStyle/>
+          <a:p>
+            <a:r>
+              <a:rPr lang="en-US" dirty="0" smtClean="0"/>
+              <a:t>Job Scheduler (JOSH)</a:t>
+            </a:r>
+            <a:endParaRPr lang="en-US" dirty="0"/>
+          </a:p>
+        </p:txBody>
+      </p:sp>
+      <p:sp>
+        <p:nvSpPr>
+          <p:cNvPr id="3" name="Content Placeholder 2"/>
+          <p:cNvSpPr>
+            <a:spLocks noGrp="1"/>
+          </p:cNvSpPr>
+          <p:nvPr>
+            <p:ph idx="1"/>
+          </p:nvPr>
+        </p:nvSpPr>
+        <p:spPr/>
+        <p:txBody>
+          <a:bodyPr/>
+          <a:lstStyle/>
+          <a:p>
+            <a:r>
+              <a:rPr lang="en-US" dirty="0" smtClean="0"/>
+              <a:t>Allows function call made on one processing element to be executed on another processing element</a:t>
+            </a:r>
+          </a:p>
+          <a:p>
+            <a:r>
+              <a:rPr lang="en-US" dirty="0" smtClean="0"/>
+              <a:t>Defines a prototype for a job/function call</a:t>
+            </a:r>
+          </a:p>
+          <a:p>
+            <a:r>
+              <a:rPr lang="en-US" dirty="0" smtClean="0"/>
+              <a:t>For DSP to understand what ARM is saying (or vice versa), “execute this particular function on DSP”</a:t>
+            </a:r>
+          </a:p>
+          <a:p>
+            <a:pPr lvl="1"/>
+            <a:r>
+              <a:rPr lang="en-US" dirty="0"/>
+              <a:t>M</a:t>
+            </a:r>
+            <a:r>
+              <a:rPr lang="en-US" dirty="0" smtClean="0"/>
+              <a:t>ust have common message type</a:t>
+            </a:r>
+          </a:p>
+          <a:p>
+            <a:r>
+              <a:rPr lang="en-US" b="1" dirty="0" smtClean="0"/>
+              <a:t>User application does not directly exercise any of the JOSH APIs</a:t>
+            </a:r>
+            <a:endParaRPr lang="en-US" b="1" dirty="0"/>
+          </a:p>
+        </p:txBody>
+      </p:sp>
+      <p:sp>
+        <p:nvSpPr>
+          <p:cNvPr id="4" name="Slide Number Placeholder 3"/>
+          <p:cNvSpPr>
+            <a:spLocks noGrp="1"/>
+          </p:cNvSpPr>
+          <p:nvPr>
+            <p:ph type="sldNum" sz="quarter" idx="4294967295"/>
+          </p:nvPr>
+        </p:nvSpPr>
+        <p:spPr>
+          <a:xfrm>
+            <a:off x="6642100" y="6049963"/>
+            <a:ext cx="2133600" cy="206375"/>
+          </a:xfrm>
+          <a:prstGeom prst="rect">
+            <a:avLst/>
+          </a:prstGeom>
+        </p:spPr>
+        <p:txBody>
+          <a:bodyPr/>
+          <a:lstStyle/>
+          <a:p>
+            <a:fld id="{3B20521C-F793-4067-BB07-C7AF74E21EF3}" type="slidenum">
+              <a:rPr lang="en-US" smtClean="0">
+                <a:solidFill>
+                  <a:srgbClr val="000000"/>
+                </a:solidFill>
+              </a:rPr>
+              <a:pPr/>
+              <a:t>80</a:t>
+            </a:fld>
+            <a:endParaRPr lang="en-US" dirty="0">
+              <a:solidFill>
+                <a:srgbClr val="000000"/>
+              </a:solidFill>
+            </a:endParaRPr>
+          </a:p>
+        </p:txBody>
+      </p:sp>
+    </p:spTree>
+    <p:extLst>
+      <p:ext uri="{BB962C8B-B14F-4D97-AF65-F5344CB8AC3E}">
+        <p14:creationId xmlns="" xmlns:p14="http://schemas.microsoft.com/office/powerpoint/2010/main" val="873158125"/>
+      </p:ext>
+    </p:extLst>
+  </p:cSld>
+  <p:clrMapOvr>
+    <a:masterClrMapping/>
+  </p:clrMapOvr>
+  <p:timing>
+    <p:tnLst>
+      <p:par>
+        <p:cTn id="1" dur="indefinite" restart="never" nodeType="tmRoot"/>
+      </p:par>
+    </p:tnLst>
+  </p:timing>
+</p:sld>
+</file>
+
+<file path=ppt/slides/slide81.xml><?xml version="1.0" encoding="utf-8"?>
+<p:sld xmlns:a="http://schemas.openxmlformats.org/drawingml/2006/main" xmlns:r="http://schemas.openxmlformats.org/officeDocument/2006/relationships" xmlns:p="http://schemas.openxmlformats.org/presentationml/2006/main">
+  <p:cSld>
+    <p:spTree>
+      <p:nvGrpSpPr>
+        <p:cNvPr id="1" name=""/>
+        <p:cNvGrpSpPr/>
+        <p:nvPr/>
+      </p:nvGrpSpPr>
+      <p:grpSpPr>
+        <a:xfrm>
+          <a:off x="0" y="0"/>
+          <a:ext cx="0" cy="0"/>
+          <a:chOff x="0" y="0"/>
+          <a:chExt cx="0" cy="0"/>
+        </a:xfrm>
+      </p:grpSpPr>
+      <p:sp>
+        <p:nvSpPr>
+          <p:cNvPr id="2" name="Title 1"/>
+          <p:cNvSpPr>
+            <a:spLocks noGrp="1"/>
+          </p:cNvSpPr>
+          <p:nvPr>
+            <p:ph type="title"/>
+          </p:nvPr>
+        </p:nvSpPr>
+        <p:spPr/>
+        <p:txBody>
+          <a:bodyPr/>
+          <a:lstStyle/>
+          <a:p>
+            <a:r>
+              <a:rPr lang="en-US" dirty="0" smtClean="0"/>
+              <a:t>Agent</a:t>
+            </a:r>
+            <a:endParaRPr lang="en-US" dirty="0"/>
+          </a:p>
+        </p:txBody>
+      </p:sp>
+      <p:sp>
+        <p:nvSpPr>
+          <p:cNvPr id="3" name="Content Placeholder 2"/>
+          <p:cNvSpPr>
+            <a:spLocks noGrp="1"/>
+          </p:cNvSpPr>
+          <p:nvPr>
+            <p:ph idx="1"/>
+          </p:nvPr>
+        </p:nvSpPr>
+        <p:spPr/>
+        <p:txBody>
+          <a:bodyPr/>
+          <a:lstStyle/>
+          <a:p>
+            <a:r>
+              <a:rPr lang="en-US" dirty="0" smtClean="0"/>
+              <a:t>Module which implements remote procedure calls between the ARM and the DSP</a:t>
+            </a:r>
+          </a:p>
+          <a:p>
+            <a:r>
+              <a:rPr lang="en-US" dirty="0" smtClean="0"/>
+              <a:t>Main purpose is to sync resources between ARM and DSP</a:t>
+            </a:r>
+          </a:p>
+          <a:p>
+            <a:pPr lvl="1"/>
+            <a:r>
+              <a:rPr lang="en-US" dirty="0" smtClean="0"/>
+              <a:t>Utilizes msgcom control path to sync updates about resources – creation, deletion, modification</a:t>
+            </a:r>
+          </a:p>
+          <a:p>
+            <a:r>
+              <a:rPr lang="en-US" dirty="0" smtClean="0"/>
+              <a:t>Must have separate instance of Agent for each DSP core being used.  </a:t>
+            </a:r>
+          </a:p>
+        </p:txBody>
+      </p:sp>
+      <p:sp>
+        <p:nvSpPr>
+          <p:cNvPr id="4" name="Slide Number Placeholder 3"/>
+          <p:cNvSpPr>
+            <a:spLocks noGrp="1"/>
+          </p:cNvSpPr>
+          <p:nvPr>
+            <p:ph type="sldNum" sz="quarter" idx="4294967295"/>
+          </p:nvPr>
+        </p:nvSpPr>
+        <p:spPr>
+          <a:xfrm>
+            <a:off x="6642100" y="6049963"/>
+            <a:ext cx="2133600" cy="206375"/>
+          </a:xfrm>
+          <a:prstGeom prst="rect">
+            <a:avLst/>
+          </a:prstGeom>
+        </p:spPr>
+        <p:txBody>
+          <a:bodyPr/>
+          <a:lstStyle/>
+          <a:p>
+            <a:fld id="{3B20521C-F793-4067-BB07-C7AF74E21EF3}" type="slidenum">
+              <a:rPr lang="en-US" smtClean="0">
+                <a:solidFill>
+                  <a:srgbClr val="000000"/>
+                </a:solidFill>
+              </a:rPr>
+              <a:pPr/>
+              <a:t>81</a:t>
+            </a:fld>
+            <a:endParaRPr lang="en-US" dirty="0">
+              <a:solidFill>
+                <a:srgbClr val="000000"/>
+              </a:solidFill>
+            </a:endParaRPr>
+          </a:p>
+        </p:txBody>
+      </p:sp>
+    </p:spTree>
+    <p:extLst>
+      <p:ext uri="{BB962C8B-B14F-4D97-AF65-F5344CB8AC3E}">
+        <p14:creationId xmlns="" xmlns:p14="http://schemas.microsoft.com/office/powerpoint/2010/main" val="519158970"/>
+      </p:ext>
+    </p:extLst>
+  </p:cSld>
+  <p:clrMapOvr>
+    <a:masterClrMapping/>
+  </p:clrMapOvr>
+  <p:timing>
+    <p:tnLst>
+      <p:par>
+        <p:cTn id="1" dur="indefinite" restart="never" nodeType="tmRoot"/>
+      </p:par>
+    </p:tnLst>
+  </p:timing>
+</p:sld>
+</file>
+
+<file path=ppt/slides/slide82.xml><?xml version="1.0" encoding="utf-8"?>
+<p:sld xmlns:a="http://schemas.openxmlformats.org/drawingml/2006/main" xmlns:r="http://schemas.openxmlformats.org/officeDocument/2006/relationships" xmlns:p="http://schemas.openxmlformats.org/presentationml/2006/main">
+  <p:cSld>
+    <p:spTree>
+      <p:nvGrpSpPr>
+        <p:cNvPr id="1" name=""/>
+        <p:cNvGrpSpPr/>
+        <p:nvPr/>
+      </p:nvGrpSpPr>
+      <p:grpSpPr>
+        <a:xfrm>
+          <a:off x="0" y="0"/>
+          <a:ext cx="0" cy="0"/>
+          <a:chOff x="0" y="0"/>
+          <a:chExt cx="0" cy="0"/>
+        </a:xfrm>
+      </p:grpSpPr>
+      <p:sp>
+        <p:nvSpPr>
+          <p:cNvPr id="2" name="Title 1"/>
+          <p:cNvSpPr>
+            <a:spLocks noGrp="1"/>
+          </p:cNvSpPr>
+          <p:nvPr>
+            <p:ph type="title"/>
+          </p:nvPr>
+        </p:nvSpPr>
+        <p:spPr/>
+        <p:txBody>
+          <a:bodyPr/>
+          <a:lstStyle/>
+          <a:p>
+            <a:r>
+              <a:rPr lang="en-US" dirty="0" smtClean="0"/>
+              <a:t>DSP Agent Creation </a:t>
+            </a:r>
+            <a:endParaRPr lang="en-US" dirty="0"/>
+          </a:p>
+        </p:txBody>
+      </p:sp>
+      <p:sp>
+        <p:nvSpPr>
+          <p:cNvPr id="3" name="Content Placeholder 2"/>
+          <p:cNvSpPr>
+            <a:spLocks noGrp="1"/>
+          </p:cNvSpPr>
+          <p:nvPr>
+            <p:ph idx="1"/>
+          </p:nvPr>
+        </p:nvSpPr>
+        <p:spPr/>
+        <p:txBody>
+          <a:bodyPr/>
+          <a:lstStyle/>
+          <a:p>
+            <a:r>
+              <a:rPr lang="en-US" dirty="0" smtClean="0"/>
+              <a:t>Agent has to be initialized on DSP before any remote function calls made</a:t>
+            </a:r>
+          </a:p>
+          <a:p>
+            <a:r>
+              <a:rPr lang="en-US" dirty="0" smtClean="0"/>
+              <a:t>Agent initialization requires a shared memory address in DDR3</a:t>
+            </a:r>
+          </a:p>
+          <a:p>
+            <a:pPr lvl="1"/>
+            <a:r>
+              <a:rPr lang="en-US" dirty="0" smtClean="0"/>
+              <a:t>Must reserve 4096 bytes of memory in DSP linker</a:t>
+            </a:r>
+          </a:p>
+          <a:p>
+            <a:pPr marL="341312" lvl="1" indent="0">
+              <a:buNone/>
+            </a:pPr>
+            <a:endParaRPr lang="en-US" dirty="0" smtClean="0"/>
+          </a:p>
+          <a:p>
+            <a:pPr marL="341312" lvl="1" indent="0">
+              <a:buNone/>
+            </a:pPr>
+            <a:endParaRPr lang="en-US" dirty="0"/>
+          </a:p>
+          <a:p>
+            <a:r>
+              <a:rPr lang="en-US" dirty="0" smtClean="0"/>
+              <a:t>Next, Agent must be created</a:t>
+            </a:r>
+          </a:p>
+          <a:p>
+            <a:pPr marL="0" indent="0">
+              <a:buNone/>
+            </a:pPr>
+            <a:endParaRPr lang="en-US" dirty="0" smtClean="0"/>
+          </a:p>
+          <a:p>
+            <a:pPr marL="0" indent="0">
+              <a:buNone/>
+            </a:pPr>
+            <a:endParaRPr lang="en-US" dirty="0"/>
+          </a:p>
+          <a:p>
+            <a:r>
+              <a:rPr lang="en-US" dirty="0" smtClean="0"/>
+              <a:t>Finally the Agent must be synced</a:t>
+            </a:r>
+          </a:p>
+          <a:p>
+            <a:pPr marL="0" indent="0">
+              <a:buNone/>
+            </a:pPr>
+            <a:endParaRPr lang="en-US" dirty="0" smtClean="0"/>
+          </a:p>
+        </p:txBody>
+      </p:sp>
+      <p:sp>
+        <p:nvSpPr>
+          <p:cNvPr id="4" name="Slide Number Placeholder 3"/>
+          <p:cNvSpPr>
+            <a:spLocks noGrp="1"/>
+          </p:cNvSpPr>
+          <p:nvPr>
+            <p:ph type="sldNum" sz="quarter" idx="4294967295"/>
+          </p:nvPr>
+        </p:nvSpPr>
+        <p:spPr>
+          <a:xfrm>
+            <a:off x="6642100" y="6049963"/>
+            <a:ext cx="2133600" cy="206375"/>
+          </a:xfrm>
+          <a:prstGeom prst="rect">
+            <a:avLst/>
+          </a:prstGeom>
+        </p:spPr>
+        <p:txBody>
+          <a:bodyPr/>
+          <a:lstStyle/>
+          <a:p>
+            <a:fld id="{3B20521C-F793-4067-BB07-C7AF74E21EF3}" type="slidenum">
+              <a:rPr lang="en-US" smtClean="0">
+                <a:solidFill>
+                  <a:srgbClr val="000000"/>
+                </a:solidFill>
+              </a:rPr>
+              <a:pPr/>
+              <a:t>82</a:t>
+            </a:fld>
+            <a:endParaRPr lang="en-US" dirty="0">
+              <a:solidFill>
+                <a:srgbClr val="000000"/>
+              </a:solidFill>
+            </a:endParaRPr>
+          </a:p>
+        </p:txBody>
+      </p:sp>
+      <p:pic>
+        <p:nvPicPr>
+          <p:cNvPr id="5" name="Picture 4" descr="Screen Clipping"/>
+          <p:cNvPicPr>
+            <a:picLocks noChangeAspect="1"/>
+          </p:cNvPicPr>
+          <p:nvPr/>
+        </p:nvPicPr>
+        <p:blipFill>
+          <a:blip r:embed="rId2">
+            <a:extLst>
+              <a:ext uri="{28A0092B-C50C-407E-A947-70E740481C1C}">
+                <a14:useLocalDpi xmlns="" xmlns:a14="http://schemas.microsoft.com/office/drawing/2010/main" val="0"/>
+              </a:ext>
+            </a:extLst>
+          </a:blip>
+          <a:stretch>
+            <a:fillRect/>
+          </a:stretch>
+        </p:blipFill>
+        <p:spPr>
+          <a:xfrm>
+            <a:off x="0" y="2647938"/>
+            <a:ext cx="9129149" cy="616834"/>
+          </a:xfrm>
+          <a:prstGeom prst="rect">
+            <a:avLst/>
+          </a:prstGeom>
+        </p:spPr>
+      </p:pic>
+      <p:pic>
+        <p:nvPicPr>
+          <p:cNvPr id="6" name="Picture 5" descr="Screen Clipping"/>
+          <p:cNvPicPr>
+            <a:picLocks noChangeAspect="1"/>
+          </p:cNvPicPr>
+          <p:nvPr/>
+        </p:nvPicPr>
+        <p:blipFill>
+          <a:blip r:embed="rId3">
+            <a:extLst>
+              <a:ext uri="{28A0092B-C50C-407E-A947-70E740481C1C}">
+                <a14:useLocalDpi xmlns="" xmlns:a14="http://schemas.microsoft.com/office/drawing/2010/main" val="0"/>
+              </a:ext>
+            </a:extLst>
+          </a:blip>
+          <a:stretch>
+            <a:fillRect/>
+          </a:stretch>
+        </p:blipFill>
+        <p:spPr>
+          <a:xfrm>
+            <a:off x="76200" y="3505200"/>
+            <a:ext cx="8839200" cy="670560"/>
+          </a:xfrm>
+          <a:prstGeom prst="rect">
+            <a:avLst/>
+          </a:prstGeom>
+        </p:spPr>
+      </p:pic>
+      <p:pic>
+        <p:nvPicPr>
+          <p:cNvPr id="7" name="Picture 6" descr="Screen Clipping"/>
+          <p:cNvPicPr>
+            <a:picLocks noChangeAspect="1"/>
+          </p:cNvPicPr>
+          <p:nvPr/>
+        </p:nvPicPr>
+        <p:blipFill>
+          <a:blip r:embed="rId4">
+            <a:extLst>
+              <a:ext uri="{28A0092B-C50C-407E-A947-70E740481C1C}">
+                <a14:useLocalDpi xmlns="" xmlns:a14="http://schemas.microsoft.com/office/drawing/2010/main" val="0"/>
+              </a:ext>
+            </a:extLst>
+          </a:blip>
+          <a:stretch>
+            <a:fillRect/>
+          </a:stretch>
+        </p:blipFill>
+        <p:spPr>
+          <a:xfrm>
+            <a:off x="76200" y="4776716"/>
+            <a:ext cx="8808720" cy="719080"/>
+          </a:xfrm>
+          <a:prstGeom prst="rect">
+            <a:avLst/>
+          </a:prstGeom>
+        </p:spPr>
+      </p:pic>
+    </p:spTree>
+    <p:extLst>
+      <p:ext uri="{BB962C8B-B14F-4D97-AF65-F5344CB8AC3E}">
+        <p14:creationId xmlns="" xmlns:p14="http://schemas.microsoft.com/office/powerpoint/2010/main" val="1296913141"/>
+      </p:ext>
+    </p:extLst>
+  </p:cSld>
+  <p:clrMapOvr>
+    <a:masterClrMapping/>
+  </p:clrMapOvr>
+  <p:timing>
+    <p:tnLst>
+      <p:par>
+        <p:cTn id="1" dur="indefinite" restart="never" nodeType="tmRoot"/>
+      </p:par>
+    </p:tnLst>
+  </p:timing>
+</p:sld>
+</file>
+
+<file path=ppt/slides/slide83.xml><?xml version="1.0" encoding="utf-8"?>
+<p:sld xmlns:a="http://schemas.openxmlformats.org/drawingml/2006/main" xmlns:r="http://schemas.openxmlformats.org/officeDocument/2006/relationships" xmlns:p="http://schemas.openxmlformats.org/presentationml/2006/main">
+  <p:cSld>
+    <p:spTree>
+      <p:nvGrpSpPr>
+        <p:cNvPr id="1" name=""/>
+        <p:cNvGrpSpPr/>
+        <p:nvPr/>
+      </p:nvGrpSpPr>
+      <p:grpSpPr>
+        <a:xfrm>
+          <a:off x="0" y="0"/>
+          <a:ext cx="0" cy="0"/>
+          <a:chOff x="0" y="0"/>
+          <a:chExt cx="0" cy="0"/>
+        </a:xfrm>
+      </p:grpSpPr>
+      <p:sp>
+        <p:nvSpPr>
+          <p:cNvPr id="2" name="Title 1"/>
+          <p:cNvSpPr>
+            <a:spLocks noGrp="1"/>
+          </p:cNvSpPr>
+          <p:nvPr>
+            <p:ph type="title"/>
+          </p:nvPr>
+        </p:nvSpPr>
+        <p:spPr/>
+        <p:txBody>
+          <a:bodyPr/>
+          <a:lstStyle/>
+          <a:p>
+            <a:r>
+              <a:rPr lang="en-US" dirty="0" smtClean="0"/>
+              <a:t>Agent Receive</a:t>
+            </a:r>
+            <a:endParaRPr lang="en-US" dirty="0"/>
+          </a:p>
+        </p:txBody>
+      </p:sp>
+      <p:sp>
+        <p:nvSpPr>
+          <p:cNvPr id="3" name="Content Placeholder 2"/>
+          <p:cNvSpPr>
+            <a:spLocks noGrp="1"/>
+          </p:cNvSpPr>
+          <p:nvPr>
+            <p:ph idx="1"/>
+          </p:nvPr>
+        </p:nvSpPr>
+        <p:spPr/>
+        <p:txBody>
+          <a:bodyPr/>
+          <a:lstStyle/>
+          <a:p>
+            <a:r>
+              <a:rPr lang="en-US" dirty="0" smtClean="0"/>
+              <a:t>The Agent receive API has to be called on both ARM and DSP to receive remote function call requests</a:t>
+            </a:r>
+          </a:p>
+          <a:p>
+            <a:pPr marL="0" indent="0">
+              <a:buNone/>
+            </a:pPr>
+            <a:endParaRPr lang="en-US" dirty="0"/>
+          </a:p>
+        </p:txBody>
+      </p:sp>
+      <p:sp>
+        <p:nvSpPr>
+          <p:cNvPr id="4" name="Slide Number Placeholder 3"/>
+          <p:cNvSpPr>
+            <a:spLocks noGrp="1"/>
+          </p:cNvSpPr>
+          <p:nvPr>
+            <p:ph type="sldNum" sz="quarter" idx="4294967295"/>
+          </p:nvPr>
+        </p:nvSpPr>
+        <p:spPr>
+          <a:xfrm>
+            <a:off x="6642100" y="6049963"/>
+            <a:ext cx="2133600" cy="206375"/>
+          </a:xfrm>
+          <a:prstGeom prst="rect">
+            <a:avLst/>
+          </a:prstGeom>
+        </p:spPr>
+        <p:txBody>
+          <a:bodyPr/>
+          <a:lstStyle/>
+          <a:p>
+            <a:fld id="{3B20521C-F793-4067-BB07-C7AF74E21EF3}" type="slidenum">
+              <a:rPr lang="en-US" smtClean="0">
+                <a:solidFill>
+                  <a:srgbClr val="000000"/>
+                </a:solidFill>
+              </a:rPr>
+              <a:pPr/>
+              <a:t>83</a:t>
+            </a:fld>
+            <a:endParaRPr lang="en-US" dirty="0">
+              <a:solidFill>
+                <a:srgbClr val="000000"/>
+              </a:solidFill>
+            </a:endParaRPr>
+          </a:p>
+        </p:txBody>
+      </p:sp>
+      <p:pic>
+        <p:nvPicPr>
+          <p:cNvPr id="5" name="Picture 4" descr="Screen Clipping"/>
+          <p:cNvPicPr>
+            <a:picLocks noChangeAspect="1"/>
+          </p:cNvPicPr>
+          <p:nvPr/>
+        </p:nvPicPr>
+        <p:blipFill>
+          <a:blip r:embed="rId2">
+            <a:extLst>
+              <a:ext uri="{28A0092B-C50C-407E-A947-70E740481C1C}">
+                <a14:useLocalDpi xmlns="" xmlns:a14="http://schemas.microsoft.com/office/drawing/2010/main" val="0"/>
+              </a:ext>
+            </a:extLst>
+          </a:blip>
+          <a:stretch>
+            <a:fillRect/>
+          </a:stretch>
+        </p:blipFill>
+        <p:spPr>
+          <a:xfrm>
+            <a:off x="0" y="1954598"/>
+            <a:ext cx="8991600" cy="542597"/>
+          </a:xfrm>
+          <a:prstGeom prst="rect">
+            <a:avLst/>
+          </a:prstGeom>
+        </p:spPr>
+      </p:pic>
+      <p:pic>
+        <p:nvPicPr>
+          <p:cNvPr id="6" name="Picture 5" descr="Screen Clipping"/>
+          <p:cNvPicPr>
+            <a:picLocks noChangeAspect="1"/>
+          </p:cNvPicPr>
+          <p:nvPr/>
+        </p:nvPicPr>
+        <p:blipFill>
+          <a:blip r:embed="rId3">
+            <a:extLst>
+              <a:ext uri="{28A0092B-C50C-407E-A947-70E740481C1C}">
+                <a14:useLocalDpi xmlns="" xmlns:a14="http://schemas.microsoft.com/office/drawing/2010/main" val="0"/>
+              </a:ext>
+            </a:extLst>
+          </a:blip>
+          <a:stretch>
+            <a:fillRect/>
+          </a:stretch>
+        </p:blipFill>
+        <p:spPr>
+          <a:xfrm>
+            <a:off x="1981200" y="2497195"/>
+            <a:ext cx="4825954" cy="3440362"/>
+          </a:xfrm>
+          <a:prstGeom prst="rect">
+            <a:avLst/>
+          </a:prstGeom>
+        </p:spPr>
+      </p:pic>
+    </p:spTree>
+    <p:extLst>
+      <p:ext uri="{BB962C8B-B14F-4D97-AF65-F5344CB8AC3E}">
+        <p14:creationId xmlns="" xmlns:p14="http://schemas.microsoft.com/office/powerpoint/2010/main" val="2292222192"/>
+      </p:ext>
+    </p:extLst>
+  </p:cSld>
+  <p:clrMapOvr>
+    <a:masterClrMapping/>
+  </p:clrMapOvr>
+  <p:timing>
+    <p:tnLst>
+      <p:par>
+        <p:cTn id="1" dur="indefinite" restart="never" nodeType="tmRoot"/>
+      </p:par>
+    </p:tnLst>
+  </p:timing>
 </p:sld>
 </file>
 
@@ -18722,6 +19784,13 @@
   <p:clrMapOvr>
     <a:masterClrMapping/>
   </p:clrMapOvr>
+  <p:timing>
+    <p:tnLst>
+      <p:par>
+        <p:cTn id="1" dur="indefinite" restart="never" nodeType="tmRoot"/>
+      </p:par>
+    </p:tnLst>
+  </p:timing>
 </p:sld>
 </file>
 
